--- a/Document/PRO1013_Du an1 (TKW)_Presentation.pptx
+++ b/Document/PRO1013_Du an1 (TKW)_Presentation.pptx
@@ -27,16 +27,16 @@
   <p:notesSz cx="6858000" cy="9144000"/>
   <p:embeddedFontLst>
     <p:embeddedFont>
-      <p:font typeface="Tahoma" pitchFamily="34" charset="0"/>
+      <p:font typeface="Calibri" panose="020F0502020204030204" pitchFamily="34" charset="0"/>
       <p:regular r:id="rId17"/>
       <p:bold r:id="rId18"/>
+      <p:italic r:id="rId19"/>
+      <p:boldItalic r:id="rId20"/>
     </p:embeddedFont>
     <p:embeddedFont>
-      <p:font typeface="Calibri" pitchFamily="34" charset="0"/>
-      <p:regular r:id="rId19"/>
-      <p:bold r:id="rId20"/>
-      <p:italic r:id="rId21"/>
-      <p:boldItalic r:id="rId22"/>
+      <p:font typeface="Tahoma" panose="020B0604030504040204" pitchFamily="34" charset="0"/>
+      <p:regular r:id="rId21"/>
+      <p:bold r:id="rId22"/>
     </p:embeddedFont>
   </p:embeddedFontLst>
   <p:defaultTextStyle>
@@ -164,6 +164,36 @@
       </a:defRPr>
     </a:lvl9pPr>
   </p:defaultTextStyle>
+  <p:extLst>
+    <p:ext uri="{EFAFB233-063F-42B5-8137-9DF3F51BA10A}">
+      <p15:sldGuideLst xmlns:p15="http://schemas.microsoft.com/office/powerpoint/2012/main">
+        <p15:guide id="1" orient="horz" pos="2160">
+          <p15:clr>
+            <a:srgbClr val="A4A3A4"/>
+          </p15:clr>
+        </p15:guide>
+        <p15:guide id="2" pos="2880">
+          <p15:clr>
+            <a:srgbClr val="A4A3A4"/>
+          </p15:clr>
+        </p15:guide>
+      </p15:sldGuideLst>
+    </p:ext>
+    <p:ext uri="{2D200454-40CA-4A62-9FC3-DE9A4176ACB9}">
+      <p15:notesGuideLst xmlns:p15="http://schemas.microsoft.com/office/powerpoint/2012/main">
+        <p15:guide id="1" orient="horz" pos="2880">
+          <p15:clr>
+            <a:srgbClr val="A4A3A4"/>
+          </p15:clr>
+        </p15:guide>
+        <p15:guide id="2" pos="2160">
+          <p15:clr>
+            <a:srgbClr val="A4A3A4"/>
+          </p15:clr>
+        </p15:guide>
+      </p15:notesGuideLst>
+    </p:ext>
+  </p:extLst>
 </p:presentation>
 </file>
 
@@ -971,49 +1001,49 @@
         <a:lstStyle/>
         <a:p>
           <a:r>
-            <a:rPr lang="en-US" sz="3200" dirty="0" err="1" smtClean="0">
+            <a:rPr lang="en-US" sz="3200" dirty="0" err="1">
               <a:latin typeface="Times New Roman" panose="02020603050405020304" pitchFamily="18" charset="0"/>
               <a:cs typeface="Times New Roman" panose="02020603050405020304" pitchFamily="18" charset="0"/>
             </a:rPr>
             <a:t>Giới</a:t>
           </a:r>
           <a:r>
-            <a:rPr lang="en-US" sz="3200" dirty="0" smtClean="0">
+            <a:rPr lang="en-US" sz="3200" dirty="0">
               <a:latin typeface="Times New Roman" panose="02020603050405020304" pitchFamily="18" charset="0"/>
               <a:cs typeface="Times New Roman" panose="02020603050405020304" pitchFamily="18" charset="0"/>
             </a:rPr>
             <a:t> </a:t>
           </a:r>
           <a:r>
-            <a:rPr lang="en-US" sz="3200" dirty="0" err="1" smtClean="0">
+            <a:rPr lang="en-US" sz="3200" dirty="0" err="1">
               <a:latin typeface="Times New Roman" panose="02020603050405020304" pitchFamily="18" charset="0"/>
               <a:cs typeface="Times New Roman" panose="02020603050405020304" pitchFamily="18" charset="0"/>
             </a:rPr>
             <a:t>thiệu</a:t>
           </a:r>
           <a:r>
-            <a:rPr lang="en-US" sz="3200" dirty="0" smtClean="0">
+            <a:rPr lang="en-US" sz="3200" dirty="0">
               <a:latin typeface="Times New Roman" panose="02020603050405020304" pitchFamily="18" charset="0"/>
               <a:cs typeface="Times New Roman" panose="02020603050405020304" pitchFamily="18" charset="0"/>
             </a:rPr>
             <a:t> </a:t>
           </a:r>
           <a:r>
-            <a:rPr lang="en-US" sz="3200" dirty="0" err="1" smtClean="0">
+            <a:rPr lang="en-US" sz="3200" dirty="0" err="1">
               <a:latin typeface="Times New Roman" panose="02020603050405020304" pitchFamily="18" charset="0"/>
               <a:cs typeface="Times New Roman" panose="02020603050405020304" pitchFamily="18" charset="0"/>
             </a:rPr>
             <a:t>thành</a:t>
           </a:r>
           <a:r>
-            <a:rPr lang="en-US" sz="3200" dirty="0" smtClean="0">
+            <a:rPr lang="en-US" sz="3200" dirty="0">
               <a:latin typeface="Times New Roman" panose="02020603050405020304" pitchFamily="18" charset="0"/>
               <a:cs typeface="Times New Roman" panose="02020603050405020304" pitchFamily="18" charset="0"/>
             </a:rPr>
             <a:t> </a:t>
           </a:r>
           <a:r>
-            <a:rPr lang="en-US" sz="3200" dirty="0" err="1" smtClean="0">
+            <a:rPr lang="en-US" sz="3200" dirty="0" err="1">
               <a:latin typeface="Times New Roman" panose="02020603050405020304" pitchFamily="18" charset="0"/>
               <a:cs typeface="Times New Roman" panose="02020603050405020304" pitchFamily="18" charset="0"/>
             </a:rPr>
@@ -1056,49 +1086,49 @@
         <a:lstStyle/>
         <a:p>
           <a:r>
-            <a:rPr lang="en-US" sz="3200" dirty="0" err="1" smtClean="0">
+            <a:rPr lang="en-US" sz="3200" dirty="0" err="1">
               <a:latin typeface="Times New Roman" panose="02020603050405020304" pitchFamily="18" charset="0"/>
               <a:cs typeface="Times New Roman" panose="02020603050405020304" pitchFamily="18" charset="0"/>
             </a:rPr>
             <a:t>Giới</a:t>
           </a:r>
           <a:r>
-            <a:rPr lang="en-US" sz="3200" dirty="0" smtClean="0">
+            <a:rPr lang="en-US" sz="3200" dirty="0">
               <a:latin typeface="Times New Roman" panose="02020603050405020304" pitchFamily="18" charset="0"/>
               <a:cs typeface="Times New Roman" panose="02020603050405020304" pitchFamily="18" charset="0"/>
             </a:rPr>
             <a:t> </a:t>
           </a:r>
           <a:r>
-            <a:rPr lang="en-US" sz="3200" dirty="0" err="1" smtClean="0">
+            <a:rPr lang="en-US" sz="3200" dirty="0" err="1">
               <a:latin typeface="Times New Roman" panose="02020603050405020304" pitchFamily="18" charset="0"/>
               <a:cs typeface="Times New Roman" panose="02020603050405020304" pitchFamily="18" charset="0"/>
             </a:rPr>
             <a:t>thiệu</a:t>
           </a:r>
           <a:r>
-            <a:rPr lang="en-US" sz="3200" dirty="0" smtClean="0">
+            <a:rPr lang="en-US" sz="3200" dirty="0">
               <a:latin typeface="Times New Roman" panose="02020603050405020304" pitchFamily="18" charset="0"/>
               <a:cs typeface="Times New Roman" panose="02020603050405020304" pitchFamily="18" charset="0"/>
             </a:rPr>
             <a:t> </a:t>
           </a:r>
           <a:r>
-            <a:rPr lang="en-US" sz="3200" dirty="0" err="1" smtClean="0">
+            <a:rPr lang="en-US" sz="3200" dirty="0" err="1">
               <a:latin typeface="Times New Roman" panose="02020603050405020304" pitchFamily="18" charset="0"/>
               <a:cs typeface="Times New Roman" panose="02020603050405020304" pitchFamily="18" charset="0"/>
             </a:rPr>
             <a:t>đề</a:t>
           </a:r>
           <a:r>
-            <a:rPr lang="en-US" sz="3200" dirty="0" smtClean="0">
+            <a:rPr lang="en-US" sz="3200" dirty="0">
               <a:latin typeface="Times New Roman" panose="02020603050405020304" pitchFamily="18" charset="0"/>
               <a:cs typeface="Times New Roman" panose="02020603050405020304" pitchFamily="18" charset="0"/>
             </a:rPr>
             <a:t> </a:t>
           </a:r>
           <a:r>
-            <a:rPr lang="en-US" sz="3200" dirty="0" err="1" smtClean="0">
+            <a:rPr lang="en-US" sz="3200" dirty="0" err="1">
               <a:latin typeface="Times New Roman" panose="02020603050405020304" pitchFamily="18" charset="0"/>
               <a:cs typeface="Times New Roman" panose="02020603050405020304" pitchFamily="18" charset="0"/>
             </a:rPr>
@@ -1141,28 +1171,28 @@
         <a:lstStyle/>
         <a:p>
           <a:r>
-            <a:rPr lang="en-US" sz="3200" dirty="0" smtClean="0">
+            <a:rPr lang="en-US" sz="3200" dirty="0">
               <a:latin typeface="Times New Roman" panose="02020603050405020304" pitchFamily="18" charset="0"/>
               <a:cs typeface="Times New Roman" panose="02020603050405020304" pitchFamily="18" charset="0"/>
             </a:rPr>
             <a:t>Demo </a:t>
           </a:r>
           <a:r>
-            <a:rPr lang="en-US" sz="3200" dirty="0" err="1" smtClean="0">
+            <a:rPr lang="en-US" sz="3200" dirty="0" err="1">
               <a:latin typeface="Times New Roman" panose="02020603050405020304" pitchFamily="18" charset="0"/>
               <a:cs typeface="Times New Roman" panose="02020603050405020304" pitchFamily="18" charset="0"/>
             </a:rPr>
             <a:t>đề</a:t>
           </a:r>
           <a:r>
-            <a:rPr lang="en-US" sz="3200" dirty="0" smtClean="0">
+            <a:rPr lang="en-US" sz="3200" dirty="0">
               <a:latin typeface="Times New Roman" panose="02020603050405020304" pitchFamily="18" charset="0"/>
               <a:cs typeface="Times New Roman" panose="02020603050405020304" pitchFamily="18" charset="0"/>
             </a:rPr>
             <a:t> </a:t>
           </a:r>
           <a:r>
-            <a:rPr lang="en-US" sz="3200" dirty="0" err="1" smtClean="0">
+            <a:rPr lang="en-US" sz="3200" dirty="0" err="1">
               <a:latin typeface="Times New Roman" panose="02020603050405020304" pitchFamily="18" charset="0"/>
               <a:cs typeface="Times New Roman" panose="02020603050405020304" pitchFamily="18" charset="0"/>
             </a:rPr>
@@ -1205,35 +1235,35 @@
         <a:lstStyle/>
         <a:p>
           <a:r>
-            <a:rPr lang="en-US" sz="3200" dirty="0" err="1" smtClean="0">
+            <a:rPr lang="en-US" sz="3200" dirty="0" err="1">
               <a:latin typeface="Times New Roman" panose="02020603050405020304" pitchFamily="18" charset="0"/>
               <a:cs typeface="Times New Roman" panose="02020603050405020304" pitchFamily="18" charset="0"/>
             </a:rPr>
             <a:t>Khó</a:t>
           </a:r>
           <a:r>
-            <a:rPr lang="en-US" sz="3200" dirty="0" smtClean="0">
+            <a:rPr lang="en-US" sz="3200" dirty="0">
               <a:latin typeface="Times New Roman" panose="02020603050405020304" pitchFamily="18" charset="0"/>
               <a:cs typeface="Times New Roman" panose="02020603050405020304" pitchFamily="18" charset="0"/>
             </a:rPr>
             <a:t> </a:t>
           </a:r>
           <a:r>
-            <a:rPr lang="en-US" sz="3200" dirty="0" err="1" smtClean="0">
+            <a:rPr lang="en-US" sz="3200" dirty="0" err="1">
               <a:latin typeface="Times New Roman" panose="02020603050405020304" pitchFamily="18" charset="0"/>
               <a:cs typeface="Times New Roman" panose="02020603050405020304" pitchFamily="18" charset="0"/>
             </a:rPr>
             <a:t>khăn-Thuận</a:t>
           </a:r>
           <a:r>
-            <a:rPr lang="en-US" sz="3200" dirty="0" smtClean="0">
+            <a:rPr lang="en-US" sz="3200" dirty="0">
               <a:latin typeface="Times New Roman" panose="02020603050405020304" pitchFamily="18" charset="0"/>
               <a:cs typeface="Times New Roman" panose="02020603050405020304" pitchFamily="18" charset="0"/>
             </a:rPr>
             <a:t> </a:t>
           </a:r>
           <a:r>
-            <a:rPr lang="en-US" sz="3200" dirty="0" err="1" smtClean="0">
+            <a:rPr lang="en-US" sz="3200" dirty="0" err="1">
               <a:latin typeface="Times New Roman" panose="02020603050405020304" pitchFamily="18" charset="0"/>
               <a:cs typeface="Times New Roman" panose="02020603050405020304" pitchFamily="18" charset="0"/>
             </a:rPr>
@@ -1277,13 +1307,6 @@
         </dgm:presLayoutVars>
       </dgm:prSet>
       <dgm:spPr/>
-      <dgm:t>
-        <a:bodyPr/>
-        <a:lstStyle/>
-        <a:p>
-          <a:endParaRPr lang="en-US"/>
-        </a:p>
-      </dgm:t>
     </dgm:pt>
     <dgm:pt modelId="{7B0C1364-2420-4CF3-8F2D-E754892E03F6}" type="pres">
       <dgm:prSet presAssocID="{4A7BFC36-3C2A-4109-AA25-99333D17F459}" presName="Name1" presStyleCnt="0"/>
@@ -1300,13 +1323,6 @@
     <dgm:pt modelId="{5D4280FA-DD39-4239-B17D-AC4CB7099E0C}" type="pres">
       <dgm:prSet presAssocID="{4A7BFC36-3C2A-4109-AA25-99333D17F459}" presName="conn" presStyleLbl="parChTrans1D2" presStyleIdx="0" presStyleCnt="1"/>
       <dgm:spPr/>
-      <dgm:t>
-        <a:bodyPr/>
-        <a:lstStyle/>
-        <a:p>
-          <a:endParaRPr lang="en-US"/>
-        </a:p>
-      </dgm:t>
     </dgm:pt>
     <dgm:pt modelId="{1C94C3E5-6DB6-42E7-9FD7-150C12B2465B}" type="pres">
       <dgm:prSet presAssocID="{4A7BFC36-3C2A-4109-AA25-99333D17F459}" presName="extraNode" presStyleLbl="node1" presStyleIdx="0" presStyleCnt="4"/>
@@ -1323,13 +1339,6 @@
         </dgm:presLayoutVars>
       </dgm:prSet>
       <dgm:spPr/>
-      <dgm:t>
-        <a:bodyPr/>
-        <a:lstStyle/>
-        <a:p>
-          <a:endParaRPr lang="en-US"/>
-        </a:p>
-      </dgm:t>
     </dgm:pt>
     <dgm:pt modelId="{FDB5955A-EE21-482B-987F-2B4055D50D90}" type="pres">
       <dgm:prSet presAssocID="{542ECF31-C4FE-4935-8D39-53E7A9230564}" presName="accent_1" presStyleCnt="0"/>
@@ -1346,13 +1355,6 @@
         </dgm:presLayoutVars>
       </dgm:prSet>
       <dgm:spPr/>
-      <dgm:t>
-        <a:bodyPr/>
-        <a:lstStyle/>
-        <a:p>
-          <a:endParaRPr lang="en-US"/>
-        </a:p>
-      </dgm:t>
     </dgm:pt>
     <dgm:pt modelId="{A201787E-DE85-4B35-A313-B5E183AC6087}" type="pres">
       <dgm:prSet presAssocID="{5F6F9E5C-2501-4D68-952B-D430861B4B3F}" presName="accent_2" presStyleCnt="0"/>
@@ -1369,13 +1371,6 @@
         </dgm:presLayoutVars>
       </dgm:prSet>
       <dgm:spPr/>
-      <dgm:t>
-        <a:bodyPr/>
-        <a:lstStyle/>
-        <a:p>
-          <a:endParaRPr lang="en-US"/>
-        </a:p>
-      </dgm:t>
     </dgm:pt>
     <dgm:pt modelId="{BC301CDF-A0E3-40D2-AF49-CD90216D04CD}" type="pres">
       <dgm:prSet presAssocID="{30E84CA5-F024-428F-9AFA-3A3473BA38E9}" presName="accent_3" presStyleCnt="0"/>
@@ -1392,13 +1387,6 @@
         </dgm:presLayoutVars>
       </dgm:prSet>
       <dgm:spPr/>
-      <dgm:t>
-        <a:bodyPr/>
-        <a:lstStyle/>
-        <a:p>
-          <a:endParaRPr lang="en-US"/>
-        </a:p>
-      </dgm:t>
     </dgm:pt>
     <dgm:pt modelId="{BCD634CD-720D-4D11-8347-5CFCCF3DF431}" type="pres">
       <dgm:prSet presAssocID="{F331E643-8736-4540-8D95-889F74603BCA}" presName="accent_4" presStyleCnt="0"/>
@@ -1410,16 +1398,16 @@
     </dgm:pt>
   </dgm:ptLst>
   <dgm:cxnLst>
+    <dgm:cxn modelId="{2DBCA301-4FA5-4449-933F-745C63C030E7}" srcId="{4A7BFC36-3C2A-4109-AA25-99333D17F459}" destId="{30E84CA5-F024-428F-9AFA-3A3473BA38E9}" srcOrd="2" destOrd="0" parTransId="{DDB5D489-108D-421E-9ABE-D06DEB4A9C63}" sibTransId="{77CBBFBC-579A-4B51-86BF-E790CDB48ABE}"/>
+    <dgm:cxn modelId="{9DE5AB19-43A7-4BA5-B43E-F816B1EEF3ED}" type="presOf" srcId="{30E84CA5-F024-428F-9AFA-3A3473BA38E9}" destId="{E0D4DA31-59C9-469C-AD8F-E6FAD0DDDCC0}" srcOrd="0" destOrd="0" presId="urn:microsoft.com/office/officeart/2008/layout/VerticalCurvedList"/>
+    <dgm:cxn modelId="{5B28F440-E3B7-40EA-907A-7773B4277658}" srcId="{4A7BFC36-3C2A-4109-AA25-99333D17F459}" destId="{542ECF31-C4FE-4935-8D39-53E7A9230564}" srcOrd="0" destOrd="0" parTransId="{1B2B8ED3-670D-4C9E-BF90-B99EDCCD24A9}" sibTransId="{23FE3D32-22E4-4C9E-B61D-D735F7F5B5B8}"/>
+    <dgm:cxn modelId="{8C78B86E-4C58-443A-9827-4223DD8DD046}" type="presOf" srcId="{542ECF31-C4FE-4935-8D39-53E7A9230564}" destId="{7B651D3C-697D-486C-B392-21F1B3A3D811}" srcOrd="0" destOrd="0" presId="urn:microsoft.com/office/officeart/2008/layout/VerticalCurvedList"/>
+    <dgm:cxn modelId="{BBC3A956-FA2A-467B-870F-C5A696682D27}" type="presOf" srcId="{F331E643-8736-4540-8D95-889F74603BCA}" destId="{ED9E2485-7E32-4E89-B8E6-CD1651559F68}" srcOrd="0" destOrd="0" presId="urn:microsoft.com/office/officeart/2008/layout/VerticalCurvedList"/>
     <dgm:cxn modelId="{7B41E195-D83B-40BF-BB51-76C4D3F1BE8B}" srcId="{4A7BFC36-3C2A-4109-AA25-99333D17F459}" destId="{F331E643-8736-4540-8D95-889F74603BCA}" srcOrd="3" destOrd="0" parTransId="{560A55C0-827C-4919-A939-2343DBB3561E}" sibTransId="{2814AE52-0719-4E08-9720-0CA687B9A900}"/>
+    <dgm:cxn modelId="{097F519A-314E-418F-A6BE-F4A03ECDA090}" type="presOf" srcId="{4A7BFC36-3C2A-4109-AA25-99333D17F459}" destId="{9A793930-B29B-40BB-B59F-0D180FE78E80}" srcOrd="0" destOrd="0" presId="urn:microsoft.com/office/officeart/2008/layout/VerticalCurvedList"/>
+    <dgm:cxn modelId="{7B588CB3-ADF0-449F-919E-3E2684102E62}" srcId="{4A7BFC36-3C2A-4109-AA25-99333D17F459}" destId="{5F6F9E5C-2501-4D68-952B-D430861B4B3F}" srcOrd="1" destOrd="0" parTransId="{A08E1CB6-6E21-44B7-9382-566A2FD21D66}" sibTransId="{10D8CCF1-8FCD-415A-9BC1-8F492FD409FE}"/>
     <dgm:cxn modelId="{112942BD-6ECB-4F2F-B7B7-75529B9A5887}" type="presOf" srcId="{23FE3D32-22E4-4C9E-B61D-D735F7F5B5B8}" destId="{5D4280FA-DD39-4239-B17D-AC4CB7099E0C}" srcOrd="0" destOrd="0" presId="urn:microsoft.com/office/officeart/2008/layout/VerticalCurvedList"/>
-    <dgm:cxn modelId="{5B28F440-E3B7-40EA-907A-7773B4277658}" srcId="{4A7BFC36-3C2A-4109-AA25-99333D17F459}" destId="{542ECF31-C4FE-4935-8D39-53E7A9230564}" srcOrd="0" destOrd="0" parTransId="{1B2B8ED3-670D-4C9E-BF90-B99EDCCD24A9}" sibTransId="{23FE3D32-22E4-4C9E-B61D-D735F7F5B5B8}"/>
     <dgm:cxn modelId="{17CC32E6-4264-4480-B252-5E6A053135F0}" type="presOf" srcId="{5F6F9E5C-2501-4D68-952B-D430861B4B3F}" destId="{4F2F0B7E-724B-410D-9781-83F5C5A787B7}" srcOrd="0" destOrd="0" presId="urn:microsoft.com/office/officeart/2008/layout/VerticalCurvedList"/>
-    <dgm:cxn modelId="{7B588CB3-ADF0-449F-919E-3E2684102E62}" srcId="{4A7BFC36-3C2A-4109-AA25-99333D17F459}" destId="{5F6F9E5C-2501-4D68-952B-D430861B4B3F}" srcOrd="1" destOrd="0" parTransId="{A08E1CB6-6E21-44B7-9382-566A2FD21D66}" sibTransId="{10D8CCF1-8FCD-415A-9BC1-8F492FD409FE}"/>
-    <dgm:cxn modelId="{097F519A-314E-418F-A6BE-F4A03ECDA090}" type="presOf" srcId="{4A7BFC36-3C2A-4109-AA25-99333D17F459}" destId="{9A793930-B29B-40BB-B59F-0D180FE78E80}" srcOrd="0" destOrd="0" presId="urn:microsoft.com/office/officeart/2008/layout/VerticalCurvedList"/>
-    <dgm:cxn modelId="{8C78B86E-4C58-443A-9827-4223DD8DD046}" type="presOf" srcId="{542ECF31-C4FE-4935-8D39-53E7A9230564}" destId="{7B651D3C-697D-486C-B392-21F1B3A3D811}" srcOrd="0" destOrd="0" presId="urn:microsoft.com/office/officeart/2008/layout/VerticalCurvedList"/>
-    <dgm:cxn modelId="{2DBCA301-4FA5-4449-933F-745C63C030E7}" srcId="{4A7BFC36-3C2A-4109-AA25-99333D17F459}" destId="{30E84CA5-F024-428F-9AFA-3A3473BA38E9}" srcOrd="2" destOrd="0" parTransId="{DDB5D489-108D-421E-9ABE-D06DEB4A9C63}" sibTransId="{77CBBFBC-579A-4B51-86BF-E790CDB48ABE}"/>
-    <dgm:cxn modelId="{BBC3A956-FA2A-467B-870F-C5A696682D27}" type="presOf" srcId="{F331E643-8736-4540-8D95-889F74603BCA}" destId="{ED9E2485-7E32-4E89-B8E6-CD1651559F68}" srcOrd="0" destOrd="0" presId="urn:microsoft.com/office/officeart/2008/layout/VerticalCurvedList"/>
-    <dgm:cxn modelId="{9DE5AB19-43A7-4BA5-B43E-F816B1EEF3ED}" type="presOf" srcId="{30E84CA5-F024-428F-9AFA-3A3473BA38E9}" destId="{E0D4DA31-59C9-469C-AD8F-E6FAD0DDDCC0}" srcOrd="0" destOrd="0" presId="urn:microsoft.com/office/officeart/2008/layout/VerticalCurvedList"/>
     <dgm:cxn modelId="{054E7C92-AA6A-4F26-BB38-5305D53B8DAB}" type="presParOf" srcId="{9A793930-B29B-40BB-B59F-0D180FE78E80}" destId="{7B0C1364-2420-4CF3-8F2D-E754892E03F6}" srcOrd="0" destOrd="0" presId="urn:microsoft.com/office/officeart/2008/layout/VerticalCurvedList"/>
     <dgm:cxn modelId="{BCEE3D69-3EE7-4544-86EE-9041B2BEDF8A}" type="presParOf" srcId="{7B0C1364-2420-4CF3-8F2D-E754892E03F6}" destId="{6E8C2A74-21E5-4FC6-AA81-6BA30351377D}" srcOrd="0" destOrd="0" presId="urn:microsoft.com/office/officeart/2008/layout/VerticalCurvedList"/>
     <dgm:cxn modelId="{A2CED7C3-9A39-423C-85EB-468B6F658A4A}" type="presParOf" srcId="{6E8C2A74-21E5-4FC6-AA81-6BA30351377D}" destId="{0B91EAAF-43EC-415F-87A6-C6F8B2D190B3}" srcOrd="0" destOrd="0" presId="urn:microsoft.com/office/officeart/2008/layout/VerticalCurvedList"/>
@@ -1593,7 +1581,7 @@
         </a:bodyPr>
         <a:lstStyle/>
         <a:p>
-          <a:pPr lvl="0" algn="l" defTabSz="1422400">
+          <a:pPr marL="0" lvl="0" indent="0" algn="l" defTabSz="1422400">
             <a:lnSpc>
               <a:spcPct val="90000"/>
             </a:lnSpc>
@@ -1603,51 +1591,52 @@
             <a:spcAft>
               <a:spcPct val="35000"/>
             </a:spcAft>
+            <a:buNone/>
           </a:pPr>
           <a:r>
-            <a:rPr lang="en-US" sz="3200" kern="1200" dirty="0" err="1" smtClean="0">
+            <a:rPr lang="en-US" sz="3200" kern="1200" dirty="0" err="1">
               <a:latin typeface="Times New Roman" panose="02020603050405020304" pitchFamily="18" charset="0"/>
               <a:cs typeface="Times New Roman" panose="02020603050405020304" pitchFamily="18" charset="0"/>
             </a:rPr>
             <a:t>Giới</a:t>
           </a:r>
           <a:r>
-            <a:rPr lang="en-US" sz="3200" kern="1200" dirty="0" smtClean="0">
+            <a:rPr lang="en-US" sz="3200" kern="1200" dirty="0">
               <a:latin typeface="Times New Roman" panose="02020603050405020304" pitchFamily="18" charset="0"/>
               <a:cs typeface="Times New Roman" panose="02020603050405020304" pitchFamily="18" charset="0"/>
             </a:rPr>
             <a:t> </a:t>
           </a:r>
           <a:r>
-            <a:rPr lang="en-US" sz="3200" kern="1200" dirty="0" err="1" smtClean="0">
+            <a:rPr lang="en-US" sz="3200" kern="1200" dirty="0" err="1">
               <a:latin typeface="Times New Roman" panose="02020603050405020304" pitchFamily="18" charset="0"/>
               <a:cs typeface="Times New Roman" panose="02020603050405020304" pitchFamily="18" charset="0"/>
             </a:rPr>
             <a:t>thiệu</a:t>
           </a:r>
           <a:r>
-            <a:rPr lang="en-US" sz="3200" kern="1200" dirty="0" smtClean="0">
+            <a:rPr lang="en-US" sz="3200" kern="1200" dirty="0">
               <a:latin typeface="Times New Roman" panose="02020603050405020304" pitchFamily="18" charset="0"/>
               <a:cs typeface="Times New Roman" panose="02020603050405020304" pitchFamily="18" charset="0"/>
             </a:rPr>
             <a:t> </a:t>
           </a:r>
           <a:r>
-            <a:rPr lang="en-US" sz="3200" kern="1200" dirty="0" err="1" smtClean="0">
+            <a:rPr lang="en-US" sz="3200" kern="1200" dirty="0" err="1">
               <a:latin typeface="Times New Roman" panose="02020603050405020304" pitchFamily="18" charset="0"/>
               <a:cs typeface="Times New Roman" panose="02020603050405020304" pitchFamily="18" charset="0"/>
             </a:rPr>
             <a:t>thành</a:t>
           </a:r>
           <a:r>
-            <a:rPr lang="en-US" sz="3200" kern="1200" dirty="0" smtClean="0">
+            <a:rPr lang="en-US" sz="3200" kern="1200" dirty="0">
               <a:latin typeface="Times New Roman" panose="02020603050405020304" pitchFamily="18" charset="0"/>
               <a:cs typeface="Times New Roman" panose="02020603050405020304" pitchFamily="18" charset="0"/>
             </a:rPr>
             <a:t> </a:t>
           </a:r>
           <a:r>
-            <a:rPr lang="en-US" sz="3200" kern="1200" dirty="0" err="1" smtClean="0">
+            <a:rPr lang="en-US" sz="3200" kern="1200" dirty="0" err="1">
               <a:latin typeface="Times New Roman" panose="02020603050405020304" pitchFamily="18" charset="0"/>
               <a:cs typeface="Times New Roman" panose="02020603050405020304" pitchFamily="18" charset="0"/>
             </a:rPr>
@@ -1811,7 +1800,7 @@
         </a:bodyPr>
         <a:lstStyle/>
         <a:p>
-          <a:pPr lvl="0" algn="l" defTabSz="1422400">
+          <a:pPr marL="0" lvl="0" indent="0" algn="l" defTabSz="1422400">
             <a:lnSpc>
               <a:spcPct val="90000"/>
             </a:lnSpc>
@@ -1821,51 +1810,52 @@
             <a:spcAft>
               <a:spcPct val="35000"/>
             </a:spcAft>
+            <a:buNone/>
           </a:pPr>
           <a:r>
-            <a:rPr lang="en-US" sz="3200" kern="1200" dirty="0" err="1" smtClean="0">
+            <a:rPr lang="en-US" sz="3200" kern="1200" dirty="0" err="1">
               <a:latin typeface="Times New Roman" panose="02020603050405020304" pitchFamily="18" charset="0"/>
               <a:cs typeface="Times New Roman" panose="02020603050405020304" pitchFamily="18" charset="0"/>
             </a:rPr>
             <a:t>Giới</a:t>
           </a:r>
           <a:r>
-            <a:rPr lang="en-US" sz="3200" kern="1200" dirty="0" smtClean="0">
+            <a:rPr lang="en-US" sz="3200" kern="1200" dirty="0">
               <a:latin typeface="Times New Roman" panose="02020603050405020304" pitchFamily="18" charset="0"/>
               <a:cs typeface="Times New Roman" panose="02020603050405020304" pitchFamily="18" charset="0"/>
             </a:rPr>
             <a:t> </a:t>
           </a:r>
           <a:r>
-            <a:rPr lang="en-US" sz="3200" kern="1200" dirty="0" err="1" smtClean="0">
+            <a:rPr lang="en-US" sz="3200" kern="1200" dirty="0" err="1">
               <a:latin typeface="Times New Roman" panose="02020603050405020304" pitchFamily="18" charset="0"/>
               <a:cs typeface="Times New Roman" panose="02020603050405020304" pitchFamily="18" charset="0"/>
             </a:rPr>
             <a:t>thiệu</a:t>
           </a:r>
           <a:r>
-            <a:rPr lang="en-US" sz="3200" kern="1200" dirty="0" smtClean="0">
+            <a:rPr lang="en-US" sz="3200" kern="1200" dirty="0">
               <a:latin typeface="Times New Roman" panose="02020603050405020304" pitchFamily="18" charset="0"/>
               <a:cs typeface="Times New Roman" panose="02020603050405020304" pitchFamily="18" charset="0"/>
             </a:rPr>
             <a:t> </a:t>
           </a:r>
           <a:r>
-            <a:rPr lang="en-US" sz="3200" kern="1200" dirty="0" err="1" smtClean="0">
+            <a:rPr lang="en-US" sz="3200" kern="1200" dirty="0" err="1">
               <a:latin typeface="Times New Roman" panose="02020603050405020304" pitchFamily="18" charset="0"/>
               <a:cs typeface="Times New Roman" panose="02020603050405020304" pitchFamily="18" charset="0"/>
             </a:rPr>
             <a:t>đề</a:t>
           </a:r>
           <a:r>
-            <a:rPr lang="en-US" sz="3200" kern="1200" dirty="0" smtClean="0">
+            <a:rPr lang="en-US" sz="3200" kern="1200" dirty="0">
               <a:latin typeface="Times New Roman" panose="02020603050405020304" pitchFamily="18" charset="0"/>
               <a:cs typeface="Times New Roman" panose="02020603050405020304" pitchFamily="18" charset="0"/>
             </a:rPr>
             <a:t> </a:t>
           </a:r>
           <a:r>
-            <a:rPr lang="en-US" sz="3200" kern="1200" dirty="0" err="1" smtClean="0">
+            <a:rPr lang="en-US" sz="3200" kern="1200" dirty="0" err="1">
               <a:latin typeface="Times New Roman" panose="02020603050405020304" pitchFamily="18" charset="0"/>
               <a:cs typeface="Times New Roman" panose="02020603050405020304" pitchFamily="18" charset="0"/>
             </a:rPr>
@@ -2029,7 +2019,7 @@
         </a:bodyPr>
         <a:lstStyle/>
         <a:p>
-          <a:pPr lvl="0" algn="l" defTabSz="1422400">
+          <a:pPr marL="0" lvl="0" indent="0" algn="l" defTabSz="1422400">
             <a:lnSpc>
               <a:spcPct val="90000"/>
             </a:lnSpc>
@@ -2039,37 +2029,38 @@
             <a:spcAft>
               <a:spcPct val="35000"/>
             </a:spcAft>
+            <a:buNone/>
           </a:pPr>
           <a:r>
-            <a:rPr lang="en-US" sz="3200" kern="1200" dirty="0" err="1" smtClean="0">
+            <a:rPr lang="en-US" sz="3200" kern="1200" dirty="0" err="1">
               <a:latin typeface="Times New Roman" panose="02020603050405020304" pitchFamily="18" charset="0"/>
               <a:cs typeface="Times New Roman" panose="02020603050405020304" pitchFamily="18" charset="0"/>
             </a:rPr>
             <a:t>Khó</a:t>
           </a:r>
           <a:r>
-            <a:rPr lang="en-US" sz="3200" kern="1200" dirty="0" smtClean="0">
+            <a:rPr lang="en-US" sz="3200" kern="1200" dirty="0">
               <a:latin typeface="Times New Roman" panose="02020603050405020304" pitchFamily="18" charset="0"/>
               <a:cs typeface="Times New Roman" panose="02020603050405020304" pitchFamily="18" charset="0"/>
             </a:rPr>
             <a:t> </a:t>
           </a:r>
           <a:r>
-            <a:rPr lang="en-US" sz="3200" kern="1200" dirty="0" err="1" smtClean="0">
+            <a:rPr lang="en-US" sz="3200" kern="1200" dirty="0" err="1">
               <a:latin typeface="Times New Roman" panose="02020603050405020304" pitchFamily="18" charset="0"/>
               <a:cs typeface="Times New Roman" panose="02020603050405020304" pitchFamily="18" charset="0"/>
             </a:rPr>
             <a:t>khăn-Thuận</a:t>
           </a:r>
           <a:r>
-            <a:rPr lang="en-US" sz="3200" kern="1200" dirty="0" smtClean="0">
+            <a:rPr lang="en-US" sz="3200" kern="1200" dirty="0">
               <a:latin typeface="Times New Roman" panose="02020603050405020304" pitchFamily="18" charset="0"/>
               <a:cs typeface="Times New Roman" panose="02020603050405020304" pitchFamily="18" charset="0"/>
             </a:rPr>
             <a:t> </a:t>
           </a:r>
           <a:r>
-            <a:rPr lang="en-US" sz="3200" kern="1200" dirty="0" err="1" smtClean="0">
+            <a:rPr lang="en-US" sz="3200" kern="1200" dirty="0" err="1">
               <a:latin typeface="Times New Roman" panose="02020603050405020304" pitchFamily="18" charset="0"/>
               <a:cs typeface="Times New Roman" panose="02020603050405020304" pitchFamily="18" charset="0"/>
             </a:rPr>
@@ -2233,7 +2224,7 @@
         </a:bodyPr>
         <a:lstStyle/>
         <a:p>
-          <a:pPr lvl="0" algn="l" defTabSz="1422400">
+          <a:pPr marL="0" lvl="0" indent="0" algn="l" defTabSz="1422400">
             <a:lnSpc>
               <a:spcPct val="90000"/>
             </a:lnSpc>
@@ -2243,30 +2234,31 @@
             <a:spcAft>
               <a:spcPct val="35000"/>
             </a:spcAft>
+            <a:buNone/>
           </a:pPr>
           <a:r>
-            <a:rPr lang="en-US" sz="3200" kern="1200" dirty="0" smtClean="0">
+            <a:rPr lang="en-US" sz="3200" kern="1200" dirty="0">
               <a:latin typeface="Times New Roman" panose="02020603050405020304" pitchFamily="18" charset="0"/>
               <a:cs typeface="Times New Roman" panose="02020603050405020304" pitchFamily="18" charset="0"/>
             </a:rPr>
             <a:t>Demo </a:t>
           </a:r>
           <a:r>
-            <a:rPr lang="en-US" sz="3200" kern="1200" dirty="0" err="1" smtClean="0">
+            <a:rPr lang="en-US" sz="3200" kern="1200" dirty="0" err="1">
               <a:latin typeface="Times New Roman" panose="02020603050405020304" pitchFamily="18" charset="0"/>
               <a:cs typeface="Times New Roman" panose="02020603050405020304" pitchFamily="18" charset="0"/>
             </a:rPr>
             <a:t>đề</a:t>
           </a:r>
           <a:r>
-            <a:rPr lang="en-US" sz="3200" kern="1200" dirty="0" smtClean="0">
+            <a:rPr lang="en-US" sz="3200" kern="1200" dirty="0">
               <a:latin typeface="Times New Roman" panose="02020603050405020304" pitchFamily="18" charset="0"/>
               <a:cs typeface="Times New Roman" panose="02020603050405020304" pitchFamily="18" charset="0"/>
             </a:rPr>
             <a:t> </a:t>
           </a:r>
           <a:r>
-            <a:rPr lang="en-US" sz="3200" kern="1200" dirty="0" err="1" smtClean="0">
+            <a:rPr lang="en-US" sz="3200" kern="1200" dirty="0" err="1">
               <a:latin typeface="Times New Roman" panose="02020603050405020304" pitchFamily="18" charset="0"/>
               <a:cs typeface="Times New Roman" panose="02020603050405020304" pitchFamily="18" charset="0"/>
             </a:rPr>
@@ -4839,7 +4831,7 @@
               <a:pPr>
                 <a:defRPr/>
               </a:pPr>
-              <a:t>8/5/2017</a:t>
+              <a:t>12/8/2020</a:t>
             </a:fld>
             <a:endParaRPr lang="en-US"/>
           </a:p>
@@ -4875,7 +4867,7 @@
           <a:lstStyle/>
           <a:p>
             <a:pPr lvl="0"/>
-            <a:endParaRPr lang="en-US" noProof="0" smtClean="0"/>
+            <a:endParaRPr lang="en-US" noProof="0"/>
           </a:p>
         </p:txBody>
       </p:sp>
@@ -4906,35 +4898,35 @@
           <a:p>
             <a:pPr lvl="0"/>
             <a:r>
-              <a:rPr lang="en-US" noProof="0" smtClean="0"/>
+              <a:rPr lang="en-US" noProof="0"/>
               <a:t>Click to edit Master text styles</a:t>
             </a:r>
           </a:p>
           <a:p>
             <a:pPr lvl="1"/>
             <a:r>
-              <a:rPr lang="en-US" noProof="0" smtClean="0"/>
+              <a:rPr lang="en-US" noProof="0"/>
               <a:t>Second level</a:t>
             </a:r>
           </a:p>
           <a:p>
             <a:pPr lvl="2"/>
             <a:r>
-              <a:rPr lang="en-US" noProof="0" smtClean="0"/>
+              <a:rPr lang="en-US" noProof="0"/>
               <a:t>Third level</a:t>
             </a:r>
           </a:p>
           <a:p>
             <a:pPr lvl="3"/>
             <a:r>
-              <a:rPr lang="en-US" noProof="0" smtClean="0"/>
+              <a:rPr lang="en-US" noProof="0"/>
               <a:t>Fourth level</a:t>
             </a:r>
           </a:p>
           <a:p>
             <a:pPr lvl="4"/>
             <a:r>
-              <a:rPr lang="en-US" noProof="0" smtClean="0"/>
+              <a:rPr lang="en-US" noProof="0"/>
               <a:t>Fifth level</a:t>
             </a:r>
           </a:p>
@@ -5256,10 +5248,9 @@
           </a:lstStyle>
           <a:p>
             <a:r>
-              <a:rPr lang="en-US" dirty="0" smtClean="0"/>
+              <a:rPr lang="en-US" dirty="0"/>
               <a:t>Click to edit Master title style</a:t>
             </a:r>
-            <a:endParaRPr lang="en-US" dirty="0"/>
           </a:p>
         </p:txBody>
       </p:sp>
@@ -5377,10 +5368,9 @@
           </a:lstStyle>
           <a:p>
             <a:r>
-              <a:rPr lang="en-US" dirty="0" smtClean="0"/>
+              <a:rPr lang="en-US" dirty="0"/>
               <a:t>Click to edit Master subtitle style</a:t>
             </a:r>
-            <a:endParaRPr lang="en-US" dirty="0"/>
           </a:p>
         </p:txBody>
       </p:sp>
@@ -5637,38 +5627,37 @@
           <a:p>
             <a:pPr lvl="0"/>
             <a:r>
-              <a:rPr lang="en-US" dirty="0" smtClean="0"/>
+              <a:rPr lang="en-US" dirty="0"/>
               <a:t>Click to edit Master text styles</a:t>
             </a:r>
           </a:p>
           <a:p>
             <a:pPr lvl="1"/>
             <a:r>
-              <a:rPr lang="en-US" dirty="0" smtClean="0"/>
+              <a:rPr lang="en-US" dirty="0"/>
               <a:t>Second level</a:t>
             </a:r>
           </a:p>
           <a:p>
             <a:pPr lvl="2"/>
             <a:r>
-              <a:rPr lang="en-US" dirty="0" smtClean="0"/>
+              <a:rPr lang="en-US" dirty="0"/>
               <a:t>Third level</a:t>
             </a:r>
           </a:p>
           <a:p>
             <a:pPr lvl="3"/>
             <a:r>
-              <a:rPr lang="en-US" dirty="0" smtClean="0"/>
+              <a:rPr lang="en-US" dirty="0"/>
               <a:t>Fourth level</a:t>
             </a:r>
           </a:p>
           <a:p>
             <a:pPr lvl="4"/>
             <a:r>
-              <a:rPr lang="en-US" dirty="0" smtClean="0"/>
+              <a:rPr lang="en-US" dirty="0"/>
               <a:t>Fifth level</a:t>
             </a:r>
-            <a:endParaRPr lang="en-US" dirty="0"/>
           </a:p>
         </p:txBody>
       </p:sp>
@@ -5701,10 +5690,9 @@
           </a:lstStyle>
           <a:p>
             <a:r>
-              <a:rPr lang="en-US" dirty="0" smtClean="0"/>
+              <a:rPr lang="en-US" dirty="0"/>
               <a:t>Click to edit Master title style</a:t>
             </a:r>
-            <a:endParaRPr lang="en-US" dirty="0"/>
           </a:p>
         </p:txBody>
       </p:sp>
@@ -5937,10 +5925,9 @@
           </a:lstStyle>
           <a:p>
             <a:r>
-              <a:rPr lang="en-US" dirty="0" smtClean="0"/>
+              <a:rPr lang="en-US" dirty="0"/>
               <a:t>Click to edit Master title style</a:t>
             </a:r>
-            <a:endParaRPr lang="en-US" dirty="0"/>
           </a:p>
         </p:txBody>
       </p:sp>
@@ -6009,38 +5996,37 @@
           <a:p>
             <a:pPr lvl="0"/>
             <a:r>
-              <a:rPr lang="en-US" dirty="0" smtClean="0"/>
+              <a:rPr lang="en-US" dirty="0"/>
               <a:t>Click to edit Master text styles</a:t>
             </a:r>
           </a:p>
           <a:p>
             <a:pPr lvl="1"/>
             <a:r>
-              <a:rPr lang="en-US" dirty="0" smtClean="0"/>
+              <a:rPr lang="en-US" dirty="0"/>
               <a:t>Second level</a:t>
             </a:r>
           </a:p>
           <a:p>
             <a:pPr lvl="2"/>
             <a:r>
-              <a:rPr lang="en-US" dirty="0" smtClean="0"/>
+              <a:rPr lang="en-US" dirty="0"/>
               <a:t>Third level</a:t>
             </a:r>
           </a:p>
           <a:p>
             <a:pPr lvl="3"/>
             <a:r>
-              <a:rPr lang="en-US" dirty="0" smtClean="0"/>
+              <a:rPr lang="en-US" dirty="0"/>
               <a:t>Fourth level</a:t>
             </a:r>
           </a:p>
           <a:p>
             <a:pPr lvl="4"/>
             <a:r>
-              <a:rPr lang="en-US" dirty="0" smtClean="0"/>
+              <a:rPr lang="en-US" dirty="0"/>
               <a:t>Fifth level</a:t>
             </a:r>
-            <a:endParaRPr lang="en-US" dirty="0"/>
           </a:p>
         </p:txBody>
       </p:sp>
@@ -6273,10 +6259,9 @@
           </a:lstStyle>
           <a:p>
             <a:r>
-              <a:rPr lang="en-US" dirty="0" smtClean="0"/>
+              <a:rPr lang="en-US" dirty="0"/>
               <a:t>Click to edit Master title style</a:t>
             </a:r>
-            <a:endParaRPr lang="en-US" dirty="0"/>
           </a:p>
         </p:txBody>
       </p:sp>
@@ -6345,38 +6330,37 @@
           <a:p>
             <a:pPr lvl="0"/>
             <a:r>
-              <a:rPr lang="en-US" dirty="0" smtClean="0"/>
+              <a:rPr lang="en-US" dirty="0"/>
               <a:t>Click to edit Master text styles</a:t>
             </a:r>
           </a:p>
           <a:p>
             <a:pPr lvl="1"/>
             <a:r>
-              <a:rPr lang="en-US" dirty="0" smtClean="0"/>
+              <a:rPr lang="en-US" dirty="0"/>
               <a:t>Second level</a:t>
             </a:r>
           </a:p>
           <a:p>
             <a:pPr lvl="2"/>
             <a:r>
-              <a:rPr lang="en-US" dirty="0" smtClean="0"/>
+              <a:rPr lang="en-US" dirty="0"/>
               <a:t>Third level</a:t>
             </a:r>
           </a:p>
           <a:p>
             <a:pPr lvl="3"/>
             <a:r>
-              <a:rPr lang="en-US" dirty="0" smtClean="0"/>
+              <a:rPr lang="en-US" dirty="0"/>
               <a:t>Fourth level</a:t>
             </a:r>
           </a:p>
           <a:p>
             <a:pPr lvl="4"/>
             <a:r>
-              <a:rPr lang="en-US" dirty="0" smtClean="0"/>
+              <a:rPr lang="en-US" dirty="0"/>
               <a:t>Fifth level</a:t>
             </a:r>
-            <a:endParaRPr lang="en-US" dirty="0"/>
           </a:p>
         </p:txBody>
       </p:sp>
@@ -6609,10 +6593,9 @@
           </a:lstStyle>
           <a:p>
             <a:r>
-              <a:rPr lang="en-US" dirty="0" smtClean="0"/>
+              <a:rPr lang="en-US" dirty="0"/>
               <a:t>Click to edit Master title style</a:t>
             </a:r>
-            <a:endParaRPr lang="en-US" dirty="0"/>
           </a:p>
         </p:txBody>
       </p:sp>
@@ -6698,38 +6681,37 @@
           <a:p>
             <a:pPr lvl="0"/>
             <a:r>
-              <a:rPr lang="en-US" dirty="0" smtClean="0"/>
+              <a:rPr lang="en-US" dirty="0"/>
               <a:t>Click to edit Master text styles</a:t>
             </a:r>
           </a:p>
           <a:p>
             <a:pPr lvl="1"/>
             <a:r>
-              <a:rPr lang="en-US" dirty="0" smtClean="0"/>
+              <a:rPr lang="en-US" dirty="0"/>
               <a:t>Second level</a:t>
             </a:r>
           </a:p>
           <a:p>
             <a:pPr lvl="2"/>
             <a:r>
-              <a:rPr lang="en-US" dirty="0" smtClean="0"/>
+              <a:rPr lang="en-US" dirty="0"/>
               <a:t>Third level</a:t>
             </a:r>
           </a:p>
           <a:p>
             <a:pPr lvl="3"/>
             <a:r>
-              <a:rPr lang="en-US" dirty="0" smtClean="0"/>
+              <a:rPr lang="en-US" dirty="0"/>
               <a:t>Fourth level</a:t>
             </a:r>
           </a:p>
           <a:p>
             <a:pPr lvl="4"/>
             <a:r>
-              <a:rPr lang="en-US" dirty="0" smtClean="0"/>
+              <a:rPr lang="en-US" dirty="0"/>
               <a:t>Fifth level</a:t>
             </a:r>
-            <a:endParaRPr lang="en-US" dirty="0"/>
           </a:p>
         </p:txBody>
       </p:sp>
@@ -6815,38 +6797,37 @@
           <a:p>
             <a:pPr lvl="0"/>
             <a:r>
-              <a:rPr lang="en-US" dirty="0" smtClean="0"/>
+              <a:rPr lang="en-US" dirty="0"/>
               <a:t>Click to edit Master text styles</a:t>
             </a:r>
           </a:p>
           <a:p>
             <a:pPr lvl="1"/>
             <a:r>
-              <a:rPr lang="en-US" dirty="0" smtClean="0"/>
+              <a:rPr lang="en-US" dirty="0"/>
               <a:t>Second level</a:t>
             </a:r>
           </a:p>
           <a:p>
             <a:pPr lvl="2"/>
             <a:r>
-              <a:rPr lang="en-US" dirty="0" smtClean="0"/>
+              <a:rPr lang="en-US" dirty="0"/>
               <a:t>Third level</a:t>
             </a:r>
           </a:p>
           <a:p>
             <a:pPr lvl="3"/>
             <a:r>
-              <a:rPr lang="en-US" dirty="0" smtClean="0"/>
+              <a:rPr lang="en-US" dirty="0"/>
               <a:t>Fourth level</a:t>
             </a:r>
           </a:p>
           <a:p>
             <a:pPr lvl="4"/>
             <a:r>
-              <a:rPr lang="en-US" dirty="0" smtClean="0"/>
+              <a:rPr lang="en-US" dirty="0"/>
               <a:t>Fifth level</a:t>
             </a:r>
-            <a:endParaRPr lang="en-US" dirty="0"/>
           </a:p>
         </p:txBody>
       </p:sp>
@@ -7055,10 +7036,9 @@
           </a:lstStyle>
           <a:p>
             <a:r>
-              <a:rPr lang="en-US" dirty="0" smtClean="0"/>
+              <a:rPr lang="en-US" dirty="0"/>
               <a:t>Click to edit Master title style</a:t>
             </a:r>
-            <a:endParaRPr lang="en-US" dirty="0"/>
           </a:p>
         </p:txBody>
       </p:sp>
@@ -7127,7 +7107,7 @@
           <a:p>
             <a:pPr lvl="0"/>
             <a:r>
-              <a:rPr lang="en-US" dirty="0" smtClean="0"/>
+              <a:rPr lang="en-US" dirty="0"/>
               <a:t>Click to edit Master text styles</a:t>
             </a:r>
           </a:p>
@@ -7213,38 +7193,37 @@
           <a:p>
             <a:pPr lvl="0"/>
             <a:r>
-              <a:rPr lang="en-US" dirty="0" smtClean="0"/>
+              <a:rPr lang="en-US" dirty="0"/>
               <a:t>Click to edit Master text styles</a:t>
             </a:r>
           </a:p>
           <a:p>
             <a:pPr lvl="1"/>
             <a:r>
-              <a:rPr lang="en-US" dirty="0" smtClean="0"/>
+              <a:rPr lang="en-US" dirty="0"/>
               <a:t>Second level</a:t>
             </a:r>
           </a:p>
           <a:p>
             <a:pPr lvl="2"/>
             <a:r>
-              <a:rPr lang="en-US" dirty="0" smtClean="0"/>
+              <a:rPr lang="en-US" dirty="0"/>
               <a:t>Third level</a:t>
             </a:r>
           </a:p>
           <a:p>
             <a:pPr lvl="3"/>
             <a:r>
-              <a:rPr lang="en-US" dirty="0" smtClean="0"/>
+              <a:rPr lang="en-US" dirty="0"/>
               <a:t>Fourth level</a:t>
             </a:r>
           </a:p>
           <a:p>
             <a:pPr lvl="4"/>
             <a:r>
-              <a:rPr lang="en-US" dirty="0" smtClean="0"/>
+              <a:rPr lang="en-US" dirty="0"/>
               <a:t>Fifth level</a:t>
             </a:r>
-            <a:endParaRPr lang="en-US" dirty="0"/>
           </a:p>
         </p:txBody>
       </p:sp>
@@ -7313,7 +7292,7 @@
           <a:p>
             <a:pPr lvl="0"/>
             <a:r>
-              <a:rPr lang="en-US" dirty="0" smtClean="0"/>
+              <a:rPr lang="en-US" dirty="0"/>
               <a:t>Click to edit Master text styles</a:t>
             </a:r>
           </a:p>
@@ -7399,38 +7378,37 @@
           <a:p>
             <a:pPr lvl="0"/>
             <a:r>
-              <a:rPr lang="en-US" dirty="0" smtClean="0"/>
+              <a:rPr lang="en-US" dirty="0"/>
               <a:t>Click to edit Master text styles</a:t>
             </a:r>
           </a:p>
           <a:p>
             <a:pPr lvl="1"/>
             <a:r>
-              <a:rPr lang="en-US" dirty="0" smtClean="0"/>
+              <a:rPr lang="en-US" dirty="0"/>
               <a:t>Second level</a:t>
             </a:r>
           </a:p>
           <a:p>
             <a:pPr lvl="2"/>
             <a:r>
-              <a:rPr lang="en-US" dirty="0" smtClean="0"/>
+              <a:rPr lang="en-US" dirty="0"/>
               <a:t>Third level</a:t>
             </a:r>
           </a:p>
           <a:p>
             <a:pPr lvl="3"/>
             <a:r>
-              <a:rPr lang="en-US" dirty="0" smtClean="0"/>
+              <a:rPr lang="en-US" dirty="0"/>
               <a:t>Fourth level</a:t>
             </a:r>
           </a:p>
           <a:p>
             <a:pPr lvl="4"/>
             <a:r>
-              <a:rPr lang="en-US" dirty="0" smtClean="0"/>
+              <a:rPr lang="en-US" dirty="0"/>
               <a:t>Fifth level</a:t>
             </a:r>
-            <a:endParaRPr lang="en-US" dirty="0"/>
           </a:p>
         </p:txBody>
       </p:sp>
@@ -7682,7 +7660,7 @@
           <a:p>
             <a:pPr algn="r"/>
             <a:r>
-              <a:rPr lang="en-US" dirty="0" smtClean="0">
+              <a:rPr lang="en-US" dirty="0">
                 <a:solidFill>
                   <a:schemeClr val="bg1"/>
                 </a:solidFill>
@@ -7690,12 +7668,6 @@
               </a:rPr>
               <a:t>www.poly.edu.vn</a:t>
             </a:r>
-            <a:endParaRPr lang="en-US" dirty="0">
-              <a:solidFill>
-                <a:schemeClr val="bg1"/>
-              </a:solidFill>
-              <a:latin typeface="Fpt-DaxlinePro-Bold" pitchFamily="2" charset="0"/>
-            </a:endParaRPr>
           </a:p>
         </p:txBody>
       </p:sp>
@@ -7724,7 +7696,7 @@
           <a:lstStyle/>
           <a:p>
             <a:r>
-              <a:rPr lang="en-US" sz="4900" dirty="0" smtClean="0">
+              <a:rPr lang="en-US" sz="4900" dirty="0">
                 <a:solidFill>
                   <a:srgbClr val="00B0F0"/>
                 </a:solidFill>
@@ -7732,12 +7704,6 @@
               </a:rPr>
               <a:t>T</a:t>
             </a:r>
-            <a:endParaRPr lang="en-US" sz="4900" dirty="0">
-              <a:solidFill>
-                <a:srgbClr val="00B0F0"/>
-              </a:solidFill>
-              <a:latin typeface="Fpt-DaxlinePro-Medium" pitchFamily="2" charset="0"/>
-            </a:endParaRPr>
           </a:p>
         </p:txBody>
       </p:sp>
@@ -7813,7 +7779,7 @@
           <a:p>
             <a:pPr lvl="0"/>
             <a:r>
-              <a:rPr lang="en-US" dirty="0" smtClean="0"/>
+              <a:rPr lang="en-US" dirty="0"/>
               <a:t>Click to edit Master title style</a:t>
             </a:r>
           </a:p>
@@ -7855,35 +7821,35 @@
           <a:p>
             <a:pPr lvl="0"/>
             <a:r>
-              <a:rPr lang="en-US" dirty="0" smtClean="0"/>
+              <a:rPr lang="en-US" dirty="0"/>
               <a:t>  Click to edit Master text styles</a:t>
             </a:r>
           </a:p>
           <a:p>
             <a:pPr lvl="1"/>
             <a:r>
-              <a:rPr lang="en-US" dirty="0" smtClean="0"/>
+              <a:rPr lang="en-US" dirty="0"/>
               <a:t>  Second level</a:t>
             </a:r>
           </a:p>
           <a:p>
             <a:pPr lvl="2"/>
             <a:r>
-              <a:rPr lang="en-US" dirty="0" smtClean="0"/>
+              <a:rPr lang="en-US" dirty="0"/>
               <a:t>  Third level</a:t>
             </a:r>
           </a:p>
           <a:p>
             <a:pPr lvl="3"/>
             <a:r>
-              <a:rPr lang="en-US" dirty="0" smtClean="0"/>
+              <a:rPr lang="en-US" dirty="0"/>
               <a:t>Fourth level</a:t>
             </a:r>
           </a:p>
           <a:p>
             <a:pPr lvl="4"/>
             <a:r>
-              <a:rPr lang="en-US" dirty="0" smtClean="0"/>
+              <a:rPr lang="en-US" dirty="0"/>
               <a:t>Fifth level</a:t>
             </a:r>
           </a:p>
@@ -8010,13 +7976,6 @@
   <p:transition>
     <p:split orient="vert"/>
   </p:transition>
-  <p:timing>
-    <p:tnLst>
-      <p:par>
-        <p:cTn id="1" dur="indefinite" restart="never" nodeType="tmRoot"/>
-      </p:par>
-    </p:tnLst>
-  </p:timing>
   <p:hf hdr="0" dt="0"/>
   <p:txStyles>
     <p:titleStyle>
@@ -8463,7 +8422,7 @@
               <a:defRPr/>
             </a:pPr>
             <a:r>
-              <a:rPr lang="en-US" sz="4000" b="1" dirty="0" smtClean="0">
+              <a:rPr lang="en-US" sz="4000" b="1" dirty="0">
                 <a:ln w="10541" cmpd="sng">
                   <a:solidFill>
                     <a:schemeClr val="accent1">
@@ -8484,25 +8443,6 @@
               </a:rPr>
               <a:t>&lt;&lt;TÊN ĐỀ TÀI&gt;&gt;</a:t>
             </a:r>
-            <a:endParaRPr lang="en-US" sz="4000" b="1" dirty="0">
-              <a:ln w="10541" cmpd="sng">
-                <a:solidFill>
-                  <a:schemeClr val="accent1">
-                    <a:shade val="88000"/>
-                    <a:satMod val="110000"/>
-                  </a:schemeClr>
-                </a:solidFill>
-                <a:prstDash val="solid"/>
-              </a:ln>
-              <a:solidFill>
-                <a:schemeClr val="tx1">
-                  <a:lumMod val="95000"/>
-                  <a:lumOff val="5000"/>
-                </a:schemeClr>
-              </a:solidFill>
-              <a:latin typeface="Times New Roman" panose="02020603050405020304" pitchFamily="18" charset="0"/>
-              <a:cs typeface="Times New Roman" panose="02020603050405020304" pitchFamily="18" charset="0"/>
-            </a:endParaRPr>
           </a:p>
         </p:txBody>
       </p:sp>
@@ -8531,8 +8471,20 @@
                 <a:tableStyleId>{5940675A-B579-460E-94D1-54222C63F5DA}</a:tableStyleId>
               </a:tblPr>
               <a:tblGrid>
-                <a:gridCol w="3124200"/>
-                <a:gridCol w="1600200"/>
+                <a:gridCol w="3124200">
+                  <a:extLst>
+                    <a:ext uri="{9D8B030D-6E8A-4147-A177-3AD203B41FA5}">
+                      <a16:colId xmlns:a16="http://schemas.microsoft.com/office/drawing/2014/main" val="20000"/>
+                    </a:ext>
+                  </a:extLst>
+                </a:gridCol>
+                <a:gridCol w="1600200">
+                  <a:extLst>
+                    <a:ext uri="{9D8B030D-6E8A-4147-A177-3AD203B41FA5}">
+                      <a16:colId xmlns:a16="http://schemas.microsoft.com/office/drawing/2014/main" val="20001"/>
+                    </a:ext>
+                  </a:extLst>
+                </a:gridCol>
               </a:tblGrid>
               <a:tr h="370840">
                 <a:tc>
@@ -8542,21 +8494,21 @@
                     <a:p>
                       <a:pPr algn="ctr"/>
                       <a:r>
-                        <a:rPr lang="en-US" b="1" dirty="0" err="1" smtClean="0">
+                        <a:rPr lang="en-US" b="1" dirty="0" err="1">
                           <a:latin typeface="Times New Roman" panose="02020603050405020304" pitchFamily="18" charset="0"/>
                           <a:cs typeface="Times New Roman" panose="02020603050405020304" pitchFamily="18" charset="0"/>
                         </a:rPr>
                         <a:t>Thành</a:t>
                       </a:r>
                       <a:r>
-                        <a:rPr lang="en-US" b="1" baseline="0" dirty="0" smtClean="0">
+                        <a:rPr lang="en-US" b="1" baseline="0" dirty="0">
                           <a:latin typeface="Times New Roman" panose="02020603050405020304" pitchFamily="18" charset="0"/>
                           <a:cs typeface="Times New Roman" panose="02020603050405020304" pitchFamily="18" charset="0"/>
                         </a:rPr>
                         <a:t> </a:t>
                       </a:r>
                       <a:r>
-                        <a:rPr lang="en-US" b="1" baseline="0" dirty="0" err="1" smtClean="0">
+                        <a:rPr lang="en-US" b="1" baseline="0" dirty="0" err="1">
                           <a:latin typeface="Times New Roman" panose="02020603050405020304" pitchFamily="18" charset="0"/>
                           <a:cs typeface="Times New Roman" panose="02020603050405020304" pitchFamily="18" charset="0"/>
                         </a:rPr>
@@ -8625,21 +8577,21 @@
                     <a:p>
                       <a:pPr algn="ctr"/>
                       <a:r>
-                        <a:rPr lang="en-US" b="1" dirty="0" err="1" smtClean="0">
+                        <a:rPr lang="en-US" b="1" dirty="0" err="1">
                           <a:latin typeface="Times New Roman" panose="02020603050405020304" pitchFamily="18" charset="0"/>
                           <a:cs typeface="Times New Roman" panose="02020603050405020304" pitchFamily="18" charset="0"/>
                         </a:rPr>
                         <a:t>Nhiệm</a:t>
                       </a:r>
                       <a:r>
-                        <a:rPr lang="en-US" b="1" baseline="0" dirty="0" smtClean="0">
+                        <a:rPr lang="en-US" b="1" baseline="0" dirty="0">
                           <a:latin typeface="Times New Roman" panose="02020603050405020304" pitchFamily="18" charset="0"/>
                           <a:cs typeface="Times New Roman" panose="02020603050405020304" pitchFamily="18" charset="0"/>
                         </a:rPr>
                         <a:t> </a:t>
                       </a:r>
                       <a:r>
-                        <a:rPr lang="en-US" b="1" baseline="0" dirty="0" err="1" smtClean="0">
+                        <a:rPr lang="en-US" b="1" baseline="0" dirty="0" err="1">
                           <a:latin typeface="Times New Roman" panose="02020603050405020304" pitchFamily="18" charset="0"/>
                           <a:cs typeface="Times New Roman" panose="02020603050405020304" pitchFamily="18" charset="0"/>
                         </a:rPr>
@@ -8701,6 +8653,11 @@
                     </a:solidFill>
                   </a:tcPr>
                 </a:tc>
+                <a:extLst>
+                  <a:ext uri="{0D108BD9-81ED-4DB2-BD59-A6C34878D82A}">
+                    <a16:rowId xmlns:a16="http://schemas.microsoft.com/office/drawing/2014/main" val="10000"/>
+                  </a:ext>
+                </a:extLst>
               </a:tr>
               <a:tr h="370840">
                 <a:tc>
@@ -8709,21 +8666,21 @@
                     <a:lstStyle/>
                     <a:p>
                       <a:r>
-                        <a:rPr lang="en-US" dirty="0" smtClean="0">
+                        <a:rPr lang="en-US" dirty="0">
                           <a:latin typeface="Times New Roman" panose="02020603050405020304" pitchFamily="18" charset="0"/>
                           <a:cs typeface="Times New Roman" panose="02020603050405020304" pitchFamily="18" charset="0"/>
                         </a:rPr>
                         <a:t>1. </a:t>
                       </a:r>
                       <a:r>
-                        <a:rPr lang="en-US" err="1" smtClean="0">
+                        <a:rPr lang="en-US" err="1">
                           <a:latin typeface="Times New Roman" panose="02020603050405020304" pitchFamily="18" charset="0"/>
                           <a:cs typeface="Times New Roman" panose="02020603050405020304" pitchFamily="18" charset="0"/>
                         </a:rPr>
                         <a:t>Nguyễn</a:t>
                       </a:r>
                       <a:r>
-                        <a:rPr lang="en-US" baseline="0" smtClean="0">
+                        <a:rPr lang="en-US" baseline="0">
                           <a:latin typeface="Times New Roman" panose="02020603050405020304" pitchFamily="18" charset="0"/>
                           <a:cs typeface="Times New Roman" panose="02020603050405020304" pitchFamily="18" charset="0"/>
                         </a:rPr>
@@ -8788,21 +8745,21 @@
                     <a:lstStyle/>
                     <a:p>
                       <a:r>
-                        <a:rPr lang="en-US" dirty="0" err="1" smtClean="0">
+                        <a:rPr lang="en-US" dirty="0" err="1">
                           <a:latin typeface="Times New Roman" panose="02020603050405020304" pitchFamily="18" charset="0"/>
                           <a:cs typeface="Times New Roman" panose="02020603050405020304" pitchFamily="18" charset="0"/>
                         </a:rPr>
                         <a:t>Trưởng</a:t>
                       </a:r>
                       <a:r>
-                        <a:rPr lang="en-US" baseline="0" dirty="0" smtClean="0">
+                        <a:rPr lang="en-US" baseline="0" dirty="0">
                           <a:latin typeface="Times New Roman" panose="02020603050405020304" pitchFamily="18" charset="0"/>
                           <a:cs typeface="Times New Roman" panose="02020603050405020304" pitchFamily="18" charset="0"/>
                         </a:rPr>
                         <a:t> </a:t>
                       </a:r>
                       <a:r>
-                        <a:rPr lang="en-US" baseline="0" dirty="0" err="1" smtClean="0">
+                        <a:rPr lang="en-US" baseline="0" dirty="0" err="1">
                           <a:latin typeface="Times New Roman" panose="02020603050405020304" pitchFamily="18" charset="0"/>
                           <a:cs typeface="Times New Roman" panose="02020603050405020304" pitchFamily="18" charset="0"/>
                         </a:rPr>
@@ -8861,6 +8818,11 @@
                     </a:lnBlToTr>
                   </a:tcPr>
                 </a:tc>
+                <a:extLst>
+                  <a:ext uri="{0D108BD9-81ED-4DB2-BD59-A6C34878D82A}">
+                    <a16:rowId xmlns:a16="http://schemas.microsoft.com/office/drawing/2014/main" val="10001"/>
+                  </a:ext>
+                </a:extLst>
               </a:tr>
               <a:tr h="370840">
                 <a:tc>
@@ -8869,21 +8831,21 @@
                     <a:lstStyle/>
                     <a:p>
                       <a:r>
-                        <a:rPr lang="en-US" dirty="0" smtClean="0">
+                        <a:rPr lang="en-US" dirty="0">
                           <a:latin typeface="Times New Roman" panose="02020603050405020304" pitchFamily="18" charset="0"/>
                           <a:cs typeface="Times New Roman" panose="02020603050405020304" pitchFamily="18" charset="0"/>
                         </a:rPr>
                         <a:t>2. </a:t>
                       </a:r>
                       <a:r>
-                        <a:rPr lang="en-US" err="1" smtClean="0">
+                        <a:rPr lang="en-US" err="1">
                           <a:latin typeface="Times New Roman" panose="02020603050405020304" pitchFamily="18" charset="0"/>
                           <a:cs typeface="Times New Roman" panose="02020603050405020304" pitchFamily="18" charset="0"/>
                         </a:rPr>
                         <a:t>Nguyễn</a:t>
                       </a:r>
                       <a:r>
-                        <a:rPr lang="en-US" baseline="0" smtClean="0">
+                        <a:rPr lang="en-US" baseline="0">
                           <a:latin typeface="Times New Roman" panose="02020603050405020304" pitchFamily="18" charset="0"/>
                           <a:cs typeface="Times New Roman" panose="02020603050405020304" pitchFamily="18" charset="0"/>
                         </a:rPr>
@@ -8948,21 +8910,21 @@
                     <a:lstStyle/>
                     <a:p>
                       <a:r>
-                        <a:rPr lang="en-US" dirty="0" err="1" smtClean="0">
+                        <a:rPr lang="en-US" dirty="0" err="1">
                           <a:latin typeface="Times New Roman" panose="02020603050405020304" pitchFamily="18" charset="0"/>
                           <a:cs typeface="Times New Roman" panose="02020603050405020304" pitchFamily="18" charset="0"/>
                         </a:rPr>
                         <a:t>Thành</a:t>
                       </a:r>
                       <a:r>
-                        <a:rPr lang="en-US" baseline="0" dirty="0" smtClean="0">
+                        <a:rPr lang="en-US" baseline="0" dirty="0">
                           <a:latin typeface="Times New Roman" panose="02020603050405020304" pitchFamily="18" charset="0"/>
                           <a:cs typeface="Times New Roman" panose="02020603050405020304" pitchFamily="18" charset="0"/>
                         </a:rPr>
                         <a:t> </a:t>
                       </a:r>
                       <a:r>
-                        <a:rPr lang="en-US" baseline="0" dirty="0" err="1" smtClean="0">
+                        <a:rPr lang="en-US" baseline="0" dirty="0" err="1">
                           <a:latin typeface="Times New Roman" panose="02020603050405020304" pitchFamily="18" charset="0"/>
                           <a:cs typeface="Times New Roman" panose="02020603050405020304" pitchFamily="18" charset="0"/>
                         </a:rPr>
@@ -9021,6 +8983,11 @@
                     </a:lnBlToTr>
                   </a:tcPr>
                 </a:tc>
+                <a:extLst>
+                  <a:ext uri="{0D108BD9-81ED-4DB2-BD59-A6C34878D82A}">
+                    <a16:rowId xmlns:a16="http://schemas.microsoft.com/office/drawing/2014/main" val="10002"/>
+                  </a:ext>
+                </a:extLst>
               </a:tr>
               <a:tr h="370840">
                 <a:tc>
@@ -9029,21 +8996,21 @@
                     <a:lstStyle/>
                     <a:p>
                       <a:r>
-                        <a:rPr lang="en-US" dirty="0" smtClean="0">
+                        <a:rPr lang="en-US" dirty="0">
                           <a:latin typeface="Times New Roman" panose="02020603050405020304" pitchFamily="18" charset="0"/>
                           <a:cs typeface="Times New Roman" panose="02020603050405020304" pitchFamily="18" charset="0"/>
                         </a:rPr>
                         <a:t>3</a:t>
                       </a:r>
                       <a:r>
-                        <a:rPr lang="en-US" smtClean="0">
+                        <a:rPr lang="en-US">
                           <a:latin typeface="Times New Roman" panose="02020603050405020304" pitchFamily="18" charset="0"/>
                           <a:cs typeface="Times New Roman" panose="02020603050405020304" pitchFamily="18" charset="0"/>
                         </a:rPr>
                         <a:t>. Nguyễn Đình</a:t>
                       </a:r>
                       <a:r>
-                        <a:rPr lang="en-US" baseline="0" smtClean="0">
+                        <a:rPr lang="en-US" baseline="0">
                           <a:latin typeface="Times New Roman" panose="02020603050405020304" pitchFamily="18" charset="0"/>
                           <a:cs typeface="Times New Roman" panose="02020603050405020304" pitchFamily="18" charset="0"/>
                         </a:rPr>
@@ -9108,21 +9075,21 @@
                     <a:lstStyle/>
                     <a:p>
                       <a:r>
-                        <a:rPr lang="en-US" dirty="0" err="1" smtClean="0">
+                        <a:rPr lang="en-US" dirty="0" err="1">
                           <a:latin typeface="Times New Roman" panose="02020603050405020304" pitchFamily="18" charset="0"/>
                           <a:cs typeface="Times New Roman" panose="02020603050405020304" pitchFamily="18" charset="0"/>
                         </a:rPr>
                         <a:t>Thành</a:t>
                       </a:r>
                       <a:r>
-                        <a:rPr lang="en-US" baseline="0" dirty="0" smtClean="0">
+                        <a:rPr lang="en-US" baseline="0" dirty="0">
                           <a:latin typeface="Times New Roman" panose="02020603050405020304" pitchFamily="18" charset="0"/>
                           <a:cs typeface="Times New Roman" panose="02020603050405020304" pitchFamily="18" charset="0"/>
                         </a:rPr>
                         <a:t> </a:t>
                       </a:r>
                       <a:r>
-                        <a:rPr lang="en-US" baseline="0" dirty="0" err="1" smtClean="0">
+                        <a:rPr lang="en-US" baseline="0" dirty="0" err="1">
                           <a:latin typeface="Times New Roman" panose="02020603050405020304" pitchFamily="18" charset="0"/>
                           <a:cs typeface="Times New Roman" panose="02020603050405020304" pitchFamily="18" charset="0"/>
                         </a:rPr>
@@ -9181,6 +9148,11 @@
                     </a:lnBlToTr>
                   </a:tcPr>
                 </a:tc>
+                <a:extLst>
+                  <a:ext uri="{0D108BD9-81ED-4DB2-BD59-A6C34878D82A}">
+                    <a16:rowId xmlns:a16="http://schemas.microsoft.com/office/drawing/2014/main" val="10003"/>
+                  </a:ext>
+                </a:extLst>
               </a:tr>
               <a:tr h="370840">
                 <a:tc>
@@ -9189,21 +9161,21 @@
                     <a:lstStyle/>
                     <a:p>
                       <a:r>
-                        <a:rPr lang="en-US" dirty="0" smtClean="0">
+                        <a:rPr lang="en-US" dirty="0">
                           <a:latin typeface="Times New Roman" panose="02020603050405020304" pitchFamily="18" charset="0"/>
                           <a:cs typeface="Times New Roman" panose="02020603050405020304" pitchFamily="18" charset="0"/>
                         </a:rPr>
                         <a:t>4</a:t>
                       </a:r>
                       <a:r>
-                        <a:rPr lang="en-US" smtClean="0">
+                        <a:rPr lang="en-US">
                           <a:latin typeface="Times New Roman" panose="02020603050405020304" pitchFamily="18" charset="0"/>
                           <a:cs typeface="Times New Roman" panose="02020603050405020304" pitchFamily="18" charset="0"/>
                         </a:rPr>
                         <a:t>. Lê</a:t>
                       </a:r>
                       <a:r>
-                        <a:rPr lang="en-US" baseline="0" smtClean="0">
+                        <a:rPr lang="en-US" baseline="0">
                           <a:latin typeface="Times New Roman" panose="02020603050405020304" pitchFamily="18" charset="0"/>
                           <a:cs typeface="Times New Roman" panose="02020603050405020304" pitchFamily="18" charset="0"/>
                         </a:rPr>
@@ -9268,21 +9240,21 @@
                     <a:lstStyle/>
                     <a:p>
                       <a:r>
-                        <a:rPr lang="en-US" dirty="0" err="1" smtClean="0">
+                        <a:rPr lang="en-US" dirty="0" err="1">
                           <a:latin typeface="Times New Roman" panose="02020603050405020304" pitchFamily="18" charset="0"/>
                           <a:cs typeface="Times New Roman" panose="02020603050405020304" pitchFamily="18" charset="0"/>
                         </a:rPr>
                         <a:t>Thành</a:t>
                       </a:r>
                       <a:r>
-                        <a:rPr lang="en-US" baseline="0" dirty="0" smtClean="0">
+                        <a:rPr lang="en-US" baseline="0" dirty="0">
                           <a:latin typeface="Times New Roman" panose="02020603050405020304" pitchFamily="18" charset="0"/>
                           <a:cs typeface="Times New Roman" panose="02020603050405020304" pitchFamily="18" charset="0"/>
                         </a:rPr>
                         <a:t> </a:t>
                       </a:r>
                       <a:r>
-                        <a:rPr lang="en-US" baseline="0" dirty="0" err="1" smtClean="0">
+                        <a:rPr lang="en-US" baseline="0" dirty="0" err="1">
                           <a:latin typeface="Times New Roman" panose="02020603050405020304" pitchFamily="18" charset="0"/>
                           <a:cs typeface="Times New Roman" panose="02020603050405020304" pitchFamily="18" charset="0"/>
                         </a:rPr>
@@ -9341,6 +9313,11 @@
                     </a:lnBlToTr>
                   </a:tcPr>
                 </a:tc>
+                <a:extLst>
+                  <a:ext uri="{0D108BD9-81ED-4DB2-BD59-A6C34878D82A}">
+                    <a16:rowId xmlns:a16="http://schemas.microsoft.com/office/drawing/2014/main" val="10004"/>
+                  </a:ext>
+                </a:extLst>
               </a:tr>
             </a:tbl>
           </a:graphicData>
@@ -9371,7 +9348,13 @@
                 <a:tableStyleId>{5940675A-B579-460E-94D1-54222C63F5DA}</a:tableStyleId>
               </a:tblPr>
               <a:tblGrid>
-                <a:gridCol w="4724400"/>
+                <a:gridCol w="4724400">
+                  <a:extLst>
+                    <a:ext uri="{9D8B030D-6E8A-4147-A177-3AD203B41FA5}">
+                      <a16:colId xmlns:a16="http://schemas.microsoft.com/office/drawing/2014/main" val="20000"/>
+                    </a:ext>
+                  </a:extLst>
+                </a:gridCol>
               </a:tblGrid>
               <a:tr h="370840">
                 <a:tc>
@@ -9381,32 +9364,25 @@
                     <a:p>
                       <a:pPr algn="l"/>
                       <a:r>
-                        <a:rPr lang="en-US" b="1" dirty="0" smtClean="0">
+                        <a:rPr lang="en-US" b="1" dirty="0">
                           <a:latin typeface="Times New Roman" panose="02020603050405020304" pitchFamily="18" charset="0"/>
                           <a:cs typeface="Times New Roman" panose="02020603050405020304" pitchFamily="18" charset="0"/>
                         </a:rPr>
                         <a:t>GVHD</a:t>
                       </a:r>
                       <a:r>
-                        <a:rPr lang="en-US" b="1" smtClean="0">
+                        <a:rPr lang="en-US" b="1">
                           <a:latin typeface="Times New Roman" panose="02020603050405020304" pitchFamily="18" charset="0"/>
                           <a:cs typeface="Times New Roman" panose="02020603050405020304" pitchFamily="18" charset="0"/>
                         </a:rPr>
                         <a:t>:</a:t>
                       </a:r>
                       <a:r>
-                        <a:rPr lang="en-US" b="1" baseline="0" smtClean="0">
+                        <a:rPr lang="en-US" b="1" baseline="0">
                           <a:latin typeface="Times New Roman" panose="02020603050405020304" pitchFamily="18" charset="0"/>
                           <a:cs typeface="Times New Roman" panose="02020603050405020304" pitchFamily="18" charset="0"/>
                         </a:rPr>
-                        <a:t> </a:t>
-                      </a:r>
-                      <a:r>
-                        <a:rPr lang="en-US" b="1" baseline="0" smtClean="0">
-                          <a:latin typeface="Times New Roman" panose="02020603050405020304" pitchFamily="18" charset="0"/>
-                          <a:cs typeface="Times New Roman" panose="02020603050405020304" pitchFamily="18" charset="0"/>
-                        </a:rPr>
-                        <a:t>NGUYỄN VĂN TÈO</a:t>
+                        <a:t> NGUYỄN VĂN TÈO</a:t>
                       </a:r>
                       <a:endParaRPr lang="en-US" b="1" dirty="0">
                         <a:latin typeface="Times New Roman" panose="02020603050405020304" pitchFamily="18" charset="0"/>
@@ -9464,6 +9440,11 @@
                     </a:solidFill>
                   </a:tcPr>
                 </a:tc>
+                <a:extLst>
+                  <a:ext uri="{0D108BD9-81ED-4DB2-BD59-A6C34878D82A}">
+                    <a16:rowId xmlns:a16="http://schemas.microsoft.com/office/drawing/2014/main" val="10000"/>
+                  </a:ext>
+                </a:extLst>
               </a:tr>
             </a:tbl>
           </a:graphicData>
@@ -9477,13 +9458,6 @@
   <p:transition>
     <p:split orient="vert"/>
   </p:transition>
-  <p:timing>
-    <p:tnLst>
-      <p:par>
-        <p:cTn id="1" dur="indefinite" restart="never" nodeType="tmRoot"/>
-      </p:par>
-    </p:tnLst>
-  </p:timing>
 </p:sld>
 </file>
 
@@ -9520,31 +9494,31 @@
           <a:lstStyle/>
           <a:p>
             <a:r>
-              <a:rPr lang="en-US" dirty="0" err="1" smtClean="0"/>
+              <a:rPr lang="en-US" dirty="0" err="1"/>
               <a:t>Sơ</a:t>
             </a:r>
             <a:r>
-              <a:rPr lang="en-US" dirty="0" smtClean="0"/>
+              <a:rPr lang="en-US" dirty="0"/>
               <a:t> </a:t>
             </a:r>
             <a:r>
-              <a:rPr lang="en-US" dirty="0" err="1" smtClean="0"/>
+              <a:rPr lang="en-US" dirty="0" err="1"/>
               <a:t>đồ</a:t>
             </a:r>
             <a:r>
-              <a:rPr lang="en-US" dirty="0" smtClean="0"/>
+              <a:rPr lang="en-US" dirty="0"/>
               <a:t> </a:t>
             </a:r>
             <a:r>
-              <a:rPr lang="en-US" dirty="0" err="1" smtClean="0"/>
+              <a:rPr lang="en-US" dirty="0" err="1"/>
               <a:t>quan</a:t>
             </a:r>
             <a:r>
-              <a:rPr lang="en-US" dirty="0" smtClean="0"/>
+              <a:rPr lang="en-US" dirty="0"/>
               <a:t> </a:t>
             </a:r>
             <a:r>
-              <a:rPr lang="en-US" dirty="0" err="1" smtClean="0"/>
+              <a:rPr lang="en-US" dirty="0" err="1"/>
               <a:t>hệ</a:t>
             </a:r>
             <a:endParaRPr lang="en-US" dirty="0"/>
@@ -9570,10 +9544,9 @@
               <a:defRPr/>
             </a:pPr>
             <a:r>
-              <a:rPr lang="en-US" smtClean="0"/>
+              <a:rPr lang="en-US"/>
               <a:t>&lt;Title&gt;</a:t>
             </a:r>
-            <a:endParaRPr lang="en-US"/>
           </a:p>
         </p:txBody>
       </p:sp>
@@ -9685,10 +9658,9 @@
           <a:lstStyle/>
           <a:p>
             <a:r>
-              <a:rPr lang="en-US" smtClean="0"/>
+              <a:rPr lang="en-US"/>
               <a:t>Sơ đồ triển khai</a:t>
             </a:r>
-            <a:endParaRPr lang="en-US"/>
           </a:p>
         </p:txBody>
       </p:sp>
@@ -9711,10 +9683,9 @@
               <a:defRPr/>
             </a:pPr>
             <a:r>
-              <a:rPr lang="en-US" smtClean="0"/>
+              <a:rPr lang="en-US"/>
               <a:t>&lt;Title&gt;</a:t>
             </a:r>
-            <a:endParaRPr lang="en-US"/>
           </a:p>
         </p:txBody>
       </p:sp>
@@ -9904,10 +9875,9 @@
             <a:lstStyle/>
             <a:p>
               <a:r>
-                <a:rPr lang="en-US" smtClean="0"/>
+                <a:rPr lang="en-US"/>
                 <a:t>Web</a:t>
               </a:r>
-              <a:endParaRPr lang="en-US"/>
             </a:p>
           </p:txBody>
         </p:sp>
@@ -9979,10 +9949,9 @@
             <a:lstStyle/>
             <a:p>
               <a:r>
-                <a:rPr lang="en-US" smtClean="0"/>
+                <a:rPr lang="en-US"/>
                 <a:t>U.D</a:t>
               </a:r>
-              <a:endParaRPr lang="en-US"/>
             </a:p>
           </p:txBody>
         </p:sp>
@@ -10150,21 +10119,21 @@
           <a:lstStyle/>
           <a:p>
             <a:r>
-              <a:rPr lang="en-US" sz="2000" dirty="0" err="1" smtClean="0">
+              <a:rPr lang="en-US" sz="2000" dirty="0" err="1">
                 <a:latin typeface="Times New Roman" panose="02020603050405020304" pitchFamily="18" charset="0"/>
                 <a:cs typeface="Times New Roman" panose="02020603050405020304" pitchFamily="18" charset="0"/>
               </a:rPr>
               <a:t>Đọc</a:t>
             </a:r>
             <a:r>
-              <a:rPr lang="en-US" sz="2000" dirty="0" smtClean="0">
+              <a:rPr lang="en-US" sz="2000" dirty="0">
                 <a:latin typeface="Times New Roman" panose="02020603050405020304" pitchFamily="18" charset="0"/>
                 <a:cs typeface="Times New Roman" panose="02020603050405020304" pitchFamily="18" charset="0"/>
               </a:rPr>
               <a:t> </a:t>
             </a:r>
             <a:r>
-              <a:rPr lang="en-US" sz="2000" dirty="0" err="1" smtClean="0">
+              <a:rPr lang="en-US" sz="2000" dirty="0" err="1">
                 <a:latin typeface="Times New Roman" panose="02020603050405020304" pitchFamily="18" charset="0"/>
                 <a:cs typeface="Times New Roman" panose="02020603050405020304" pitchFamily="18" charset="0"/>
               </a:rPr>
@@ -10200,21 +10169,21 @@
           <a:lstStyle/>
           <a:p>
             <a:r>
-              <a:rPr lang="en-US" sz="2000" dirty="0" err="1" smtClean="0">
+              <a:rPr lang="en-US" sz="2000" dirty="0" err="1">
                 <a:latin typeface="Times New Roman" panose="02020603050405020304" pitchFamily="18" charset="0"/>
                 <a:cs typeface="Times New Roman" panose="02020603050405020304" pitchFamily="18" charset="0"/>
               </a:rPr>
               <a:t>Nhân</a:t>
             </a:r>
             <a:r>
-              <a:rPr lang="en-US" sz="2000" dirty="0" smtClean="0">
+              <a:rPr lang="en-US" sz="2000" dirty="0">
                 <a:latin typeface="Times New Roman" panose="02020603050405020304" pitchFamily="18" charset="0"/>
                 <a:cs typeface="Times New Roman" panose="02020603050405020304" pitchFamily="18" charset="0"/>
               </a:rPr>
               <a:t> </a:t>
             </a:r>
             <a:r>
-              <a:rPr lang="en-US" sz="2000" dirty="0" err="1" smtClean="0">
+              <a:rPr lang="en-US" sz="2000" dirty="0" err="1">
                 <a:latin typeface="Times New Roman" panose="02020603050405020304" pitchFamily="18" charset="0"/>
                 <a:cs typeface="Times New Roman" panose="02020603050405020304" pitchFamily="18" charset="0"/>
               </a:rPr>
@@ -10240,13 +10209,6 @@
   <p:transition>
     <p:split orient="vert"/>
   </p:transition>
-  <p:timing>
-    <p:tnLst>
-      <p:par>
-        <p:cTn id="1" dur="indefinite" restart="never" nodeType="tmRoot"/>
-      </p:par>
-    </p:tnLst>
-  </p:timing>
 </p:sld>
 </file>
 
@@ -10288,44 +10250,44 @@
           <a:lstStyle/>
           <a:p>
             <a:r>
-              <a:rPr lang="en-US" sz="2800" dirty="0" err="1" smtClean="0"/>
+              <a:rPr lang="en-US" sz="2800" dirty="0" err="1"/>
               <a:t>Khó</a:t>
             </a:r>
             <a:r>
-              <a:rPr lang="en-US" sz="2800" dirty="0" smtClean="0"/>
+              <a:rPr lang="en-US" sz="2800" dirty="0"/>
               <a:t> </a:t>
             </a:r>
             <a:r>
-              <a:rPr lang="en-US" sz="2800" dirty="0" err="1" smtClean="0"/>
+              <a:rPr lang="en-US" sz="2800" dirty="0" err="1"/>
               <a:t>khăn</a:t>
             </a:r>
-            <a:endParaRPr lang="en-US" sz="2800" dirty="0" smtClean="0"/>
-          </a:p>
-          <a:p>
-            <a:endParaRPr lang="en-US" sz="2800" dirty="0" smtClean="0"/>
-          </a:p>
-          <a:p>
-            <a:r>
-              <a:rPr lang="en-US" sz="2800" dirty="0" err="1" smtClean="0"/>
+            <a:endParaRPr lang="en-US" sz="2800" dirty="0"/>
+          </a:p>
+          <a:p>
+            <a:endParaRPr lang="en-US" sz="2800" dirty="0"/>
+          </a:p>
+          <a:p>
+            <a:r>
+              <a:rPr lang="en-US" sz="2800" dirty="0" err="1"/>
               <a:t>Thuận</a:t>
             </a:r>
             <a:r>
-              <a:rPr lang="en-US" sz="2800" dirty="0" smtClean="0"/>
+              <a:rPr lang="en-US" sz="2800" dirty="0"/>
               <a:t> </a:t>
             </a:r>
             <a:r>
-              <a:rPr lang="en-US" sz="2800" dirty="0" err="1" smtClean="0"/>
+              <a:rPr lang="en-US" sz="2800" dirty="0" err="1"/>
               <a:t>lợi</a:t>
             </a:r>
-            <a:endParaRPr lang="en-US" sz="2800" dirty="0" smtClean="0"/>
+            <a:endParaRPr lang="en-US" sz="2800" dirty="0"/>
           </a:p>
           <a:p>
             <a:pPr lvl="1"/>
-            <a:endParaRPr lang="en-US" sz="2400" dirty="0" smtClean="0"/>
+            <a:endParaRPr lang="en-US" sz="2400" dirty="0"/>
           </a:p>
           <a:p>
             <a:pPr lvl="1"/>
-            <a:endParaRPr lang="en-US" sz="2400" dirty="0" smtClean="0"/>
+            <a:endParaRPr lang="en-US" sz="2400" dirty="0"/>
           </a:p>
         </p:txBody>
       </p:sp>
@@ -10413,10 +10375,9 @@
           <a:lstStyle/>
           <a:p>
             <a:r>
-              <a:rPr lang="en-US" smtClean="0"/>
+              <a:rPr lang="en-US"/>
               <a:t>QUẢN LÝ THƯ VIỆN</a:t>
             </a:r>
-            <a:endParaRPr lang="en-US"/>
           </a:p>
         </p:txBody>
       </p:sp>
@@ -10457,13 +10418,6 @@
   <p:transition>
     <p:split orient="vert"/>
   </p:transition>
-  <p:timing>
-    <p:tnLst>
-      <p:par>
-        <p:cTn id="1" dur="indefinite" restart="never" nodeType="tmRoot"/>
-      </p:par>
-    </p:tnLst>
-  </p:timing>
 </p:sld>
 </file>
 
@@ -10500,22 +10454,22 @@
           <a:lstStyle/>
           <a:p>
             <a:r>
-              <a:rPr lang="en-US" dirty="0" smtClean="0"/>
+              <a:rPr lang="en-US" dirty="0"/>
               <a:t>Demo </a:t>
             </a:r>
             <a:r>
-              <a:rPr lang="en-US" dirty="0" err="1" smtClean="0"/>
+              <a:rPr lang="en-US" dirty="0" err="1"/>
               <a:t>ứng</a:t>
             </a:r>
             <a:r>
-              <a:rPr lang="en-US" dirty="0" smtClean="0"/>
+              <a:rPr lang="en-US" dirty="0"/>
               <a:t> </a:t>
             </a:r>
             <a:r>
-              <a:rPr lang="en-US" dirty="0" err="1" smtClean="0"/>
+              <a:rPr lang="en-US" dirty="0" err="1"/>
               <a:t>dụng</a:t>
             </a:r>
-            <a:endParaRPr lang="en-US" dirty="0" smtClean="0"/>
+            <a:endParaRPr lang="en-US" dirty="0"/>
           </a:p>
         </p:txBody>
       </p:sp>
@@ -10538,10 +10492,9 @@
               <a:defRPr/>
             </a:pPr>
             <a:r>
-              <a:rPr lang="en-US" smtClean="0"/>
+              <a:rPr lang="en-US"/>
               <a:t>QUẢN LÝ THƯ VIỆN</a:t>
             </a:r>
-            <a:endParaRPr lang="en-US"/>
           </a:p>
         </p:txBody>
       </p:sp>
@@ -10641,13 +10594,6 @@
   <p:transition>
     <p:split orient="vert"/>
   </p:transition>
-  <p:timing>
-    <p:tnLst>
-      <p:par>
-        <p:cTn id="1" dur="indefinite" restart="never" nodeType="tmRoot"/>
-      </p:par>
-    </p:tnLst>
-  </p:timing>
 </p:sld>
 </file>
 
@@ -10857,13 +10803,6 @@
   <p:transition>
     <p:split orient="vert"/>
   </p:transition>
-  <p:timing>
-    <p:tnLst>
-      <p:par>
-        <p:cTn id="1" dur="indefinite" restart="never" nodeType="tmRoot"/>
-      </p:par>
-    </p:tnLst>
-  </p:timing>
 </p:sld>
 </file>
 
@@ -10900,14 +10839,14 @@
           <a:lstStyle/>
           <a:p>
             <a:r>
-              <a:rPr lang="en-US" sz="4000" dirty="0" err="1" smtClean="0">
+              <a:rPr lang="en-US" sz="4000" dirty="0" err="1">
                 <a:latin typeface="Times New Roman" panose="02020603050405020304" pitchFamily="18" charset="0"/>
                 <a:cs typeface="Times New Roman" panose="02020603050405020304" pitchFamily="18" charset="0"/>
               </a:rPr>
               <a:t>Nội</a:t>
             </a:r>
             <a:r>
-              <a:rPr lang="en-US" sz="4000" dirty="0" smtClean="0">
+              <a:rPr lang="en-US" sz="4000" dirty="0">
                 <a:latin typeface="Times New Roman" panose="02020603050405020304" pitchFamily="18" charset="0"/>
                 <a:cs typeface="Times New Roman" panose="02020603050405020304" pitchFamily="18" charset="0"/>
               </a:rPr>
@@ -10935,7 +10874,7 @@
               <a:defRPr/>
             </a:pPr>
             <a:r>
-              <a:rPr lang="en-US" smtClean="0">
+              <a:rPr lang="en-US">
                 <a:latin typeface="Times New Roman" panose="02020603050405020304" pitchFamily="18" charset="0"/>
                 <a:cs typeface="Times New Roman" panose="02020603050405020304" pitchFamily="18" charset="0"/>
               </a:rPr>
@@ -11009,13 +10948,6 @@
   <p:transition>
     <p:split orient="vert"/>
   </p:transition>
-  <p:timing>
-    <p:tnLst>
-      <p:par>
-        <p:cTn id="1" dur="indefinite" restart="never" nodeType="tmRoot"/>
-      </p:par>
-    </p:tnLst>
-  </p:timing>
 </p:sld>
 </file>
 
@@ -11057,194 +10989,32 @@
           <a:lstStyle/>
           <a:p>
             <a:r>
-              <a:rPr lang="en-US" sz="2800" dirty="0" err="1" smtClean="0">
+              <a:rPr lang="en-US" sz="2800" dirty="0" err="1">
                 <a:latin typeface="Times New Roman" panose="02020603050405020304" pitchFamily="18" charset="0"/>
                 <a:cs typeface="Times New Roman" panose="02020603050405020304" pitchFamily="18" charset="0"/>
               </a:rPr>
               <a:t>Họ</a:t>
             </a:r>
             <a:r>
-              <a:rPr lang="en-US" sz="2800" dirty="0" smtClean="0">
+              <a:rPr lang="en-US" sz="2800" dirty="0">
                 <a:latin typeface="Times New Roman" panose="02020603050405020304" pitchFamily="18" charset="0"/>
                 <a:cs typeface="Times New Roman" panose="02020603050405020304" pitchFamily="18" charset="0"/>
               </a:rPr>
               <a:t> </a:t>
             </a:r>
             <a:r>
-              <a:rPr lang="en-US" sz="2800" err="1" smtClean="0">
+              <a:rPr lang="en-US" sz="2800" err="1">
                 <a:latin typeface="Times New Roman" panose="02020603050405020304" pitchFamily="18" charset="0"/>
                 <a:cs typeface="Times New Roman" panose="02020603050405020304" pitchFamily="18" charset="0"/>
               </a:rPr>
               <a:t>tên</a:t>
             </a:r>
             <a:r>
-              <a:rPr lang="en-US" sz="2800" smtClean="0">
+              <a:rPr lang="en-US" sz="2800">
                 <a:latin typeface="Times New Roman" panose="02020603050405020304" pitchFamily="18" charset="0"/>
                 <a:cs typeface="Times New Roman" panose="02020603050405020304" pitchFamily="18" charset="0"/>
               </a:rPr>
               <a:t>: Nguyễn Minh Tùng</a:t>
-            </a:r>
-            <a:endParaRPr lang="en-US" sz="2800" dirty="0" smtClean="0">
-              <a:latin typeface="Times New Roman" panose="02020603050405020304" pitchFamily="18" charset="0"/>
-              <a:cs typeface="Times New Roman" panose="02020603050405020304" pitchFamily="18" charset="0"/>
-            </a:endParaRPr>
-          </a:p>
-          <a:p>
-            <a:r>
-              <a:rPr lang="en-US" sz="2800" dirty="0" err="1" smtClean="0">
-                <a:latin typeface="Times New Roman" panose="02020603050405020304" pitchFamily="18" charset="0"/>
-                <a:cs typeface="Times New Roman" panose="02020603050405020304" pitchFamily="18" charset="0"/>
-              </a:rPr>
-              <a:t>Chịu</a:t>
-            </a:r>
-            <a:r>
-              <a:rPr lang="en-US" sz="2800" dirty="0" smtClean="0">
-                <a:latin typeface="Times New Roman" panose="02020603050405020304" pitchFamily="18" charset="0"/>
-                <a:cs typeface="Times New Roman" panose="02020603050405020304" pitchFamily="18" charset="0"/>
-              </a:rPr>
-              <a:t> </a:t>
-            </a:r>
-            <a:r>
-              <a:rPr lang="en-US" sz="2800" dirty="0" err="1" smtClean="0">
-                <a:latin typeface="Times New Roman" panose="02020603050405020304" pitchFamily="18" charset="0"/>
-                <a:cs typeface="Times New Roman" panose="02020603050405020304" pitchFamily="18" charset="0"/>
-              </a:rPr>
-              <a:t>trách</a:t>
-            </a:r>
-            <a:r>
-              <a:rPr lang="en-US" sz="2800" dirty="0" smtClean="0">
-                <a:latin typeface="Times New Roman" panose="02020603050405020304" pitchFamily="18" charset="0"/>
-                <a:cs typeface="Times New Roman" panose="02020603050405020304" pitchFamily="18" charset="0"/>
-              </a:rPr>
-              <a:t> </a:t>
-            </a:r>
-            <a:r>
-              <a:rPr lang="en-US" sz="2800" dirty="0" err="1" smtClean="0">
-                <a:latin typeface="Times New Roman" panose="02020603050405020304" pitchFamily="18" charset="0"/>
-                <a:cs typeface="Times New Roman" panose="02020603050405020304" pitchFamily="18" charset="0"/>
-              </a:rPr>
-              <a:t>nhiệm</a:t>
-            </a:r>
-            <a:r>
-              <a:rPr lang="en-US" sz="2800" dirty="0" smtClean="0">
-                <a:latin typeface="Times New Roman" panose="02020603050405020304" pitchFamily="18" charset="0"/>
-                <a:cs typeface="Times New Roman" panose="02020603050405020304" pitchFamily="18" charset="0"/>
-              </a:rPr>
-              <a:t> </a:t>
-            </a:r>
-            <a:r>
-              <a:rPr lang="en-US" sz="2800" dirty="0" err="1" smtClean="0">
-                <a:latin typeface="Times New Roman" panose="02020603050405020304" pitchFamily="18" charset="0"/>
-                <a:cs typeface="Times New Roman" panose="02020603050405020304" pitchFamily="18" charset="0"/>
-              </a:rPr>
-              <a:t>chính</a:t>
-            </a:r>
-            <a:r>
-              <a:rPr lang="en-US" sz="2800" dirty="0" smtClean="0">
-                <a:latin typeface="Times New Roman" panose="02020603050405020304" pitchFamily="18" charset="0"/>
-                <a:cs typeface="Times New Roman" panose="02020603050405020304" pitchFamily="18" charset="0"/>
-              </a:rPr>
-              <a:t> </a:t>
-            </a:r>
-            <a:r>
-              <a:rPr lang="en-US" sz="2800" dirty="0" err="1" smtClean="0">
-                <a:latin typeface="Times New Roman" panose="02020603050405020304" pitchFamily="18" charset="0"/>
-                <a:cs typeface="Times New Roman" panose="02020603050405020304" pitchFamily="18" charset="0"/>
-              </a:rPr>
-              <a:t>trong</a:t>
-            </a:r>
-            <a:r>
-              <a:rPr lang="en-US" sz="2800" dirty="0" smtClean="0">
-                <a:latin typeface="Times New Roman" panose="02020603050405020304" pitchFamily="18" charset="0"/>
-                <a:cs typeface="Times New Roman" panose="02020603050405020304" pitchFamily="18" charset="0"/>
-              </a:rPr>
-              <a:t> </a:t>
-            </a:r>
-            <a:r>
-              <a:rPr lang="en-US" sz="2800" dirty="0" err="1" smtClean="0">
-                <a:latin typeface="Times New Roman" panose="02020603050405020304" pitchFamily="18" charset="0"/>
-                <a:cs typeface="Times New Roman" panose="02020603050405020304" pitchFamily="18" charset="0"/>
-              </a:rPr>
-              <a:t>đề</a:t>
-            </a:r>
-            <a:r>
-              <a:rPr lang="en-US" sz="2800" dirty="0" smtClean="0">
-                <a:latin typeface="Times New Roman" panose="02020603050405020304" pitchFamily="18" charset="0"/>
-                <a:cs typeface="Times New Roman" panose="02020603050405020304" pitchFamily="18" charset="0"/>
-              </a:rPr>
-              <a:t> </a:t>
-            </a:r>
-            <a:r>
-              <a:rPr lang="en-US" sz="2800" dirty="0" err="1" smtClean="0">
-                <a:latin typeface="Times New Roman" panose="02020603050405020304" pitchFamily="18" charset="0"/>
-                <a:cs typeface="Times New Roman" panose="02020603050405020304" pitchFamily="18" charset="0"/>
-              </a:rPr>
-              <a:t>tài</a:t>
-            </a:r>
-            <a:r>
-              <a:rPr lang="en-US" sz="2800" dirty="0" smtClean="0">
-                <a:latin typeface="Times New Roman" panose="02020603050405020304" pitchFamily="18" charset="0"/>
-                <a:cs typeface="Times New Roman" panose="02020603050405020304" pitchFamily="18" charset="0"/>
-              </a:rPr>
-              <a:t>:</a:t>
-            </a:r>
-          </a:p>
-          <a:p>
-            <a:pPr lvl="1"/>
-            <a:r>
-              <a:rPr lang="en-US" sz="2400" smtClean="0">
-                <a:latin typeface="Times New Roman" panose="02020603050405020304" pitchFamily="18" charset="0"/>
-                <a:cs typeface="Times New Roman" panose="02020603050405020304" pitchFamily="18" charset="0"/>
-              </a:rPr>
-              <a:t>Thiết kế giao diện Form, thiết kế database, viết báo cáo, kiểm lỗi.</a:t>
-            </a:r>
-            <a:endParaRPr lang="en-US" sz="2400" dirty="0" smtClean="0">
-              <a:latin typeface="Times New Roman" panose="02020603050405020304" pitchFamily="18" charset="0"/>
-              <a:cs typeface="Times New Roman" panose="02020603050405020304" pitchFamily="18" charset="0"/>
-            </a:endParaRPr>
-          </a:p>
-          <a:p>
-            <a:r>
-              <a:rPr lang="en-US" sz="2800" dirty="0" err="1" smtClean="0">
-                <a:latin typeface="Times New Roman" panose="02020603050405020304" pitchFamily="18" charset="0"/>
-                <a:cs typeface="Times New Roman" panose="02020603050405020304" pitchFamily="18" charset="0"/>
-              </a:rPr>
-              <a:t>Các</a:t>
-            </a:r>
-            <a:r>
-              <a:rPr lang="en-US" sz="2800" dirty="0" smtClean="0">
-                <a:latin typeface="Times New Roman" panose="02020603050405020304" pitchFamily="18" charset="0"/>
-                <a:cs typeface="Times New Roman" panose="02020603050405020304" pitchFamily="18" charset="0"/>
-              </a:rPr>
-              <a:t> form, report </a:t>
-            </a:r>
-            <a:r>
-              <a:rPr lang="en-US" sz="2800" dirty="0" err="1" smtClean="0">
-                <a:latin typeface="Times New Roman" panose="02020603050405020304" pitchFamily="18" charset="0"/>
-                <a:cs typeface="Times New Roman" panose="02020603050405020304" pitchFamily="18" charset="0"/>
-              </a:rPr>
-              <a:t>thực</a:t>
-            </a:r>
-            <a:r>
-              <a:rPr lang="en-US" sz="2800" dirty="0" smtClean="0">
-                <a:latin typeface="Times New Roman" panose="02020603050405020304" pitchFamily="18" charset="0"/>
-                <a:cs typeface="Times New Roman" panose="02020603050405020304" pitchFamily="18" charset="0"/>
-              </a:rPr>
-              <a:t> </a:t>
-            </a:r>
-            <a:r>
-              <a:rPr lang="en-US" sz="2800" dirty="0" err="1" smtClean="0">
-                <a:latin typeface="Times New Roman" panose="02020603050405020304" pitchFamily="18" charset="0"/>
-                <a:cs typeface="Times New Roman" panose="02020603050405020304" pitchFamily="18" charset="0"/>
-              </a:rPr>
-              <a:t>hiện</a:t>
-            </a:r>
-            <a:r>
-              <a:rPr lang="en-US" sz="2800" dirty="0" smtClean="0">
-                <a:latin typeface="Times New Roman" panose="02020603050405020304" pitchFamily="18" charset="0"/>
-                <a:cs typeface="Times New Roman" panose="02020603050405020304" pitchFamily="18" charset="0"/>
-              </a:rPr>
-              <a:t>:</a:t>
             </a:r>
             <a:endParaRPr lang="en-US" sz="2800" dirty="0">
               <a:latin typeface="Times New Roman" panose="02020603050405020304" pitchFamily="18" charset="0"/>
@@ -11252,9 +11022,167 @@
             </a:endParaRPr>
           </a:p>
           <a:p>
+            <a:r>
+              <a:rPr lang="en-US" sz="2800" dirty="0" err="1">
+                <a:latin typeface="Times New Roman" panose="02020603050405020304" pitchFamily="18" charset="0"/>
+                <a:cs typeface="Times New Roman" panose="02020603050405020304" pitchFamily="18" charset="0"/>
+              </a:rPr>
+              <a:t>Chịu</a:t>
+            </a:r>
+            <a:r>
+              <a:rPr lang="en-US" sz="2800" dirty="0">
+                <a:latin typeface="Times New Roman" panose="02020603050405020304" pitchFamily="18" charset="0"/>
+                <a:cs typeface="Times New Roman" panose="02020603050405020304" pitchFamily="18" charset="0"/>
+              </a:rPr>
+              <a:t> </a:t>
+            </a:r>
+            <a:r>
+              <a:rPr lang="en-US" sz="2800" dirty="0" err="1">
+                <a:latin typeface="Times New Roman" panose="02020603050405020304" pitchFamily="18" charset="0"/>
+                <a:cs typeface="Times New Roman" panose="02020603050405020304" pitchFamily="18" charset="0"/>
+              </a:rPr>
+              <a:t>trách</a:t>
+            </a:r>
+            <a:r>
+              <a:rPr lang="en-US" sz="2800" dirty="0">
+                <a:latin typeface="Times New Roman" panose="02020603050405020304" pitchFamily="18" charset="0"/>
+                <a:cs typeface="Times New Roman" panose="02020603050405020304" pitchFamily="18" charset="0"/>
+              </a:rPr>
+              <a:t> </a:t>
+            </a:r>
+            <a:r>
+              <a:rPr lang="en-US" sz="2800" dirty="0" err="1">
+                <a:latin typeface="Times New Roman" panose="02020603050405020304" pitchFamily="18" charset="0"/>
+                <a:cs typeface="Times New Roman" panose="02020603050405020304" pitchFamily="18" charset="0"/>
+              </a:rPr>
+              <a:t>nhiệm</a:t>
+            </a:r>
+            <a:r>
+              <a:rPr lang="en-US" sz="2800" dirty="0">
+                <a:latin typeface="Times New Roman" panose="02020603050405020304" pitchFamily="18" charset="0"/>
+                <a:cs typeface="Times New Roman" panose="02020603050405020304" pitchFamily="18" charset="0"/>
+              </a:rPr>
+              <a:t> </a:t>
+            </a:r>
+            <a:r>
+              <a:rPr lang="en-US" sz="2800" dirty="0" err="1">
+                <a:latin typeface="Times New Roman" panose="02020603050405020304" pitchFamily="18" charset="0"/>
+                <a:cs typeface="Times New Roman" panose="02020603050405020304" pitchFamily="18" charset="0"/>
+              </a:rPr>
+              <a:t>chính</a:t>
+            </a:r>
+            <a:r>
+              <a:rPr lang="en-US" sz="2800" dirty="0">
+                <a:latin typeface="Times New Roman" panose="02020603050405020304" pitchFamily="18" charset="0"/>
+                <a:cs typeface="Times New Roman" panose="02020603050405020304" pitchFamily="18" charset="0"/>
+              </a:rPr>
+              <a:t> </a:t>
+            </a:r>
+            <a:r>
+              <a:rPr lang="en-US" sz="2800" dirty="0" err="1">
+                <a:latin typeface="Times New Roman" panose="02020603050405020304" pitchFamily="18" charset="0"/>
+                <a:cs typeface="Times New Roman" panose="02020603050405020304" pitchFamily="18" charset="0"/>
+              </a:rPr>
+              <a:t>trong</a:t>
+            </a:r>
+            <a:r>
+              <a:rPr lang="en-US" sz="2800" dirty="0">
+                <a:latin typeface="Times New Roman" panose="02020603050405020304" pitchFamily="18" charset="0"/>
+                <a:cs typeface="Times New Roman" panose="02020603050405020304" pitchFamily="18" charset="0"/>
+              </a:rPr>
+              <a:t> </a:t>
+            </a:r>
+            <a:r>
+              <a:rPr lang="en-US" sz="2800" dirty="0" err="1">
+                <a:latin typeface="Times New Roman" panose="02020603050405020304" pitchFamily="18" charset="0"/>
+                <a:cs typeface="Times New Roman" panose="02020603050405020304" pitchFamily="18" charset="0"/>
+              </a:rPr>
+              <a:t>đề</a:t>
+            </a:r>
+            <a:r>
+              <a:rPr lang="en-US" sz="2800" dirty="0">
+                <a:latin typeface="Times New Roman" panose="02020603050405020304" pitchFamily="18" charset="0"/>
+                <a:cs typeface="Times New Roman" panose="02020603050405020304" pitchFamily="18" charset="0"/>
+              </a:rPr>
+              <a:t> </a:t>
+            </a:r>
+            <a:r>
+              <a:rPr lang="en-US" sz="2800" dirty="0" err="1">
+                <a:latin typeface="Times New Roman" panose="02020603050405020304" pitchFamily="18" charset="0"/>
+                <a:cs typeface="Times New Roman" panose="02020603050405020304" pitchFamily="18" charset="0"/>
+              </a:rPr>
+              <a:t>tài</a:t>
+            </a:r>
+            <a:r>
+              <a:rPr lang="en-US" sz="2800" dirty="0">
+                <a:latin typeface="Times New Roman" panose="02020603050405020304" pitchFamily="18" charset="0"/>
+                <a:cs typeface="Times New Roman" panose="02020603050405020304" pitchFamily="18" charset="0"/>
+              </a:rPr>
+              <a:t>:</a:t>
+            </a:r>
+          </a:p>
+          <a:p>
             <a:pPr lvl="1"/>
             <a:r>
-              <a:rPr lang="en-US" sz="2400" smtClean="0">
+              <a:rPr lang="en-US" sz="2400">
+                <a:latin typeface="Times New Roman" panose="02020603050405020304" pitchFamily="18" charset="0"/>
+                <a:cs typeface="Times New Roman" panose="02020603050405020304" pitchFamily="18" charset="0"/>
+              </a:rPr>
+              <a:t>Thiết kế giao diện Form, thiết kế database, viết báo cáo, kiểm lỗi.</a:t>
+            </a:r>
+            <a:endParaRPr lang="en-US" sz="2400" dirty="0">
+              <a:latin typeface="Times New Roman" panose="02020603050405020304" pitchFamily="18" charset="0"/>
+              <a:cs typeface="Times New Roman" panose="02020603050405020304" pitchFamily="18" charset="0"/>
+            </a:endParaRPr>
+          </a:p>
+          <a:p>
+            <a:r>
+              <a:rPr lang="en-US" sz="2800" dirty="0" err="1">
+                <a:latin typeface="Times New Roman" panose="02020603050405020304" pitchFamily="18" charset="0"/>
+                <a:cs typeface="Times New Roman" panose="02020603050405020304" pitchFamily="18" charset="0"/>
+              </a:rPr>
+              <a:t>Các</a:t>
+            </a:r>
+            <a:r>
+              <a:rPr lang="en-US" sz="2800" dirty="0">
+                <a:latin typeface="Times New Roman" panose="02020603050405020304" pitchFamily="18" charset="0"/>
+                <a:cs typeface="Times New Roman" panose="02020603050405020304" pitchFamily="18" charset="0"/>
+              </a:rPr>
+              <a:t> form, report </a:t>
+            </a:r>
+            <a:r>
+              <a:rPr lang="en-US" sz="2800" dirty="0" err="1">
+                <a:latin typeface="Times New Roman" panose="02020603050405020304" pitchFamily="18" charset="0"/>
+                <a:cs typeface="Times New Roman" panose="02020603050405020304" pitchFamily="18" charset="0"/>
+              </a:rPr>
+              <a:t>thực</a:t>
+            </a:r>
+            <a:r>
+              <a:rPr lang="en-US" sz="2800" dirty="0">
+                <a:latin typeface="Times New Roman" panose="02020603050405020304" pitchFamily="18" charset="0"/>
+                <a:cs typeface="Times New Roman" panose="02020603050405020304" pitchFamily="18" charset="0"/>
+              </a:rPr>
+              <a:t> </a:t>
+            </a:r>
+            <a:r>
+              <a:rPr lang="en-US" sz="2800" dirty="0" err="1">
+                <a:latin typeface="Times New Roman" panose="02020603050405020304" pitchFamily="18" charset="0"/>
+                <a:cs typeface="Times New Roman" panose="02020603050405020304" pitchFamily="18" charset="0"/>
+              </a:rPr>
+              <a:t>hiện</a:t>
+            </a:r>
+            <a:r>
+              <a:rPr lang="en-US" sz="2800" dirty="0">
+                <a:latin typeface="Times New Roman" panose="02020603050405020304" pitchFamily="18" charset="0"/>
+                <a:cs typeface="Times New Roman" panose="02020603050405020304" pitchFamily="18" charset="0"/>
+              </a:rPr>
+              <a:t>:</a:t>
+            </a:r>
+          </a:p>
+          <a:p>
+            <a:pPr lvl="1"/>
+            <a:r>
+              <a:rPr lang="en-US" sz="2400">
                 <a:latin typeface="Times New Roman" panose="02020603050405020304" pitchFamily="18" charset="0"/>
                 <a:cs typeface="Times New Roman" panose="02020603050405020304" pitchFamily="18" charset="0"/>
               </a:rPr>
@@ -11264,7 +11192,7 @@
           <a:p>
             <a:pPr lvl="1"/>
             <a:r>
-              <a:rPr lang="en-US" sz="2400" smtClean="0">
+              <a:rPr lang="en-US" sz="2400">
                 <a:latin typeface="Times New Roman" panose="02020603050405020304" pitchFamily="18" charset="0"/>
                 <a:cs typeface="Times New Roman" panose="02020603050405020304" pitchFamily="18" charset="0"/>
               </a:rPr>
@@ -11274,7 +11202,7 @@
           <a:p>
             <a:pPr lvl="1"/>
             <a:r>
-              <a:rPr lang="en-US" sz="2400" smtClean="0">
+              <a:rPr lang="en-US" sz="2400">
                 <a:latin typeface="Times New Roman" panose="02020603050405020304" pitchFamily="18" charset="0"/>
                 <a:cs typeface="Times New Roman" panose="02020603050405020304" pitchFamily="18" charset="0"/>
               </a:rPr>
@@ -11284,7 +11212,7 @@
           <a:p>
             <a:pPr lvl="1"/>
             <a:r>
-              <a:rPr lang="en-US" sz="2400" smtClean="0">
+              <a:rPr lang="en-US" sz="2400">
                 <a:latin typeface="Times New Roman" panose="02020603050405020304" pitchFamily="18" charset="0"/>
                 <a:cs typeface="Times New Roman" panose="02020603050405020304" pitchFamily="18" charset="0"/>
               </a:rPr>
@@ -11294,7 +11222,7 @@
           <a:p>
             <a:pPr lvl="1"/>
             <a:r>
-              <a:rPr lang="en-US" sz="2400" smtClean="0">
+              <a:rPr lang="en-US" sz="2400">
                 <a:latin typeface="Times New Roman" panose="02020603050405020304" pitchFamily="18" charset="0"/>
                 <a:cs typeface="Times New Roman" panose="02020603050405020304" pitchFamily="18" charset="0"/>
               </a:rPr>
@@ -11323,27 +11251,27 @@
           <a:lstStyle/>
           <a:p>
             <a:r>
-              <a:rPr lang="en-US" sz="3600" dirty="0" err="1" smtClean="0">
+              <a:rPr lang="en-US" sz="3600" dirty="0" err="1">
                 <a:latin typeface="Times New Roman" panose="02020603050405020304" pitchFamily="18" charset="0"/>
                 <a:cs typeface="Times New Roman" panose="02020603050405020304" pitchFamily="18" charset="0"/>
               </a:rPr>
               <a:t>Trưởng</a:t>
             </a:r>
             <a:r>
-              <a:rPr lang="en-US" sz="3600" dirty="0" smtClean="0">
+              <a:rPr lang="en-US" sz="3600" dirty="0">
                 <a:latin typeface="Times New Roman" panose="02020603050405020304" pitchFamily="18" charset="0"/>
                 <a:cs typeface="Times New Roman" panose="02020603050405020304" pitchFamily="18" charset="0"/>
               </a:rPr>
               <a:t> </a:t>
             </a:r>
             <a:r>
-              <a:rPr lang="en-US" sz="3600" dirty="0" err="1" smtClean="0">
+              <a:rPr lang="en-US" sz="3600" dirty="0" err="1">
                 <a:latin typeface="Times New Roman" panose="02020603050405020304" pitchFamily="18" charset="0"/>
                 <a:cs typeface="Times New Roman" panose="02020603050405020304" pitchFamily="18" charset="0"/>
               </a:rPr>
               <a:t>nhóm</a:t>
             </a:r>
-            <a:endParaRPr lang="en-US" sz="3600" dirty="0" smtClean="0">
+            <a:endParaRPr lang="en-US" sz="3600" dirty="0">
               <a:latin typeface="Times New Roman" panose="02020603050405020304" pitchFamily="18" charset="0"/>
               <a:cs typeface="Times New Roman" panose="02020603050405020304" pitchFamily="18" charset="0"/>
             </a:endParaRPr>
@@ -11369,10 +11297,9 @@
               <a:defRPr/>
             </a:pPr>
             <a:r>
-              <a:rPr lang="en-US" smtClean="0"/>
+              <a:rPr lang="en-US"/>
               <a:t>QUẢN LÝ THƯ VIỆN</a:t>
             </a:r>
-            <a:endParaRPr lang="en-US"/>
           </a:p>
         </p:txBody>
       </p:sp>
@@ -11467,13 +11394,6 @@
   <p:transition>
     <p:split orient="vert"/>
   </p:transition>
-  <p:timing>
-    <p:tnLst>
-      <p:par>
-        <p:cTn id="1" dur="indefinite" restart="never" nodeType="tmRoot"/>
-      </p:par>
-    </p:tnLst>
-  </p:timing>
 </p:sld>
 </file>
 
@@ -11515,118 +11435,118 @@
           <a:lstStyle/>
           <a:p>
             <a:r>
-              <a:rPr lang="en-US" sz="2800" err="1" smtClean="0">
+              <a:rPr lang="en-US" sz="2800" err="1">
                 <a:latin typeface="Times New Roman" panose="02020603050405020304" pitchFamily="18" charset="0"/>
                 <a:cs typeface="Times New Roman" panose="02020603050405020304" pitchFamily="18" charset="0"/>
               </a:rPr>
               <a:t>Họ</a:t>
             </a:r>
             <a:r>
-              <a:rPr lang="en-US" sz="2800" smtClean="0">
+              <a:rPr lang="en-US" sz="2800">
                 <a:latin typeface="Times New Roman" panose="02020603050405020304" pitchFamily="18" charset="0"/>
                 <a:cs typeface="Times New Roman" panose="02020603050405020304" pitchFamily="18" charset="0"/>
               </a:rPr>
               <a:t> tên: Nguyễn Công Tuấn</a:t>
             </a:r>
-            <a:endParaRPr lang="en-US" sz="2800" dirty="0" smtClean="0">
+            <a:endParaRPr lang="en-US" sz="2800" dirty="0">
               <a:latin typeface="Times New Roman" panose="02020603050405020304" pitchFamily="18" charset="0"/>
               <a:cs typeface="Times New Roman" panose="02020603050405020304" pitchFamily="18" charset="0"/>
             </a:endParaRPr>
           </a:p>
           <a:p>
             <a:r>
-              <a:rPr lang="en-US" sz="2800" dirty="0" err="1" smtClean="0">
+              <a:rPr lang="en-US" sz="2800" dirty="0" err="1">
                 <a:latin typeface="Times New Roman" panose="02020603050405020304" pitchFamily="18" charset="0"/>
                 <a:cs typeface="Times New Roman" panose="02020603050405020304" pitchFamily="18" charset="0"/>
               </a:rPr>
               <a:t>Chịu</a:t>
             </a:r>
             <a:r>
-              <a:rPr lang="en-US" sz="2800" dirty="0" smtClean="0">
+              <a:rPr lang="en-US" sz="2800" dirty="0">
                 <a:latin typeface="Times New Roman" panose="02020603050405020304" pitchFamily="18" charset="0"/>
                 <a:cs typeface="Times New Roman" panose="02020603050405020304" pitchFamily="18" charset="0"/>
               </a:rPr>
               <a:t> </a:t>
             </a:r>
             <a:r>
-              <a:rPr lang="en-US" sz="2800" dirty="0" err="1" smtClean="0">
+              <a:rPr lang="en-US" sz="2800" dirty="0" err="1">
                 <a:latin typeface="Times New Roman" panose="02020603050405020304" pitchFamily="18" charset="0"/>
                 <a:cs typeface="Times New Roman" panose="02020603050405020304" pitchFamily="18" charset="0"/>
               </a:rPr>
               <a:t>trách</a:t>
             </a:r>
             <a:r>
-              <a:rPr lang="en-US" sz="2800" dirty="0" smtClean="0">
+              <a:rPr lang="en-US" sz="2800" dirty="0">
                 <a:latin typeface="Times New Roman" panose="02020603050405020304" pitchFamily="18" charset="0"/>
                 <a:cs typeface="Times New Roman" panose="02020603050405020304" pitchFamily="18" charset="0"/>
               </a:rPr>
               <a:t> </a:t>
             </a:r>
             <a:r>
-              <a:rPr lang="en-US" sz="2800" dirty="0" err="1" smtClean="0">
+              <a:rPr lang="en-US" sz="2800" dirty="0" err="1">
                 <a:latin typeface="Times New Roman" panose="02020603050405020304" pitchFamily="18" charset="0"/>
                 <a:cs typeface="Times New Roman" panose="02020603050405020304" pitchFamily="18" charset="0"/>
               </a:rPr>
               <a:t>nhiệm</a:t>
             </a:r>
             <a:r>
-              <a:rPr lang="en-US" sz="2800" dirty="0" smtClean="0">
+              <a:rPr lang="en-US" sz="2800" dirty="0">
                 <a:latin typeface="Times New Roman" panose="02020603050405020304" pitchFamily="18" charset="0"/>
                 <a:cs typeface="Times New Roman" panose="02020603050405020304" pitchFamily="18" charset="0"/>
               </a:rPr>
               <a:t> </a:t>
             </a:r>
             <a:r>
-              <a:rPr lang="en-US" sz="2800" dirty="0" err="1" smtClean="0">
+              <a:rPr lang="en-US" sz="2800" dirty="0" err="1">
                 <a:latin typeface="Times New Roman" panose="02020603050405020304" pitchFamily="18" charset="0"/>
                 <a:cs typeface="Times New Roman" panose="02020603050405020304" pitchFamily="18" charset="0"/>
               </a:rPr>
               <a:t>chính</a:t>
             </a:r>
             <a:r>
-              <a:rPr lang="en-US" sz="2800" dirty="0" smtClean="0">
+              <a:rPr lang="en-US" sz="2800" dirty="0">
                 <a:latin typeface="Times New Roman" panose="02020603050405020304" pitchFamily="18" charset="0"/>
                 <a:cs typeface="Times New Roman" panose="02020603050405020304" pitchFamily="18" charset="0"/>
               </a:rPr>
               <a:t> </a:t>
             </a:r>
             <a:r>
-              <a:rPr lang="en-US" sz="2800" dirty="0" err="1" smtClean="0">
+              <a:rPr lang="en-US" sz="2800" dirty="0" err="1">
                 <a:latin typeface="Times New Roman" panose="02020603050405020304" pitchFamily="18" charset="0"/>
                 <a:cs typeface="Times New Roman" panose="02020603050405020304" pitchFamily="18" charset="0"/>
               </a:rPr>
               <a:t>trong</a:t>
             </a:r>
             <a:r>
-              <a:rPr lang="en-US" sz="2800" dirty="0" smtClean="0">
+              <a:rPr lang="en-US" sz="2800" dirty="0">
                 <a:latin typeface="Times New Roman" panose="02020603050405020304" pitchFamily="18" charset="0"/>
                 <a:cs typeface="Times New Roman" panose="02020603050405020304" pitchFamily="18" charset="0"/>
               </a:rPr>
               <a:t> </a:t>
             </a:r>
             <a:r>
-              <a:rPr lang="en-US" sz="2800" dirty="0" err="1" smtClean="0">
+              <a:rPr lang="en-US" sz="2800" dirty="0" err="1">
                 <a:latin typeface="Times New Roman" panose="02020603050405020304" pitchFamily="18" charset="0"/>
                 <a:cs typeface="Times New Roman" panose="02020603050405020304" pitchFamily="18" charset="0"/>
               </a:rPr>
               <a:t>đề</a:t>
             </a:r>
             <a:r>
-              <a:rPr lang="en-US" sz="2800" dirty="0" smtClean="0">
+              <a:rPr lang="en-US" sz="2800" dirty="0">
                 <a:latin typeface="Times New Roman" panose="02020603050405020304" pitchFamily="18" charset="0"/>
                 <a:cs typeface="Times New Roman" panose="02020603050405020304" pitchFamily="18" charset="0"/>
               </a:rPr>
               <a:t> </a:t>
             </a:r>
             <a:r>
-              <a:rPr lang="en-US" sz="2800" dirty="0" err="1" smtClean="0">
+              <a:rPr lang="en-US" sz="2800" dirty="0" err="1">
                 <a:latin typeface="Times New Roman" panose="02020603050405020304" pitchFamily="18" charset="0"/>
                 <a:cs typeface="Times New Roman" panose="02020603050405020304" pitchFamily="18" charset="0"/>
               </a:rPr>
               <a:t>tài</a:t>
             </a:r>
             <a:r>
-              <a:rPr lang="en-US" sz="2800" dirty="0" smtClean="0">
+              <a:rPr lang="en-US" sz="2800" dirty="0">
                 <a:latin typeface="Times New Roman" panose="02020603050405020304" pitchFamily="18" charset="0"/>
                 <a:cs typeface="Times New Roman" panose="02020603050405020304" pitchFamily="18" charset="0"/>
               </a:rPr>
@@ -11640,112 +11560,87 @@
                 <a:latin typeface="Times New Roman" panose="02020603050405020304" pitchFamily="18" charset="0"/>
                 <a:cs typeface="Times New Roman" panose="02020603050405020304" pitchFamily="18" charset="0"/>
               </a:rPr>
-              <a:t>Thiết kế giao diện Form, thiết kế database, viết báo </a:t>
-            </a:r>
-            <a:r>
-              <a:rPr lang="en-US" sz="2400" smtClean="0">
-                <a:latin typeface="Times New Roman" panose="02020603050405020304" pitchFamily="18" charset="0"/>
-                <a:cs typeface="Times New Roman" panose="02020603050405020304" pitchFamily="18" charset="0"/>
-              </a:rPr>
-              <a:t>cáo</a:t>
-            </a:r>
+              <a:t>Thiết kế giao diện Form, thiết kế database, viết báo cáo , kiểm lỗi.</a:t>
+            </a:r>
+          </a:p>
+          <a:p>
+            <a:r>
+              <a:rPr lang="en-US" sz="2800">
+                <a:latin typeface="Times New Roman" panose="02020603050405020304" pitchFamily="18" charset="0"/>
+                <a:cs typeface="Times New Roman" panose="02020603050405020304" pitchFamily="18" charset="0"/>
+              </a:rPr>
+              <a:t>Các </a:t>
+            </a:r>
+            <a:r>
+              <a:rPr lang="en-US" sz="2800" dirty="0">
+                <a:latin typeface="Times New Roman" panose="02020603050405020304" pitchFamily="18" charset="0"/>
+                <a:cs typeface="Times New Roman" panose="02020603050405020304" pitchFamily="18" charset="0"/>
+              </a:rPr>
+              <a:t>form, report </a:t>
+            </a:r>
+            <a:r>
+              <a:rPr lang="en-US" sz="2800" dirty="0" err="1">
+                <a:latin typeface="Times New Roman" panose="02020603050405020304" pitchFamily="18" charset="0"/>
+                <a:cs typeface="Times New Roman" panose="02020603050405020304" pitchFamily="18" charset="0"/>
+              </a:rPr>
+              <a:t>thực</a:t>
+            </a:r>
+            <a:r>
+              <a:rPr lang="en-US" sz="2800" dirty="0">
+                <a:latin typeface="Times New Roman" panose="02020603050405020304" pitchFamily="18" charset="0"/>
+                <a:cs typeface="Times New Roman" panose="02020603050405020304" pitchFamily="18" charset="0"/>
+              </a:rPr>
+              <a:t> </a:t>
+            </a:r>
+            <a:r>
+              <a:rPr lang="en-US" sz="2800" err="1">
+                <a:latin typeface="Times New Roman" panose="02020603050405020304" pitchFamily="18" charset="0"/>
+                <a:cs typeface="Times New Roman" panose="02020603050405020304" pitchFamily="18" charset="0"/>
+              </a:rPr>
+              <a:t>hiện</a:t>
+            </a:r>
+            <a:r>
+              <a:rPr lang="en-US" sz="2800">
+                <a:latin typeface="Times New Roman" panose="02020603050405020304" pitchFamily="18" charset="0"/>
+                <a:cs typeface="Times New Roman" panose="02020603050405020304" pitchFamily="18" charset="0"/>
+              </a:rPr>
+              <a:t>:</a:t>
+            </a:r>
+          </a:p>
+          <a:p>
+            <a:pPr lvl="1"/>
             <a:r>
               <a:rPr lang="en-US" sz="2400">
                 <a:latin typeface="Times New Roman" panose="02020603050405020304" pitchFamily="18" charset="0"/>
                 <a:cs typeface="Times New Roman" panose="02020603050405020304" pitchFamily="18" charset="0"/>
               </a:rPr>
-              <a:t> , kiểm lỗi</a:t>
-            </a:r>
-            <a:r>
-              <a:rPr lang="en-US" sz="2400" smtClean="0">
-                <a:latin typeface="Times New Roman" panose="02020603050405020304" pitchFamily="18" charset="0"/>
-                <a:cs typeface="Times New Roman" panose="02020603050405020304" pitchFamily="18" charset="0"/>
-              </a:rPr>
-              <a:t>.</a:t>
-            </a:r>
-            <a:endParaRPr lang="en-US" sz="2400">
-              <a:latin typeface="Times New Roman" panose="02020603050405020304" pitchFamily="18" charset="0"/>
-              <a:cs typeface="Times New Roman" panose="02020603050405020304" pitchFamily="18" charset="0"/>
-            </a:endParaRPr>
-          </a:p>
-          <a:p>
-            <a:r>
-              <a:rPr lang="en-US" sz="2800" smtClean="0">
-                <a:latin typeface="Times New Roman" panose="02020603050405020304" pitchFamily="18" charset="0"/>
-                <a:cs typeface="Times New Roman" panose="02020603050405020304" pitchFamily="18" charset="0"/>
-              </a:rPr>
-              <a:t>Các </a:t>
-            </a:r>
-            <a:r>
-              <a:rPr lang="en-US" sz="2800" dirty="0" smtClean="0">
-                <a:latin typeface="Times New Roman" panose="02020603050405020304" pitchFamily="18" charset="0"/>
-                <a:cs typeface="Times New Roman" panose="02020603050405020304" pitchFamily="18" charset="0"/>
-              </a:rPr>
-              <a:t>form, report </a:t>
-            </a:r>
-            <a:r>
-              <a:rPr lang="en-US" sz="2800" dirty="0" err="1" smtClean="0">
-                <a:latin typeface="Times New Roman" panose="02020603050405020304" pitchFamily="18" charset="0"/>
-                <a:cs typeface="Times New Roman" panose="02020603050405020304" pitchFamily="18" charset="0"/>
-              </a:rPr>
-              <a:t>thực</a:t>
-            </a:r>
-            <a:r>
-              <a:rPr lang="en-US" sz="2800" dirty="0" smtClean="0">
-                <a:latin typeface="Times New Roman" panose="02020603050405020304" pitchFamily="18" charset="0"/>
-                <a:cs typeface="Times New Roman" panose="02020603050405020304" pitchFamily="18" charset="0"/>
-              </a:rPr>
-              <a:t> </a:t>
-            </a:r>
-            <a:r>
-              <a:rPr lang="en-US" sz="2800" err="1" smtClean="0">
-                <a:latin typeface="Times New Roman" panose="02020603050405020304" pitchFamily="18" charset="0"/>
-                <a:cs typeface="Times New Roman" panose="02020603050405020304" pitchFamily="18" charset="0"/>
-              </a:rPr>
-              <a:t>hiện</a:t>
-            </a:r>
-            <a:r>
-              <a:rPr lang="en-US" sz="2800" smtClean="0">
-                <a:latin typeface="Times New Roman" panose="02020603050405020304" pitchFamily="18" charset="0"/>
-                <a:cs typeface="Times New Roman" panose="02020603050405020304" pitchFamily="18" charset="0"/>
-              </a:rPr>
-              <a:t>:</a:t>
+              <a:t>Form Thống kê sách hỏng, sách mất, sách mượn.</a:t>
             </a:r>
           </a:p>
           <a:p>
             <a:pPr lvl="1"/>
             <a:r>
-              <a:rPr lang="en-US" sz="2400" smtClean="0">
-                <a:latin typeface="Times New Roman" panose="02020603050405020304" pitchFamily="18" charset="0"/>
-                <a:cs typeface="Times New Roman" panose="02020603050405020304" pitchFamily="18" charset="0"/>
-              </a:rPr>
-              <a:t>Form Thống kê sách hỏng, sách mất, sách mượn.</a:t>
+              <a:rPr lang="en-US" sz="2400">
+                <a:latin typeface="Times New Roman" panose="02020603050405020304" pitchFamily="18" charset="0"/>
+                <a:cs typeface="Times New Roman" panose="02020603050405020304" pitchFamily="18" charset="0"/>
+              </a:rPr>
+              <a:t>Form quản lý phiếu</a:t>
             </a:r>
           </a:p>
           <a:p>
             <a:pPr lvl="1"/>
             <a:r>
-              <a:rPr lang="en-US" sz="2400" smtClean="0">
-                <a:latin typeface="Times New Roman" panose="02020603050405020304" pitchFamily="18" charset="0"/>
-                <a:cs typeface="Times New Roman" panose="02020603050405020304" pitchFamily="18" charset="0"/>
-              </a:rPr>
-              <a:t>Form quản lý phiếu</a:t>
+              <a:rPr lang="en-US" sz="2400">
+                <a:latin typeface="Times New Roman" panose="02020603050405020304" pitchFamily="18" charset="0"/>
+                <a:cs typeface="Times New Roman" panose="02020603050405020304" pitchFamily="18" charset="0"/>
+              </a:rPr>
+              <a:t>Form quản lý thể thức mượn, nhà xuất bản,Main, Đăng nhập, quản lý nhân viên.</a:t>
             </a:r>
           </a:p>
           <a:p>
             <a:pPr lvl="1"/>
             <a:r>
-              <a:rPr lang="en-US" sz="2400" smtClean="0">
-                <a:latin typeface="Times New Roman" panose="02020603050405020304" pitchFamily="18" charset="0"/>
-                <a:cs typeface="Times New Roman" panose="02020603050405020304" pitchFamily="18" charset="0"/>
-              </a:rPr>
-              <a:t>Form quản lý thể thức mượn, nhà xuất bản,Main, Đăng nhập, quản lý nhân viên.</a:t>
-            </a:r>
-          </a:p>
-          <a:p>
-            <a:pPr lvl="1"/>
-            <a:r>
-              <a:rPr lang="en-US" sz="2400" smtClean="0">
+              <a:rPr lang="en-US" sz="2400">
                 <a:latin typeface="Times New Roman" panose="02020603050405020304" pitchFamily="18" charset="0"/>
                 <a:cs typeface="Times New Roman" panose="02020603050405020304" pitchFamily="18" charset="0"/>
               </a:rPr>
@@ -11774,42 +11669,42 @@
           <a:lstStyle/>
           <a:p>
             <a:r>
-              <a:rPr lang="en-US" sz="3600" dirty="0" err="1" smtClean="0">
+              <a:rPr lang="en-US" sz="3600" dirty="0" err="1">
                 <a:latin typeface="Times New Roman" panose="02020603050405020304" pitchFamily="18" charset="0"/>
                 <a:cs typeface="Times New Roman" panose="02020603050405020304" pitchFamily="18" charset="0"/>
               </a:rPr>
               <a:t>Thành</a:t>
             </a:r>
             <a:r>
-              <a:rPr lang="en-US" sz="3600" dirty="0" smtClean="0">
+              <a:rPr lang="en-US" sz="3600" dirty="0">
                 <a:latin typeface="Times New Roman" panose="02020603050405020304" pitchFamily="18" charset="0"/>
                 <a:cs typeface="Times New Roman" panose="02020603050405020304" pitchFamily="18" charset="0"/>
               </a:rPr>
               <a:t> </a:t>
             </a:r>
             <a:r>
-              <a:rPr lang="en-US" sz="3600" dirty="0" err="1" smtClean="0">
+              <a:rPr lang="en-US" sz="3600" dirty="0" err="1">
                 <a:latin typeface="Times New Roman" panose="02020603050405020304" pitchFamily="18" charset="0"/>
                 <a:cs typeface="Times New Roman" panose="02020603050405020304" pitchFamily="18" charset="0"/>
               </a:rPr>
               <a:t>viên</a:t>
             </a:r>
             <a:r>
-              <a:rPr lang="en-US" sz="3600" dirty="0" smtClean="0">
+              <a:rPr lang="en-US" sz="3600" dirty="0">
                 <a:latin typeface="Times New Roman" panose="02020603050405020304" pitchFamily="18" charset="0"/>
                 <a:cs typeface="Times New Roman" panose="02020603050405020304" pitchFamily="18" charset="0"/>
               </a:rPr>
               <a:t> </a:t>
             </a:r>
             <a:r>
-              <a:rPr lang="en-US" sz="3600" dirty="0" err="1" smtClean="0">
+              <a:rPr lang="en-US" sz="3600" dirty="0" err="1">
                 <a:latin typeface="Times New Roman" panose="02020603050405020304" pitchFamily="18" charset="0"/>
                 <a:cs typeface="Times New Roman" panose="02020603050405020304" pitchFamily="18" charset="0"/>
               </a:rPr>
               <a:t>thứ</a:t>
             </a:r>
             <a:r>
-              <a:rPr lang="en-US" sz="3600" dirty="0" smtClean="0">
+              <a:rPr lang="en-US" sz="3600" dirty="0">
                 <a:latin typeface="Times New Roman" panose="02020603050405020304" pitchFamily="18" charset="0"/>
                 <a:cs typeface="Times New Roman" panose="02020603050405020304" pitchFamily="18" charset="0"/>
               </a:rPr>
@@ -11837,10 +11732,9 @@
               <a:defRPr/>
             </a:pPr>
             <a:r>
-              <a:rPr lang="en-US" smtClean="0"/>
+              <a:rPr lang="en-US"/>
               <a:t>QUẢN LÝ THƯ VIỆN</a:t>
             </a:r>
-            <a:endParaRPr lang="en-US"/>
           </a:p>
         </p:txBody>
       </p:sp>
@@ -11940,13 +11834,6 @@
   <p:transition>
     <p:split orient="vert"/>
   </p:transition>
-  <p:timing>
-    <p:tnLst>
-      <p:par>
-        <p:cTn id="1" dur="indefinite" restart="never" nodeType="tmRoot"/>
-      </p:par>
-    </p:tnLst>
-  </p:timing>
 </p:sld>
 </file>
 
@@ -11988,132 +11875,132 @@
           <a:lstStyle/>
           <a:p>
             <a:r>
-              <a:rPr lang="en-US" sz="2800" dirty="0" err="1" smtClean="0">
+              <a:rPr lang="en-US" sz="2800" dirty="0" err="1">
                 <a:latin typeface="Times New Roman" panose="02020603050405020304" pitchFamily="18" charset="0"/>
                 <a:cs typeface="Times New Roman" panose="02020603050405020304" pitchFamily="18" charset="0"/>
               </a:rPr>
               <a:t>Họ</a:t>
             </a:r>
             <a:r>
-              <a:rPr lang="en-US" sz="2800" dirty="0" smtClean="0">
+              <a:rPr lang="en-US" sz="2800" dirty="0">
                 <a:latin typeface="Times New Roman" panose="02020603050405020304" pitchFamily="18" charset="0"/>
                 <a:cs typeface="Times New Roman" panose="02020603050405020304" pitchFamily="18" charset="0"/>
               </a:rPr>
               <a:t> </a:t>
             </a:r>
             <a:r>
-              <a:rPr lang="en-US" sz="2800" err="1" smtClean="0">
+              <a:rPr lang="en-US" sz="2800" err="1">
                 <a:latin typeface="Times New Roman" panose="02020603050405020304" pitchFamily="18" charset="0"/>
                 <a:cs typeface="Times New Roman" panose="02020603050405020304" pitchFamily="18" charset="0"/>
               </a:rPr>
               <a:t>tên</a:t>
             </a:r>
             <a:r>
-              <a:rPr lang="en-US" sz="2800" smtClean="0">
+              <a:rPr lang="en-US" sz="2800">
                 <a:latin typeface="Times New Roman" panose="02020603050405020304" pitchFamily="18" charset="0"/>
                 <a:cs typeface="Times New Roman" panose="02020603050405020304" pitchFamily="18" charset="0"/>
               </a:rPr>
               <a:t>: Lê Hồng Phát</a:t>
             </a:r>
-            <a:endParaRPr lang="en-US" sz="2800" dirty="0" smtClean="0">
+            <a:endParaRPr lang="en-US" sz="2800" dirty="0">
               <a:latin typeface="Times New Roman" panose="02020603050405020304" pitchFamily="18" charset="0"/>
               <a:cs typeface="Times New Roman" panose="02020603050405020304" pitchFamily="18" charset="0"/>
             </a:endParaRPr>
           </a:p>
           <a:p>
             <a:r>
-              <a:rPr lang="en-US" sz="2800" dirty="0" err="1" smtClean="0">
+              <a:rPr lang="en-US" sz="2800" dirty="0" err="1">
                 <a:latin typeface="Times New Roman" panose="02020603050405020304" pitchFamily="18" charset="0"/>
                 <a:cs typeface="Times New Roman" panose="02020603050405020304" pitchFamily="18" charset="0"/>
               </a:rPr>
               <a:t>Chịu</a:t>
             </a:r>
             <a:r>
-              <a:rPr lang="en-US" sz="2800" dirty="0" smtClean="0">
+              <a:rPr lang="en-US" sz="2800" dirty="0">
                 <a:latin typeface="Times New Roman" panose="02020603050405020304" pitchFamily="18" charset="0"/>
                 <a:cs typeface="Times New Roman" panose="02020603050405020304" pitchFamily="18" charset="0"/>
               </a:rPr>
               <a:t> </a:t>
             </a:r>
             <a:r>
-              <a:rPr lang="en-US" sz="2800" dirty="0" err="1" smtClean="0">
+              <a:rPr lang="en-US" sz="2800" dirty="0" err="1">
                 <a:latin typeface="Times New Roman" panose="02020603050405020304" pitchFamily="18" charset="0"/>
                 <a:cs typeface="Times New Roman" panose="02020603050405020304" pitchFamily="18" charset="0"/>
               </a:rPr>
               <a:t>trách</a:t>
             </a:r>
             <a:r>
-              <a:rPr lang="en-US" sz="2800" dirty="0" smtClean="0">
+              <a:rPr lang="en-US" sz="2800" dirty="0">
                 <a:latin typeface="Times New Roman" panose="02020603050405020304" pitchFamily="18" charset="0"/>
                 <a:cs typeface="Times New Roman" panose="02020603050405020304" pitchFamily="18" charset="0"/>
               </a:rPr>
               <a:t> </a:t>
             </a:r>
             <a:r>
-              <a:rPr lang="en-US" sz="2800" dirty="0" err="1" smtClean="0">
+              <a:rPr lang="en-US" sz="2800" dirty="0" err="1">
                 <a:latin typeface="Times New Roman" panose="02020603050405020304" pitchFamily="18" charset="0"/>
                 <a:cs typeface="Times New Roman" panose="02020603050405020304" pitchFamily="18" charset="0"/>
               </a:rPr>
               <a:t>nhiệm</a:t>
             </a:r>
             <a:r>
-              <a:rPr lang="en-US" sz="2800" dirty="0" smtClean="0">
+              <a:rPr lang="en-US" sz="2800" dirty="0">
                 <a:latin typeface="Times New Roman" panose="02020603050405020304" pitchFamily="18" charset="0"/>
                 <a:cs typeface="Times New Roman" panose="02020603050405020304" pitchFamily="18" charset="0"/>
               </a:rPr>
               <a:t> </a:t>
             </a:r>
             <a:r>
-              <a:rPr lang="en-US" sz="2800" dirty="0" err="1" smtClean="0">
+              <a:rPr lang="en-US" sz="2800" dirty="0" err="1">
                 <a:latin typeface="Times New Roman" panose="02020603050405020304" pitchFamily="18" charset="0"/>
                 <a:cs typeface="Times New Roman" panose="02020603050405020304" pitchFamily="18" charset="0"/>
               </a:rPr>
               <a:t>chính</a:t>
             </a:r>
             <a:r>
-              <a:rPr lang="en-US" sz="2800" dirty="0" smtClean="0">
+              <a:rPr lang="en-US" sz="2800" dirty="0">
                 <a:latin typeface="Times New Roman" panose="02020603050405020304" pitchFamily="18" charset="0"/>
                 <a:cs typeface="Times New Roman" panose="02020603050405020304" pitchFamily="18" charset="0"/>
               </a:rPr>
               <a:t> </a:t>
             </a:r>
             <a:r>
-              <a:rPr lang="en-US" sz="2800" dirty="0" err="1" smtClean="0">
+              <a:rPr lang="en-US" sz="2800" dirty="0" err="1">
                 <a:latin typeface="Times New Roman" panose="02020603050405020304" pitchFamily="18" charset="0"/>
                 <a:cs typeface="Times New Roman" panose="02020603050405020304" pitchFamily="18" charset="0"/>
               </a:rPr>
               <a:t>trong</a:t>
             </a:r>
             <a:r>
-              <a:rPr lang="en-US" sz="2800" dirty="0" smtClean="0">
+              <a:rPr lang="en-US" sz="2800" dirty="0">
                 <a:latin typeface="Times New Roman" panose="02020603050405020304" pitchFamily="18" charset="0"/>
                 <a:cs typeface="Times New Roman" panose="02020603050405020304" pitchFamily="18" charset="0"/>
               </a:rPr>
               <a:t> </a:t>
             </a:r>
             <a:r>
-              <a:rPr lang="en-US" sz="2800" dirty="0" err="1" smtClean="0">
+              <a:rPr lang="en-US" sz="2800" dirty="0" err="1">
                 <a:latin typeface="Times New Roman" panose="02020603050405020304" pitchFamily="18" charset="0"/>
                 <a:cs typeface="Times New Roman" panose="02020603050405020304" pitchFamily="18" charset="0"/>
               </a:rPr>
               <a:t>đề</a:t>
             </a:r>
             <a:r>
-              <a:rPr lang="en-US" sz="2800" dirty="0" smtClean="0">
+              <a:rPr lang="en-US" sz="2800" dirty="0">
                 <a:latin typeface="Times New Roman" panose="02020603050405020304" pitchFamily="18" charset="0"/>
                 <a:cs typeface="Times New Roman" panose="02020603050405020304" pitchFamily="18" charset="0"/>
               </a:rPr>
               <a:t> </a:t>
             </a:r>
             <a:r>
-              <a:rPr lang="en-US" sz="2800" dirty="0" err="1" smtClean="0">
+              <a:rPr lang="en-US" sz="2800" dirty="0" err="1">
                 <a:latin typeface="Times New Roman" panose="02020603050405020304" pitchFamily="18" charset="0"/>
                 <a:cs typeface="Times New Roman" panose="02020603050405020304" pitchFamily="18" charset="0"/>
               </a:rPr>
               <a:t>tài</a:t>
             </a:r>
             <a:r>
-              <a:rPr lang="en-US" sz="2800" dirty="0" smtClean="0">
+              <a:rPr lang="en-US" sz="2800" dirty="0">
                 <a:latin typeface="Times New Roman" panose="02020603050405020304" pitchFamily="18" charset="0"/>
                 <a:cs typeface="Times New Roman" panose="02020603050405020304" pitchFamily="18" charset="0"/>
               </a:rPr>
@@ -12123,97 +12010,55 @@
           <a:p>
             <a:pPr lvl="1"/>
             <a:r>
-              <a:rPr lang="en-US" sz="2400" smtClean="0">
-                <a:latin typeface="Times New Roman" panose="02020603050405020304" pitchFamily="18" charset="0"/>
-                <a:cs typeface="Times New Roman" panose="02020603050405020304" pitchFamily="18" charset="0"/>
-              </a:rPr>
-              <a:t>Thiết </a:t>
-            </a:r>
-            <a:r>
               <a:rPr lang="en-US" sz="2400">
                 <a:latin typeface="Times New Roman" panose="02020603050405020304" pitchFamily="18" charset="0"/>
                 <a:cs typeface="Times New Roman" panose="02020603050405020304" pitchFamily="18" charset="0"/>
               </a:rPr>
-              <a:t>kế giao diện Form, thiết kế database, </a:t>
-            </a:r>
-            <a:r>
-              <a:rPr lang="en-US" sz="2400" smtClean="0">
-                <a:latin typeface="Times New Roman" panose="02020603050405020304" pitchFamily="18" charset="0"/>
-                <a:cs typeface="Times New Roman" panose="02020603050405020304" pitchFamily="18" charset="0"/>
-              </a:rPr>
-              <a:t>viết </a:t>
-            </a:r>
-            <a:r>
-              <a:rPr lang="en-US" sz="2400">
-                <a:latin typeface="Times New Roman" panose="02020603050405020304" pitchFamily="18" charset="0"/>
-                <a:cs typeface="Times New Roman" panose="02020603050405020304" pitchFamily="18" charset="0"/>
-              </a:rPr>
-              <a:t>báo </a:t>
-            </a:r>
-            <a:r>
-              <a:rPr lang="en-US" sz="2400" smtClean="0">
-                <a:latin typeface="Times New Roman" panose="02020603050405020304" pitchFamily="18" charset="0"/>
-                <a:cs typeface="Times New Roman" panose="02020603050405020304" pitchFamily="18" charset="0"/>
-              </a:rPr>
-              <a:t>cáo</a:t>
-            </a:r>
-            <a:r>
-              <a:rPr lang="en-US" sz="2400">
-                <a:latin typeface="Times New Roman" panose="02020603050405020304" pitchFamily="18" charset="0"/>
-                <a:cs typeface="Times New Roman" panose="02020603050405020304" pitchFamily="18" charset="0"/>
-              </a:rPr>
-              <a:t> , kiểm lỗi</a:t>
-            </a:r>
-            <a:r>
-              <a:rPr lang="en-US" sz="2400" smtClean="0">
-                <a:latin typeface="Times New Roman" panose="02020603050405020304" pitchFamily="18" charset="0"/>
-                <a:cs typeface="Times New Roman" panose="02020603050405020304" pitchFamily="18" charset="0"/>
-              </a:rPr>
-              <a:t>.</a:t>
-            </a:r>
-            <a:endParaRPr lang="en-US" sz="2400" dirty="0" smtClean="0">
+              <a:t>Thiết kế giao diện Form, thiết kế database, viết báo cáo , kiểm lỗi.</a:t>
+            </a:r>
+            <a:endParaRPr lang="en-US" sz="2400" dirty="0">
               <a:latin typeface="Times New Roman" panose="02020603050405020304" pitchFamily="18" charset="0"/>
               <a:cs typeface="Times New Roman" panose="02020603050405020304" pitchFamily="18" charset="0"/>
             </a:endParaRPr>
           </a:p>
           <a:p>
             <a:r>
-              <a:rPr lang="en-US" sz="2800" dirty="0" err="1" smtClean="0">
+              <a:rPr lang="en-US" sz="2800" dirty="0" err="1">
                 <a:latin typeface="Times New Roman" panose="02020603050405020304" pitchFamily="18" charset="0"/>
                 <a:cs typeface="Times New Roman" panose="02020603050405020304" pitchFamily="18" charset="0"/>
               </a:rPr>
               <a:t>Các</a:t>
             </a:r>
             <a:r>
-              <a:rPr lang="en-US" sz="2800" dirty="0" smtClean="0">
+              <a:rPr lang="en-US" sz="2800" dirty="0">
                 <a:latin typeface="Times New Roman" panose="02020603050405020304" pitchFamily="18" charset="0"/>
                 <a:cs typeface="Times New Roman" panose="02020603050405020304" pitchFamily="18" charset="0"/>
               </a:rPr>
               <a:t> form, report </a:t>
             </a:r>
             <a:r>
-              <a:rPr lang="en-US" sz="2800" dirty="0" err="1" smtClean="0">
+              <a:rPr lang="en-US" sz="2800" dirty="0" err="1">
                 <a:latin typeface="Times New Roman" panose="02020603050405020304" pitchFamily="18" charset="0"/>
                 <a:cs typeface="Times New Roman" panose="02020603050405020304" pitchFamily="18" charset="0"/>
               </a:rPr>
               <a:t>thực</a:t>
             </a:r>
             <a:r>
-              <a:rPr lang="en-US" sz="2800" dirty="0" smtClean="0">
+              <a:rPr lang="en-US" sz="2800" dirty="0">
                 <a:latin typeface="Times New Roman" panose="02020603050405020304" pitchFamily="18" charset="0"/>
                 <a:cs typeface="Times New Roman" panose="02020603050405020304" pitchFamily="18" charset="0"/>
               </a:rPr>
               <a:t> </a:t>
             </a:r>
             <a:r>
-              <a:rPr lang="en-US" sz="2800" err="1" smtClean="0">
+              <a:rPr lang="en-US" sz="2800" err="1">
                 <a:latin typeface="Times New Roman" panose="02020603050405020304" pitchFamily="18" charset="0"/>
                 <a:cs typeface="Times New Roman" panose="02020603050405020304" pitchFamily="18" charset="0"/>
               </a:rPr>
               <a:t>hiện</a:t>
             </a:r>
             <a:r>
-              <a:rPr lang="en-US" sz="2800" smtClean="0">
+              <a:rPr lang="en-US" sz="2800">
                 <a:latin typeface="Times New Roman" panose="02020603050405020304" pitchFamily="18" charset="0"/>
                 <a:cs typeface="Times New Roman" panose="02020603050405020304" pitchFamily="18" charset="0"/>
               </a:rPr>
@@ -12223,7 +12068,7 @@
           <a:p>
             <a:pPr lvl="1"/>
             <a:r>
-              <a:rPr lang="en-US" sz="2400" smtClean="0">
+              <a:rPr lang="en-US" sz="2400">
                 <a:latin typeface="Times New Roman" panose="02020603050405020304" pitchFamily="18" charset="0"/>
                 <a:cs typeface="Times New Roman" panose="02020603050405020304" pitchFamily="18" charset="0"/>
               </a:rPr>
@@ -12233,7 +12078,7 @@
           <a:p>
             <a:pPr lvl="1"/>
             <a:r>
-              <a:rPr lang="en-US" sz="2400" smtClean="0">
+              <a:rPr lang="en-US" sz="2400">
                 <a:latin typeface="Times New Roman" panose="02020603050405020304" pitchFamily="18" charset="0"/>
                 <a:cs typeface="Times New Roman" panose="02020603050405020304" pitchFamily="18" charset="0"/>
               </a:rPr>
@@ -12243,7 +12088,7 @@
           <a:p>
             <a:pPr lvl="1"/>
             <a:r>
-              <a:rPr lang="en-US" sz="2400" smtClean="0">
+              <a:rPr lang="en-US" sz="2400">
                 <a:latin typeface="Times New Roman" panose="02020603050405020304" pitchFamily="18" charset="0"/>
                 <a:cs typeface="Times New Roman" panose="02020603050405020304" pitchFamily="18" charset="0"/>
               </a:rPr>
@@ -12257,19 +12102,8 @@
                 <a:latin typeface="Times New Roman" panose="02020603050405020304" pitchFamily="18" charset="0"/>
                 <a:cs typeface="Times New Roman" panose="02020603050405020304" pitchFamily="18" charset="0"/>
               </a:rPr>
-              <a:t>Đổi mật </a:t>
-            </a:r>
-            <a:r>
-              <a:rPr lang="en-US" sz="2400" smtClean="0">
-                <a:latin typeface="Times New Roman" panose="02020603050405020304" pitchFamily="18" charset="0"/>
-                <a:cs typeface="Times New Roman" panose="02020603050405020304" pitchFamily="18" charset="0"/>
-              </a:rPr>
-              <a:t>khẩu</a:t>
-            </a:r>
-            <a:endParaRPr lang="en-US" sz="2400">
-              <a:latin typeface="Times New Roman" panose="02020603050405020304" pitchFamily="18" charset="0"/>
-              <a:cs typeface="Times New Roman" panose="02020603050405020304" pitchFamily="18" charset="0"/>
-            </a:endParaRPr>
+              <a:t>Đổi mật khẩu</a:t>
+            </a:r>
           </a:p>
         </p:txBody>
       </p:sp>
@@ -12289,42 +12123,42 @@
           <a:lstStyle/>
           <a:p>
             <a:r>
-              <a:rPr lang="en-US" sz="3600" dirty="0" err="1" smtClean="0">
+              <a:rPr lang="en-US" sz="3600" dirty="0" err="1">
                 <a:latin typeface="Times New Roman" panose="02020603050405020304" pitchFamily="18" charset="0"/>
                 <a:cs typeface="Times New Roman" panose="02020603050405020304" pitchFamily="18" charset="0"/>
               </a:rPr>
               <a:t>Thành</a:t>
             </a:r>
             <a:r>
-              <a:rPr lang="en-US" sz="3600" dirty="0" smtClean="0">
+              <a:rPr lang="en-US" sz="3600" dirty="0">
                 <a:latin typeface="Times New Roman" panose="02020603050405020304" pitchFamily="18" charset="0"/>
                 <a:cs typeface="Times New Roman" panose="02020603050405020304" pitchFamily="18" charset="0"/>
               </a:rPr>
               <a:t> </a:t>
             </a:r>
             <a:r>
-              <a:rPr lang="en-US" sz="3600" dirty="0" err="1" smtClean="0">
+              <a:rPr lang="en-US" sz="3600" dirty="0" err="1">
                 <a:latin typeface="Times New Roman" panose="02020603050405020304" pitchFamily="18" charset="0"/>
                 <a:cs typeface="Times New Roman" panose="02020603050405020304" pitchFamily="18" charset="0"/>
               </a:rPr>
               <a:t>viên</a:t>
             </a:r>
             <a:r>
-              <a:rPr lang="en-US" sz="3600" dirty="0" smtClean="0">
+              <a:rPr lang="en-US" sz="3600" dirty="0">
                 <a:latin typeface="Times New Roman" panose="02020603050405020304" pitchFamily="18" charset="0"/>
                 <a:cs typeface="Times New Roman" panose="02020603050405020304" pitchFamily="18" charset="0"/>
               </a:rPr>
               <a:t> </a:t>
             </a:r>
             <a:r>
-              <a:rPr lang="en-US" sz="3600" dirty="0" err="1" smtClean="0">
+              <a:rPr lang="en-US" sz="3600" dirty="0" err="1">
                 <a:latin typeface="Times New Roman" panose="02020603050405020304" pitchFamily="18" charset="0"/>
                 <a:cs typeface="Times New Roman" panose="02020603050405020304" pitchFamily="18" charset="0"/>
               </a:rPr>
               <a:t>thứ</a:t>
             </a:r>
             <a:r>
-              <a:rPr lang="en-US" sz="3600" dirty="0" smtClean="0">
+              <a:rPr lang="en-US" sz="3600" dirty="0">
                 <a:latin typeface="Times New Roman" panose="02020603050405020304" pitchFamily="18" charset="0"/>
                 <a:cs typeface="Times New Roman" panose="02020603050405020304" pitchFamily="18" charset="0"/>
               </a:rPr>
@@ -12352,10 +12186,9 @@
               <a:defRPr/>
             </a:pPr>
             <a:r>
-              <a:rPr lang="en-US" smtClean="0"/>
+              <a:rPr lang="en-US"/>
               <a:t>QUẢN LÝ THƯ VIỆN</a:t>
             </a:r>
-            <a:endParaRPr lang="en-US"/>
           </a:p>
         </p:txBody>
       </p:sp>
@@ -12455,13 +12288,6 @@
   <p:transition>
     <p:split orient="vert"/>
   </p:transition>
-  <p:timing>
-    <p:tnLst>
-      <p:par>
-        <p:cTn id="1" dur="indefinite" restart="never" nodeType="tmRoot"/>
-      </p:par>
-    </p:tnLst>
-  </p:timing>
 </p:sld>
 </file>
 
@@ -12503,118 +12329,118 @@
           <a:lstStyle/>
           <a:p>
             <a:r>
-              <a:rPr lang="en-US" sz="2800" err="1" smtClean="0">
+              <a:rPr lang="en-US" sz="2800" err="1">
                 <a:latin typeface="Times New Roman" panose="02020603050405020304" pitchFamily="18" charset="0"/>
                 <a:cs typeface="Times New Roman" panose="02020603050405020304" pitchFamily="18" charset="0"/>
               </a:rPr>
               <a:t>Họ</a:t>
             </a:r>
             <a:r>
-              <a:rPr lang="en-US" sz="2800" smtClean="0">
+              <a:rPr lang="en-US" sz="2800">
                 <a:latin typeface="Times New Roman" panose="02020603050405020304" pitchFamily="18" charset="0"/>
                 <a:cs typeface="Times New Roman" panose="02020603050405020304" pitchFamily="18" charset="0"/>
               </a:rPr>
               <a:t> tên:Nguyễn Đình Khôi</a:t>
             </a:r>
-            <a:endParaRPr lang="en-US" sz="2800" dirty="0" smtClean="0">
+            <a:endParaRPr lang="en-US" sz="2800" dirty="0">
               <a:latin typeface="Times New Roman" panose="02020603050405020304" pitchFamily="18" charset="0"/>
               <a:cs typeface="Times New Roman" panose="02020603050405020304" pitchFamily="18" charset="0"/>
             </a:endParaRPr>
           </a:p>
           <a:p>
             <a:r>
-              <a:rPr lang="en-US" sz="2800" dirty="0" err="1" smtClean="0">
+              <a:rPr lang="en-US" sz="2800" dirty="0" err="1">
                 <a:latin typeface="Times New Roman" panose="02020603050405020304" pitchFamily="18" charset="0"/>
                 <a:cs typeface="Times New Roman" panose="02020603050405020304" pitchFamily="18" charset="0"/>
               </a:rPr>
               <a:t>Chịu</a:t>
             </a:r>
             <a:r>
-              <a:rPr lang="en-US" sz="2800" dirty="0" smtClean="0">
+              <a:rPr lang="en-US" sz="2800" dirty="0">
                 <a:latin typeface="Times New Roman" panose="02020603050405020304" pitchFamily="18" charset="0"/>
                 <a:cs typeface="Times New Roman" panose="02020603050405020304" pitchFamily="18" charset="0"/>
               </a:rPr>
               <a:t> </a:t>
             </a:r>
             <a:r>
-              <a:rPr lang="en-US" sz="2800" dirty="0" err="1" smtClean="0">
+              <a:rPr lang="en-US" sz="2800" dirty="0" err="1">
                 <a:latin typeface="Times New Roman" panose="02020603050405020304" pitchFamily="18" charset="0"/>
                 <a:cs typeface="Times New Roman" panose="02020603050405020304" pitchFamily="18" charset="0"/>
               </a:rPr>
               <a:t>trách</a:t>
             </a:r>
             <a:r>
-              <a:rPr lang="en-US" sz="2800" dirty="0" smtClean="0">
+              <a:rPr lang="en-US" sz="2800" dirty="0">
                 <a:latin typeface="Times New Roman" panose="02020603050405020304" pitchFamily="18" charset="0"/>
                 <a:cs typeface="Times New Roman" panose="02020603050405020304" pitchFamily="18" charset="0"/>
               </a:rPr>
               <a:t> </a:t>
             </a:r>
             <a:r>
-              <a:rPr lang="en-US" sz="2800" dirty="0" err="1" smtClean="0">
+              <a:rPr lang="en-US" sz="2800" dirty="0" err="1">
                 <a:latin typeface="Times New Roman" panose="02020603050405020304" pitchFamily="18" charset="0"/>
                 <a:cs typeface="Times New Roman" panose="02020603050405020304" pitchFamily="18" charset="0"/>
               </a:rPr>
               <a:t>nhiệm</a:t>
             </a:r>
             <a:r>
-              <a:rPr lang="en-US" sz="2800" dirty="0" smtClean="0">
+              <a:rPr lang="en-US" sz="2800" dirty="0">
                 <a:latin typeface="Times New Roman" panose="02020603050405020304" pitchFamily="18" charset="0"/>
                 <a:cs typeface="Times New Roman" panose="02020603050405020304" pitchFamily="18" charset="0"/>
               </a:rPr>
               <a:t> </a:t>
             </a:r>
             <a:r>
-              <a:rPr lang="en-US" sz="2800" dirty="0" err="1" smtClean="0">
+              <a:rPr lang="en-US" sz="2800" dirty="0" err="1">
                 <a:latin typeface="Times New Roman" panose="02020603050405020304" pitchFamily="18" charset="0"/>
                 <a:cs typeface="Times New Roman" panose="02020603050405020304" pitchFamily="18" charset="0"/>
               </a:rPr>
               <a:t>chính</a:t>
             </a:r>
             <a:r>
-              <a:rPr lang="en-US" sz="2800" dirty="0" smtClean="0">
+              <a:rPr lang="en-US" sz="2800" dirty="0">
                 <a:latin typeface="Times New Roman" panose="02020603050405020304" pitchFamily="18" charset="0"/>
                 <a:cs typeface="Times New Roman" panose="02020603050405020304" pitchFamily="18" charset="0"/>
               </a:rPr>
               <a:t> </a:t>
             </a:r>
             <a:r>
-              <a:rPr lang="en-US" sz="2800" dirty="0" err="1" smtClean="0">
+              <a:rPr lang="en-US" sz="2800" dirty="0" err="1">
                 <a:latin typeface="Times New Roman" panose="02020603050405020304" pitchFamily="18" charset="0"/>
                 <a:cs typeface="Times New Roman" panose="02020603050405020304" pitchFamily="18" charset="0"/>
               </a:rPr>
               <a:t>trong</a:t>
             </a:r>
             <a:r>
-              <a:rPr lang="en-US" sz="2800" dirty="0" smtClean="0">
+              <a:rPr lang="en-US" sz="2800" dirty="0">
                 <a:latin typeface="Times New Roman" panose="02020603050405020304" pitchFamily="18" charset="0"/>
                 <a:cs typeface="Times New Roman" panose="02020603050405020304" pitchFamily="18" charset="0"/>
               </a:rPr>
               <a:t> </a:t>
             </a:r>
             <a:r>
-              <a:rPr lang="en-US" sz="2800" dirty="0" err="1" smtClean="0">
+              <a:rPr lang="en-US" sz="2800" dirty="0" err="1">
                 <a:latin typeface="Times New Roman" panose="02020603050405020304" pitchFamily="18" charset="0"/>
                 <a:cs typeface="Times New Roman" panose="02020603050405020304" pitchFamily="18" charset="0"/>
               </a:rPr>
               <a:t>đề</a:t>
             </a:r>
             <a:r>
-              <a:rPr lang="en-US" sz="2800" dirty="0" smtClean="0">
+              <a:rPr lang="en-US" sz="2800" dirty="0">
                 <a:latin typeface="Times New Roman" panose="02020603050405020304" pitchFamily="18" charset="0"/>
                 <a:cs typeface="Times New Roman" panose="02020603050405020304" pitchFamily="18" charset="0"/>
               </a:rPr>
               <a:t> </a:t>
             </a:r>
             <a:r>
-              <a:rPr lang="en-US" sz="2800" dirty="0" err="1" smtClean="0">
+              <a:rPr lang="en-US" sz="2800" dirty="0" err="1">
                 <a:latin typeface="Times New Roman" panose="02020603050405020304" pitchFamily="18" charset="0"/>
                 <a:cs typeface="Times New Roman" panose="02020603050405020304" pitchFamily="18" charset="0"/>
               </a:rPr>
               <a:t>tài</a:t>
             </a:r>
             <a:r>
-              <a:rPr lang="en-US" sz="2800" dirty="0" smtClean="0">
+              <a:rPr lang="en-US" sz="2800" dirty="0">
                 <a:latin typeface="Times New Roman" panose="02020603050405020304" pitchFamily="18" charset="0"/>
                 <a:cs typeface="Times New Roman" panose="02020603050405020304" pitchFamily="18" charset="0"/>
               </a:rPr>
@@ -12628,72 +12454,51 @@
                 <a:latin typeface="Times New Roman" panose="02020603050405020304" pitchFamily="18" charset="0"/>
                 <a:cs typeface="Times New Roman" panose="02020603050405020304" pitchFamily="18" charset="0"/>
               </a:rPr>
-              <a:t>Thiết kế giao diện Form, thiết kế database, viết báo </a:t>
-            </a:r>
-            <a:r>
-              <a:rPr lang="en-US" sz="2400" smtClean="0">
-                <a:latin typeface="Times New Roman" panose="02020603050405020304" pitchFamily="18" charset="0"/>
-                <a:cs typeface="Times New Roman" panose="02020603050405020304" pitchFamily="18" charset="0"/>
-              </a:rPr>
-              <a:t>cáo</a:t>
-            </a:r>
-            <a:r>
-              <a:rPr lang="en-US" sz="2400">
-                <a:latin typeface="Times New Roman" panose="02020603050405020304" pitchFamily="18" charset="0"/>
-                <a:cs typeface="Times New Roman" panose="02020603050405020304" pitchFamily="18" charset="0"/>
-              </a:rPr>
-              <a:t> , kiểm lỗi</a:t>
-            </a:r>
-            <a:r>
-              <a:rPr lang="en-US" sz="2400" smtClean="0">
-                <a:latin typeface="Times New Roman" panose="02020603050405020304" pitchFamily="18" charset="0"/>
-                <a:cs typeface="Times New Roman" panose="02020603050405020304" pitchFamily="18" charset="0"/>
-              </a:rPr>
-              <a:t>.</a:t>
-            </a:r>
-            <a:endParaRPr lang="en-US" sz="2400" dirty="0" smtClean="0">
+              <a:t>Thiết kế giao diện Form, thiết kế database, viết báo cáo , kiểm lỗi.</a:t>
+            </a:r>
+            <a:endParaRPr lang="en-US" sz="2400" dirty="0">
               <a:latin typeface="Times New Roman" panose="02020603050405020304" pitchFamily="18" charset="0"/>
               <a:cs typeface="Times New Roman" panose="02020603050405020304" pitchFamily="18" charset="0"/>
             </a:endParaRPr>
           </a:p>
           <a:p>
             <a:r>
-              <a:rPr lang="en-US" sz="2800" dirty="0" err="1" smtClean="0">
+              <a:rPr lang="en-US" sz="2800" dirty="0" err="1">
                 <a:latin typeface="Times New Roman" panose="02020603050405020304" pitchFamily="18" charset="0"/>
                 <a:cs typeface="Times New Roman" panose="02020603050405020304" pitchFamily="18" charset="0"/>
               </a:rPr>
               <a:t>Các</a:t>
             </a:r>
             <a:r>
-              <a:rPr lang="en-US" sz="2800" dirty="0" smtClean="0">
+              <a:rPr lang="en-US" sz="2800" dirty="0">
                 <a:latin typeface="Times New Roman" panose="02020603050405020304" pitchFamily="18" charset="0"/>
                 <a:cs typeface="Times New Roman" panose="02020603050405020304" pitchFamily="18" charset="0"/>
               </a:rPr>
               <a:t> form, report </a:t>
             </a:r>
             <a:r>
-              <a:rPr lang="en-US" sz="2800" dirty="0" err="1" smtClean="0">
+              <a:rPr lang="en-US" sz="2800" dirty="0" err="1">
                 <a:latin typeface="Times New Roman" panose="02020603050405020304" pitchFamily="18" charset="0"/>
                 <a:cs typeface="Times New Roman" panose="02020603050405020304" pitchFamily="18" charset="0"/>
               </a:rPr>
               <a:t>thực</a:t>
             </a:r>
             <a:r>
-              <a:rPr lang="en-US" sz="2800" dirty="0" smtClean="0">
+              <a:rPr lang="en-US" sz="2800" dirty="0">
                 <a:latin typeface="Times New Roman" panose="02020603050405020304" pitchFamily="18" charset="0"/>
                 <a:cs typeface="Times New Roman" panose="02020603050405020304" pitchFamily="18" charset="0"/>
               </a:rPr>
               <a:t> </a:t>
             </a:r>
             <a:r>
-              <a:rPr lang="en-US" sz="2800" err="1" smtClean="0">
+              <a:rPr lang="en-US" sz="2800" err="1">
                 <a:latin typeface="Times New Roman" panose="02020603050405020304" pitchFamily="18" charset="0"/>
                 <a:cs typeface="Times New Roman" panose="02020603050405020304" pitchFamily="18" charset="0"/>
               </a:rPr>
               <a:t>hiện</a:t>
             </a:r>
             <a:r>
-              <a:rPr lang="en-US" sz="2800" smtClean="0">
+              <a:rPr lang="en-US" sz="2800">
                 <a:latin typeface="Times New Roman" panose="02020603050405020304" pitchFamily="18" charset="0"/>
                 <a:cs typeface="Times New Roman" panose="02020603050405020304" pitchFamily="18" charset="0"/>
               </a:rPr>
@@ -12703,7 +12508,7 @@
           <a:p>
             <a:pPr lvl="1"/>
             <a:r>
-              <a:rPr lang="en-US" sz="2400" smtClean="0">
+              <a:rPr lang="en-US" sz="2400">
                 <a:latin typeface="Times New Roman" panose="02020603050405020304" pitchFamily="18" charset="0"/>
                 <a:cs typeface="Times New Roman" panose="02020603050405020304" pitchFamily="18" charset="0"/>
               </a:rPr>
@@ -12713,7 +12518,7 @@
           <a:p>
             <a:pPr lvl="1"/>
             <a:r>
-              <a:rPr lang="en-US" sz="2400" smtClean="0">
+              <a:rPr lang="en-US" sz="2400">
                 <a:latin typeface="Times New Roman" panose="02020603050405020304" pitchFamily="18" charset="0"/>
                 <a:cs typeface="Times New Roman" panose="02020603050405020304" pitchFamily="18" charset="0"/>
               </a:rPr>
@@ -12729,15 +12534,11 @@
               </a:rPr>
               <a:t>Form Thống kê sách</a:t>
             </a:r>
-            <a:endParaRPr lang="en-US" sz="2400" smtClean="0">
-              <a:latin typeface="Times New Roman" panose="02020603050405020304" pitchFamily="18" charset="0"/>
-              <a:cs typeface="Times New Roman" panose="02020603050405020304" pitchFamily="18" charset="0"/>
-            </a:endParaRPr>
           </a:p>
           <a:p>
             <a:pPr lvl="1"/>
             <a:r>
-              <a:rPr lang="en-US" sz="2400" smtClean="0">
+              <a:rPr lang="en-US" sz="2400">
                 <a:latin typeface="Times New Roman" panose="02020603050405020304" pitchFamily="18" charset="0"/>
                 <a:cs typeface="Times New Roman" panose="02020603050405020304" pitchFamily="18" charset="0"/>
               </a:rPr>
@@ -12746,7 +12547,7 @@
           </a:p>
           <a:p>
             <a:pPr lvl="1"/>
-            <a:endParaRPr lang="en-US" sz="2400" smtClean="0">
+            <a:endParaRPr lang="en-US" sz="2400">
               <a:latin typeface="Times New Roman" panose="02020603050405020304" pitchFamily="18" charset="0"/>
               <a:cs typeface="Times New Roman" panose="02020603050405020304" pitchFamily="18" charset="0"/>
             </a:endParaRPr>
@@ -12769,42 +12570,42 @@
           <a:lstStyle/>
           <a:p>
             <a:r>
-              <a:rPr lang="en-US" sz="3600" dirty="0" err="1" smtClean="0">
+              <a:rPr lang="en-US" sz="3600" dirty="0" err="1">
                 <a:latin typeface="Times New Roman" panose="02020603050405020304" pitchFamily="18" charset="0"/>
                 <a:cs typeface="Times New Roman" panose="02020603050405020304" pitchFamily="18" charset="0"/>
               </a:rPr>
               <a:t>Thành</a:t>
             </a:r>
             <a:r>
-              <a:rPr lang="en-US" sz="3600" dirty="0" smtClean="0">
+              <a:rPr lang="en-US" sz="3600" dirty="0">
                 <a:latin typeface="Times New Roman" panose="02020603050405020304" pitchFamily="18" charset="0"/>
                 <a:cs typeface="Times New Roman" panose="02020603050405020304" pitchFamily="18" charset="0"/>
               </a:rPr>
               <a:t> </a:t>
             </a:r>
             <a:r>
-              <a:rPr lang="en-US" sz="3600" dirty="0" err="1" smtClean="0">
+              <a:rPr lang="en-US" sz="3600" dirty="0" err="1">
                 <a:latin typeface="Times New Roman" panose="02020603050405020304" pitchFamily="18" charset="0"/>
                 <a:cs typeface="Times New Roman" panose="02020603050405020304" pitchFamily="18" charset="0"/>
               </a:rPr>
               <a:t>viên</a:t>
             </a:r>
             <a:r>
-              <a:rPr lang="en-US" sz="3600" dirty="0" smtClean="0">
+              <a:rPr lang="en-US" sz="3600" dirty="0">
                 <a:latin typeface="Times New Roman" panose="02020603050405020304" pitchFamily="18" charset="0"/>
                 <a:cs typeface="Times New Roman" panose="02020603050405020304" pitchFamily="18" charset="0"/>
               </a:rPr>
               <a:t> </a:t>
             </a:r>
             <a:r>
-              <a:rPr lang="en-US" sz="3600" dirty="0" err="1" smtClean="0">
+              <a:rPr lang="en-US" sz="3600" dirty="0" err="1">
                 <a:latin typeface="Times New Roman" panose="02020603050405020304" pitchFamily="18" charset="0"/>
                 <a:cs typeface="Times New Roman" panose="02020603050405020304" pitchFamily="18" charset="0"/>
               </a:rPr>
               <a:t>thứ</a:t>
             </a:r>
             <a:r>
-              <a:rPr lang="en-US" sz="3600" dirty="0" smtClean="0">
+              <a:rPr lang="en-US" sz="3600" dirty="0">
                 <a:latin typeface="Times New Roman" panose="02020603050405020304" pitchFamily="18" charset="0"/>
                 <a:cs typeface="Times New Roman" panose="02020603050405020304" pitchFamily="18" charset="0"/>
               </a:rPr>
@@ -12832,10 +12633,9 @@
               <a:defRPr/>
             </a:pPr>
             <a:r>
-              <a:rPr lang="en-US" smtClean="0"/>
+              <a:rPr lang="en-US"/>
               <a:t>QUẢN LÝ THƯ VIỆN</a:t>
             </a:r>
-            <a:endParaRPr lang="en-US"/>
           </a:p>
         </p:txBody>
       </p:sp>
@@ -12935,13 +12735,6 @@
   <p:transition>
     <p:split orient="vert"/>
   </p:transition>
-  <p:timing>
-    <p:tnLst>
-      <p:par>
-        <p:cTn id="1" dur="indefinite" restart="never" nodeType="tmRoot"/>
-      </p:par>
-    </p:tnLst>
-  </p:timing>
 </p:sld>
 </file>
 
@@ -12983,56 +12776,56 @@
           <a:lstStyle/>
           <a:p>
             <a:r>
-              <a:rPr lang="en-US" dirty="0" err="1" smtClean="0">
+              <a:rPr lang="en-US" dirty="0" err="1">
                 <a:latin typeface="Times New Roman" panose="02020603050405020304" pitchFamily="18" charset="0"/>
                 <a:cs typeface="Times New Roman" panose="02020603050405020304" pitchFamily="18" charset="0"/>
               </a:rPr>
               <a:t>Mục</a:t>
             </a:r>
             <a:r>
-              <a:rPr lang="en-US" dirty="0" smtClean="0">
+              <a:rPr lang="en-US" dirty="0">
                 <a:latin typeface="Times New Roman" panose="02020603050405020304" pitchFamily="18" charset="0"/>
                 <a:cs typeface="Times New Roman" panose="02020603050405020304" pitchFamily="18" charset="0"/>
               </a:rPr>
               <a:t> </a:t>
             </a:r>
             <a:r>
-              <a:rPr lang="en-US" dirty="0" err="1" smtClean="0">
+              <a:rPr lang="en-US" dirty="0" err="1">
                 <a:latin typeface="Times New Roman" panose="02020603050405020304" pitchFamily="18" charset="0"/>
                 <a:cs typeface="Times New Roman" panose="02020603050405020304" pitchFamily="18" charset="0"/>
               </a:rPr>
               <a:t>tiêu</a:t>
             </a:r>
             <a:r>
-              <a:rPr lang="en-US" dirty="0" smtClean="0">
+              <a:rPr lang="en-US" dirty="0">
                 <a:latin typeface="Times New Roman" panose="02020603050405020304" pitchFamily="18" charset="0"/>
                 <a:cs typeface="Times New Roman" panose="02020603050405020304" pitchFamily="18" charset="0"/>
               </a:rPr>
               <a:t> </a:t>
             </a:r>
             <a:r>
-              <a:rPr lang="en-US" dirty="0" err="1" smtClean="0">
+              <a:rPr lang="en-US" dirty="0" err="1">
                 <a:latin typeface="Times New Roman" panose="02020603050405020304" pitchFamily="18" charset="0"/>
                 <a:cs typeface="Times New Roman" panose="02020603050405020304" pitchFamily="18" charset="0"/>
               </a:rPr>
               <a:t>ứng</a:t>
             </a:r>
             <a:r>
-              <a:rPr lang="en-US" dirty="0" smtClean="0">
+              <a:rPr lang="en-US" dirty="0">
                 <a:latin typeface="Times New Roman" panose="02020603050405020304" pitchFamily="18" charset="0"/>
                 <a:cs typeface="Times New Roman" panose="02020603050405020304" pitchFamily="18" charset="0"/>
               </a:rPr>
               <a:t> </a:t>
             </a:r>
             <a:r>
-              <a:rPr lang="en-US" dirty="0" err="1" smtClean="0">
+              <a:rPr lang="en-US" dirty="0" err="1">
                 <a:latin typeface="Times New Roman" panose="02020603050405020304" pitchFamily="18" charset="0"/>
                 <a:cs typeface="Times New Roman" panose="02020603050405020304" pitchFamily="18" charset="0"/>
               </a:rPr>
               <a:t>dụng</a:t>
             </a:r>
             <a:r>
-              <a:rPr lang="en-US" dirty="0" smtClean="0">
+              <a:rPr lang="en-US" dirty="0">
                 <a:latin typeface="Times New Roman" panose="02020603050405020304" pitchFamily="18" charset="0"/>
                 <a:cs typeface="Times New Roman" panose="02020603050405020304" pitchFamily="18" charset="0"/>
               </a:rPr>
@@ -13042,196 +12835,196 @@
           <a:p>
             <a:pPr lvl="1"/>
             <a:r>
-              <a:rPr lang="en-US" dirty="0" err="1" smtClean="0">
+              <a:rPr lang="en-US" dirty="0" err="1">
                 <a:latin typeface="Times New Roman" panose="02020603050405020304" pitchFamily="18" charset="0"/>
                 <a:cs typeface="Times New Roman" panose="02020603050405020304" pitchFamily="18" charset="0"/>
               </a:rPr>
               <a:t>Đáp</a:t>
             </a:r>
             <a:r>
-              <a:rPr lang="en-US" dirty="0" smtClean="0">
+              <a:rPr lang="en-US" dirty="0">
                 <a:latin typeface="Times New Roman" panose="02020603050405020304" pitchFamily="18" charset="0"/>
                 <a:cs typeface="Times New Roman" panose="02020603050405020304" pitchFamily="18" charset="0"/>
               </a:rPr>
               <a:t> </a:t>
             </a:r>
             <a:r>
-              <a:rPr lang="en-US" dirty="0" err="1" smtClean="0">
+              <a:rPr lang="en-US" dirty="0" err="1">
                 <a:latin typeface="Times New Roman" panose="02020603050405020304" pitchFamily="18" charset="0"/>
                 <a:cs typeface="Times New Roman" panose="02020603050405020304" pitchFamily="18" charset="0"/>
               </a:rPr>
               <a:t>ứng</a:t>
             </a:r>
             <a:r>
-              <a:rPr lang="en-US" dirty="0" smtClean="0">
+              <a:rPr lang="en-US" dirty="0">
                 <a:latin typeface="Times New Roman" panose="02020603050405020304" pitchFamily="18" charset="0"/>
                 <a:cs typeface="Times New Roman" panose="02020603050405020304" pitchFamily="18" charset="0"/>
               </a:rPr>
               <a:t> </a:t>
             </a:r>
             <a:r>
-              <a:rPr lang="en-US" dirty="0" err="1" smtClean="0">
+              <a:rPr lang="en-US" dirty="0" err="1">
                 <a:latin typeface="Times New Roman" panose="02020603050405020304" pitchFamily="18" charset="0"/>
                 <a:cs typeface="Times New Roman" panose="02020603050405020304" pitchFamily="18" charset="0"/>
               </a:rPr>
               <a:t>được</a:t>
             </a:r>
             <a:r>
-              <a:rPr lang="en-US" dirty="0" smtClean="0">
+              <a:rPr lang="en-US" dirty="0">
                 <a:latin typeface="Times New Roman" panose="02020603050405020304" pitchFamily="18" charset="0"/>
                 <a:cs typeface="Times New Roman" panose="02020603050405020304" pitchFamily="18" charset="0"/>
               </a:rPr>
               <a:t> </a:t>
             </a:r>
             <a:r>
-              <a:rPr lang="en-US" dirty="0" err="1" smtClean="0">
+              <a:rPr lang="en-US" dirty="0" err="1">
                 <a:latin typeface="Times New Roman" panose="02020603050405020304" pitchFamily="18" charset="0"/>
                 <a:cs typeface="Times New Roman" panose="02020603050405020304" pitchFamily="18" charset="0"/>
               </a:rPr>
               <a:t>nhu</a:t>
             </a:r>
             <a:r>
-              <a:rPr lang="en-US" dirty="0" smtClean="0">
+              <a:rPr lang="en-US" dirty="0">
                 <a:latin typeface="Times New Roman" panose="02020603050405020304" pitchFamily="18" charset="0"/>
                 <a:cs typeface="Times New Roman" panose="02020603050405020304" pitchFamily="18" charset="0"/>
               </a:rPr>
               <a:t> </a:t>
             </a:r>
             <a:r>
-              <a:rPr lang="en-US" dirty="0" err="1" smtClean="0">
+              <a:rPr lang="en-US" dirty="0" err="1">
                 <a:latin typeface="Times New Roman" panose="02020603050405020304" pitchFamily="18" charset="0"/>
                 <a:cs typeface="Times New Roman" panose="02020603050405020304" pitchFamily="18" charset="0"/>
               </a:rPr>
               <a:t>cầu</a:t>
             </a:r>
             <a:r>
-              <a:rPr lang="en-US" dirty="0" smtClean="0">
+              <a:rPr lang="en-US" dirty="0">
                 <a:latin typeface="Times New Roman" panose="02020603050405020304" pitchFamily="18" charset="0"/>
                 <a:cs typeface="Times New Roman" panose="02020603050405020304" pitchFamily="18" charset="0"/>
               </a:rPr>
               <a:t> </a:t>
             </a:r>
             <a:r>
-              <a:rPr lang="en-US" dirty="0" err="1" smtClean="0">
+              <a:rPr lang="en-US" dirty="0" err="1">
                 <a:latin typeface="Times New Roman" panose="02020603050405020304" pitchFamily="18" charset="0"/>
                 <a:cs typeface="Times New Roman" panose="02020603050405020304" pitchFamily="18" charset="0"/>
               </a:rPr>
               <a:t>tìm</a:t>
             </a:r>
             <a:r>
-              <a:rPr lang="en-US" dirty="0" smtClean="0">
+              <a:rPr lang="en-US" dirty="0">
                 <a:latin typeface="Times New Roman" panose="02020603050405020304" pitchFamily="18" charset="0"/>
                 <a:cs typeface="Times New Roman" panose="02020603050405020304" pitchFamily="18" charset="0"/>
               </a:rPr>
               <a:t> </a:t>
             </a:r>
             <a:r>
-              <a:rPr lang="en-US" dirty="0" err="1" smtClean="0">
+              <a:rPr lang="en-US" dirty="0" err="1">
                 <a:latin typeface="Times New Roman" panose="02020603050405020304" pitchFamily="18" charset="0"/>
                 <a:cs typeface="Times New Roman" panose="02020603050405020304" pitchFamily="18" charset="0"/>
               </a:rPr>
               <a:t>kiếm</a:t>
             </a:r>
             <a:r>
-              <a:rPr lang="en-US" dirty="0" smtClean="0">
+              <a:rPr lang="en-US" dirty="0">
                 <a:latin typeface="Times New Roman" panose="02020603050405020304" pitchFamily="18" charset="0"/>
                 <a:cs typeface="Times New Roman" panose="02020603050405020304" pitchFamily="18" charset="0"/>
               </a:rPr>
               <a:t> </a:t>
             </a:r>
             <a:r>
-              <a:rPr lang="en-US" dirty="0" err="1" smtClean="0">
+              <a:rPr lang="en-US" dirty="0" err="1">
                 <a:latin typeface="Times New Roman" panose="02020603050405020304" pitchFamily="18" charset="0"/>
                 <a:cs typeface="Times New Roman" panose="02020603050405020304" pitchFamily="18" charset="0"/>
               </a:rPr>
               <a:t>và</a:t>
             </a:r>
             <a:r>
-              <a:rPr lang="en-US" dirty="0" smtClean="0">
+              <a:rPr lang="en-US" dirty="0">
                 <a:latin typeface="Times New Roman" panose="02020603050405020304" pitchFamily="18" charset="0"/>
                 <a:cs typeface="Times New Roman" panose="02020603050405020304" pitchFamily="18" charset="0"/>
               </a:rPr>
               <a:t> </a:t>
             </a:r>
             <a:r>
-              <a:rPr lang="en-US" dirty="0" err="1" smtClean="0">
+              <a:rPr lang="en-US" dirty="0" err="1">
                 <a:latin typeface="Times New Roman" panose="02020603050405020304" pitchFamily="18" charset="0"/>
                 <a:cs typeface="Times New Roman" panose="02020603050405020304" pitchFamily="18" charset="0"/>
               </a:rPr>
               <a:t>mượn</a:t>
             </a:r>
             <a:r>
-              <a:rPr lang="en-US" dirty="0" smtClean="0">
+              <a:rPr lang="en-US" dirty="0">
                 <a:latin typeface="Times New Roman" panose="02020603050405020304" pitchFamily="18" charset="0"/>
                 <a:cs typeface="Times New Roman" panose="02020603050405020304" pitchFamily="18" charset="0"/>
               </a:rPr>
               <a:t> </a:t>
             </a:r>
             <a:r>
-              <a:rPr lang="en-US" dirty="0" err="1" smtClean="0">
+              <a:rPr lang="en-US" dirty="0" err="1">
                 <a:latin typeface="Times New Roman" panose="02020603050405020304" pitchFamily="18" charset="0"/>
                 <a:cs typeface="Times New Roman" panose="02020603050405020304" pitchFamily="18" charset="0"/>
               </a:rPr>
               <a:t>đọc</a:t>
             </a:r>
             <a:r>
-              <a:rPr lang="en-US" dirty="0" smtClean="0">
+              <a:rPr lang="en-US" dirty="0">
                 <a:latin typeface="Times New Roman" panose="02020603050405020304" pitchFamily="18" charset="0"/>
                 <a:cs typeface="Times New Roman" panose="02020603050405020304" pitchFamily="18" charset="0"/>
               </a:rPr>
               <a:t> </a:t>
             </a:r>
             <a:r>
-              <a:rPr lang="en-US" dirty="0" err="1" smtClean="0">
+              <a:rPr lang="en-US" dirty="0" err="1">
                 <a:latin typeface="Times New Roman" panose="02020603050405020304" pitchFamily="18" charset="0"/>
                 <a:cs typeface="Times New Roman" panose="02020603050405020304" pitchFamily="18" charset="0"/>
               </a:rPr>
               <a:t>sách</a:t>
             </a:r>
             <a:r>
-              <a:rPr lang="en-US" dirty="0" smtClean="0">
+              <a:rPr lang="en-US" dirty="0">
                 <a:latin typeface="Times New Roman" panose="02020603050405020304" pitchFamily="18" charset="0"/>
                 <a:cs typeface="Times New Roman" panose="02020603050405020304" pitchFamily="18" charset="0"/>
               </a:rPr>
               <a:t> </a:t>
             </a:r>
             <a:r>
-              <a:rPr lang="en-US" dirty="0" err="1" smtClean="0">
+              <a:rPr lang="en-US" dirty="0" err="1">
                 <a:latin typeface="Times New Roman" panose="02020603050405020304" pitchFamily="18" charset="0"/>
                 <a:cs typeface="Times New Roman" panose="02020603050405020304" pitchFamily="18" charset="0"/>
               </a:rPr>
               <a:t>của</a:t>
             </a:r>
             <a:r>
-              <a:rPr lang="en-US" dirty="0" smtClean="0">
+              <a:rPr lang="en-US" dirty="0">
                 <a:latin typeface="Times New Roman" panose="02020603050405020304" pitchFamily="18" charset="0"/>
                 <a:cs typeface="Times New Roman" panose="02020603050405020304" pitchFamily="18" charset="0"/>
               </a:rPr>
               <a:t> </a:t>
             </a:r>
             <a:r>
-              <a:rPr lang="en-US" dirty="0" err="1" smtClean="0">
+              <a:rPr lang="en-US" dirty="0" err="1">
                 <a:latin typeface="Times New Roman" panose="02020603050405020304" pitchFamily="18" charset="0"/>
                 <a:cs typeface="Times New Roman" panose="02020603050405020304" pitchFamily="18" charset="0"/>
               </a:rPr>
               <a:t>đọc</a:t>
             </a:r>
             <a:r>
-              <a:rPr lang="en-US" dirty="0" smtClean="0">
+              <a:rPr lang="en-US" dirty="0">
                 <a:latin typeface="Times New Roman" panose="02020603050405020304" pitchFamily="18" charset="0"/>
                 <a:cs typeface="Times New Roman" panose="02020603050405020304" pitchFamily="18" charset="0"/>
               </a:rPr>
               <a:t> </a:t>
             </a:r>
             <a:r>
-              <a:rPr lang="en-US" dirty="0" err="1" smtClean="0">
+              <a:rPr lang="en-US" dirty="0" err="1">
                 <a:latin typeface="Times New Roman" panose="02020603050405020304" pitchFamily="18" charset="0"/>
                 <a:cs typeface="Times New Roman" panose="02020603050405020304" pitchFamily="18" charset="0"/>
               </a:rPr>
               <a:t>giả</a:t>
             </a:r>
             <a:r>
-              <a:rPr lang="en-US" dirty="0" smtClean="0">
+              <a:rPr lang="en-US" dirty="0">
                 <a:latin typeface="Times New Roman" panose="02020603050405020304" pitchFamily="18" charset="0"/>
                 <a:cs typeface="Times New Roman" panose="02020603050405020304" pitchFamily="18" charset="0"/>
               </a:rPr>
@@ -13245,213 +13038,206 @@
                 <a:latin typeface="Times New Roman" panose="02020603050405020304" pitchFamily="18" charset="0"/>
                 <a:cs typeface="Times New Roman" panose="02020603050405020304" pitchFamily="18" charset="0"/>
               </a:rPr>
-              <a:t>S</a:t>
-            </a:r>
-            <a:r>
-              <a:rPr lang="en-US" dirty="0" err="1" smtClean="0">
-                <a:latin typeface="Times New Roman" panose="02020603050405020304" pitchFamily="18" charset="0"/>
-                <a:cs typeface="Times New Roman" panose="02020603050405020304" pitchFamily="18" charset="0"/>
-              </a:rPr>
-              <a:t>au</a:t>
-            </a:r>
-            <a:r>
-              <a:rPr lang="en-US" dirty="0" smtClean="0">
+              <a:t>Sau</a:t>
+            </a:r>
+            <a:r>
+              <a:rPr lang="en-US" dirty="0">
                 <a:latin typeface="Times New Roman" panose="02020603050405020304" pitchFamily="18" charset="0"/>
                 <a:cs typeface="Times New Roman" panose="02020603050405020304" pitchFamily="18" charset="0"/>
               </a:rPr>
               <a:t> </a:t>
             </a:r>
             <a:r>
-              <a:rPr lang="en-US" dirty="0" err="1" smtClean="0">
+              <a:rPr lang="en-US" dirty="0" err="1">
                 <a:latin typeface="Times New Roman" panose="02020603050405020304" pitchFamily="18" charset="0"/>
                 <a:cs typeface="Times New Roman" panose="02020603050405020304" pitchFamily="18" charset="0"/>
               </a:rPr>
               <a:t>khi</a:t>
             </a:r>
             <a:r>
-              <a:rPr lang="en-US" dirty="0" smtClean="0">
+              <a:rPr lang="en-US" dirty="0">
                 <a:latin typeface="Times New Roman" panose="02020603050405020304" pitchFamily="18" charset="0"/>
                 <a:cs typeface="Times New Roman" panose="02020603050405020304" pitchFamily="18" charset="0"/>
               </a:rPr>
               <a:t> </a:t>
             </a:r>
             <a:r>
-              <a:rPr lang="en-US" dirty="0" err="1" smtClean="0">
+              <a:rPr lang="en-US" dirty="0" err="1">
                 <a:latin typeface="Times New Roman" panose="02020603050405020304" pitchFamily="18" charset="0"/>
                 <a:cs typeface="Times New Roman" panose="02020603050405020304" pitchFamily="18" charset="0"/>
               </a:rPr>
               <a:t>triển</a:t>
             </a:r>
             <a:r>
-              <a:rPr lang="en-US" dirty="0" smtClean="0">
+              <a:rPr lang="en-US" dirty="0">
                 <a:latin typeface="Times New Roman" panose="02020603050405020304" pitchFamily="18" charset="0"/>
                 <a:cs typeface="Times New Roman" panose="02020603050405020304" pitchFamily="18" charset="0"/>
               </a:rPr>
               <a:t> </a:t>
             </a:r>
             <a:r>
-              <a:rPr lang="en-US" dirty="0" err="1" smtClean="0">
+              <a:rPr lang="en-US" dirty="0" err="1">
                 <a:latin typeface="Times New Roman" panose="02020603050405020304" pitchFamily="18" charset="0"/>
                 <a:cs typeface="Times New Roman" panose="02020603050405020304" pitchFamily="18" charset="0"/>
               </a:rPr>
               <a:t>khai</a:t>
             </a:r>
             <a:r>
-              <a:rPr lang="en-US" dirty="0" smtClean="0">
+              <a:rPr lang="en-US" dirty="0">
                 <a:latin typeface="Times New Roman" panose="02020603050405020304" pitchFamily="18" charset="0"/>
                 <a:cs typeface="Times New Roman" panose="02020603050405020304" pitchFamily="18" charset="0"/>
               </a:rPr>
               <a:t> </a:t>
             </a:r>
             <a:r>
-              <a:rPr lang="en-US" dirty="0" err="1" smtClean="0">
+              <a:rPr lang="en-US" dirty="0" err="1">
                 <a:latin typeface="Times New Roman" panose="02020603050405020304" pitchFamily="18" charset="0"/>
                 <a:cs typeface="Times New Roman" panose="02020603050405020304" pitchFamily="18" charset="0"/>
               </a:rPr>
               <a:t>thành</a:t>
             </a:r>
             <a:r>
-              <a:rPr lang="en-US" dirty="0" smtClean="0">
+              <a:rPr lang="en-US" dirty="0">
                 <a:latin typeface="Times New Roman" panose="02020603050405020304" pitchFamily="18" charset="0"/>
                 <a:cs typeface="Times New Roman" panose="02020603050405020304" pitchFamily="18" charset="0"/>
               </a:rPr>
               <a:t> </a:t>
             </a:r>
             <a:r>
-              <a:rPr lang="en-US" dirty="0" err="1" smtClean="0">
+              <a:rPr lang="en-US" dirty="0" err="1">
                 <a:latin typeface="Times New Roman" panose="02020603050405020304" pitchFamily="18" charset="0"/>
                 <a:cs typeface="Times New Roman" panose="02020603050405020304" pitchFamily="18" charset="0"/>
               </a:rPr>
               <a:t>công</a:t>
             </a:r>
             <a:r>
-              <a:rPr lang="en-US" dirty="0" smtClean="0">
+              <a:rPr lang="en-US" dirty="0">
                 <a:latin typeface="Times New Roman" panose="02020603050405020304" pitchFamily="18" charset="0"/>
                 <a:cs typeface="Times New Roman" panose="02020603050405020304" pitchFamily="18" charset="0"/>
               </a:rPr>
               <a:t> </a:t>
             </a:r>
             <a:r>
-              <a:rPr lang="en-US" dirty="0" err="1" smtClean="0">
+              <a:rPr lang="en-US" dirty="0" err="1">
                 <a:latin typeface="Times New Roman" panose="02020603050405020304" pitchFamily="18" charset="0"/>
                 <a:cs typeface="Times New Roman" panose="02020603050405020304" pitchFamily="18" charset="0"/>
               </a:rPr>
               <a:t>có</a:t>
             </a:r>
             <a:r>
-              <a:rPr lang="en-US" dirty="0" smtClean="0">
+              <a:rPr lang="en-US" dirty="0">
                 <a:latin typeface="Times New Roman" panose="02020603050405020304" pitchFamily="18" charset="0"/>
                 <a:cs typeface="Times New Roman" panose="02020603050405020304" pitchFamily="18" charset="0"/>
               </a:rPr>
               <a:t> </a:t>
             </a:r>
             <a:r>
-              <a:rPr lang="en-US" dirty="0" err="1" smtClean="0">
+              <a:rPr lang="en-US" dirty="0" err="1">
                 <a:latin typeface="Times New Roman" panose="02020603050405020304" pitchFamily="18" charset="0"/>
                 <a:cs typeface="Times New Roman" panose="02020603050405020304" pitchFamily="18" charset="0"/>
               </a:rPr>
               <a:t>thể</a:t>
             </a:r>
             <a:r>
-              <a:rPr lang="en-US" dirty="0" smtClean="0">
+              <a:rPr lang="en-US" dirty="0">
                 <a:latin typeface="Times New Roman" panose="02020603050405020304" pitchFamily="18" charset="0"/>
                 <a:cs typeface="Times New Roman" panose="02020603050405020304" pitchFamily="18" charset="0"/>
               </a:rPr>
               <a:t> </a:t>
             </a:r>
             <a:r>
-              <a:rPr lang="en-US" dirty="0" err="1" smtClean="0">
+              <a:rPr lang="en-US" dirty="0" err="1">
                 <a:latin typeface="Times New Roman" panose="02020603050405020304" pitchFamily="18" charset="0"/>
                 <a:cs typeface="Times New Roman" panose="02020603050405020304" pitchFamily="18" charset="0"/>
               </a:rPr>
               <a:t>đưa</a:t>
             </a:r>
             <a:r>
-              <a:rPr lang="en-US" dirty="0" smtClean="0">
+              <a:rPr lang="en-US" dirty="0">
                 <a:latin typeface="Times New Roman" panose="02020603050405020304" pitchFamily="18" charset="0"/>
                 <a:cs typeface="Times New Roman" panose="02020603050405020304" pitchFamily="18" charset="0"/>
               </a:rPr>
               <a:t> </a:t>
             </a:r>
             <a:r>
-              <a:rPr lang="en-US" dirty="0" err="1" smtClean="0">
+              <a:rPr lang="en-US" dirty="0" err="1">
                 <a:latin typeface="Times New Roman" panose="02020603050405020304" pitchFamily="18" charset="0"/>
                 <a:cs typeface="Times New Roman" panose="02020603050405020304" pitchFamily="18" charset="0"/>
               </a:rPr>
               <a:t>vào</a:t>
             </a:r>
             <a:r>
-              <a:rPr lang="en-US" dirty="0" smtClean="0">
+              <a:rPr lang="en-US" dirty="0">
                 <a:latin typeface="Times New Roman" panose="02020603050405020304" pitchFamily="18" charset="0"/>
                 <a:cs typeface="Times New Roman" panose="02020603050405020304" pitchFamily="18" charset="0"/>
               </a:rPr>
               <a:t> </a:t>
             </a:r>
             <a:r>
-              <a:rPr lang="en-US" dirty="0" err="1" smtClean="0">
+              <a:rPr lang="en-US" dirty="0" err="1">
                 <a:latin typeface="Times New Roman" panose="02020603050405020304" pitchFamily="18" charset="0"/>
                 <a:cs typeface="Times New Roman" panose="02020603050405020304" pitchFamily="18" charset="0"/>
               </a:rPr>
               <a:t>áp</a:t>
             </a:r>
             <a:r>
-              <a:rPr lang="en-US" dirty="0" smtClean="0">
+              <a:rPr lang="en-US" dirty="0">
                 <a:latin typeface="Times New Roman" panose="02020603050405020304" pitchFamily="18" charset="0"/>
                 <a:cs typeface="Times New Roman" panose="02020603050405020304" pitchFamily="18" charset="0"/>
               </a:rPr>
               <a:t> </a:t>
             </a:r>
             <a:r>
-              <a:rPr lang="en-US" dirty="0" err="1" smtClean="0">
+              <a:rPr lang="en-US" dirty="0" err="1">
                 <a:latin typeface="Times New Roman" panose="02020603050405020304" pitchFamily="18" charset="0"/>
                 <a:cs typeface="Times New Roman" panose="02020603050405020304" pitchFamily="18" charset="0"/>
               </a:rPr>
               <a:t>dụng</a:t>
             </a:r>
             <a:r>
-              <a:rPr lang="en-US" dirty="0" smtClean="0">
+              <a:rPr lang="en-US" dirty="0">
                 <a:latin typeface="Times New Roman" panose="02020603050405020304" pitchFamily="18" charset="0"/>
                 <a:cs typeface="Times New Roman" panose="02020603050405020304" pitchFamily="18" charset="0"/>
               </a:rPr>
               <a:t> </a:t>
             </a:r>
             <a:r>
-              <a:rPr lang="en-US" dirty="0" err="1" smtClean="0">
+              <a:rPr lang="en-US" dirty="0" err="1">
                 <a:latin typeface="Times New Roman" panose="02020603050405020304" pitchFamily="18" charset="0"/>
                 <a:cs typeface="Times New Roman" panose="02020603050405020304" pitchFamily="18" charset="0"/>
               </a:rPr>
               <a:t>trong</a:t>
             </a:r>
             <a:r>
-              <a:rPr lang="en-US" dirty="0" smtClean="0">
+              <a:rPr lang="en-US" dirty="0">
                 <a:latin typeface="Times New Roman" panose="02020603050405020304" pitchFamily="18" charset="0"/>
                 <a:cs typeface="Times New Roman" panose="02020603050405020304" pitchFamily="18" charset="0"/>
               </a:rPr>
               <a:t> </a:t>
             </a:r>
             <a:r>
-              <a:rPr lang="en-US" dirty="0" err="1" smtClean="0">
+              <a:rPr lang="en-US" dirty="0" err="1">
                 <a:latin typeface="Times New Roman" panose="02020603050405020304" pitchFamily="18" charset="0"/>
                 <a:cs typeface="Times New Roman" panose="02020603050405020304" pitchFamily="18" charset="0"/>
               </a:rPr>
               <a:t>thực</a:t>
             </a:r>
             <a:r>
-              <a:rPr lang="en-US" dirty="0" smtClean="0">
+              <a:rPr lang="en-US" dirty="0">
                 <a:latin typeface="Times New Roman" panose="02020603050405020304" pitchFamily="18" charset="0"/>
                 <a:cs typeface="Times New Roman" panose="02020603050405020304" pitchFamily="18" charset="0"/>
               </a:rPr>
               <a:t> </a:t>
             </a:r>
             <a:r>
-              <a:rPr lang="en-US" dirty="0" err="1" smtClean="0">
+              <a:rPr lang="en-US" dirty="0" err="1">
                 <a:latin typeface="Times New Roman" panose="02020603050405020304" pitchFamily="18" charset="0"/>
                 <a:cs typeface="Times New Roman" panose="02020603050405020304" pitchFamily="18" charset="0"/>
               </a:rPr>
               <a:t>tế</a:t>
             </a:r>
             <a:r>
-              <a:rPr lang="en-US" dirty="0" smtClean="0">
+              <a:rPr lang="en-US" dirty="0">
                 <a:latin typeface="Times New Roman" panose="02020603050405020304" pitchFamily="18" charset="0"/>
                 <a:cs typeface="Times New Roman" panose="02020603050405020304" pitchFamily="18" charset="0"/>
               </a:rPr>
@@ -13461,233 +13247,229 @@
           <a:p>
             <a:pPr lvl="1"/>
             <a:r>
-              <a:rPr lang="en-US" dirty="0" err="1" smtClean="0">
+              <a:rPr lang="en-US" dirty="0" err="1">
                 <a:latin typeface="Times New Roman" panose="02020603050405020304" pitchFamily="18" charset="0"/>
                 <a:cs typeface="Times New Roman" panose="02020603050405020304" pitchFamily="18" charset="0"/>
               </a:rPr>
               <a:t>Tiếp</a:t>
             </a:r>
             <a:r>
-              <a:rPr lang="en-US" dirty="0" smtClean="0">
+              <a:rPr lang="en-US" dirty="0">
                 <a:latin typeface="Times New Roman" panose="02020603050405020304" pitchFamily="18" charset="0"/>
                 <a:cs typeface="Times New Roman" panose="02020603050405020304" pitchFamily="18" charset="0"/>
               </a:rPr>
               <a:t> </a:t>
             </a:r>
             <a:r>
-              <a:rPr lang="en-US" dirty="0" err="1" smtClean="0">
+              <a:rPr lang="en-US" dirty="0" err="1">
                 <a:latin typeface="Times New Roman" panose="02020603050405020304" pitchFamily="18" charset="0"/>
                 <a:cs typeface="Times New Roman" panose="02020603050405020304" pitchFamily="18" charset="0"/>
               </a:rPr>
               <a:t>thu</a:t>
             </a:r>
             <a:r>
-              <a:rPr lang="en-US" dirty="0" smtClean="0">
+              <a:rPr lang="en-US" dirty="0">
                 <a:latin typeface="Times New Roman" panose="02020603050405020304" pitchFamily="18" charset="0"/>
                 <a:cs typeface="Times New Roman" panose="02020603050405020304" pitchFamily="18" charset="0"/>
               </a:rPr>
               <a:t> </a:t>
             </a:r>
             <a:r>
-              <a:rPr lang="en-US" dirty="0" err="1" smtClean="0">
+              <a:rPr lang="en-US" dirty="0" err="1">
                 <a:latin typeface="Times New Roman" panose="02020603050405020304" pitchFamily="18" charset="0"/>
                 <a:cs typeface="Times New Roman" panose="02020603050405020304" pitchFamily="18" charset="0"/>
               </a:rPr>
               <a:t>mọi</a:t>
             </a:r>
             <a:r>
-              <a:rPr lang="en-US" dirty="0" smtClean="0">
+              <a:rPr lang="en-US" dirty="0">
                 <a:latin typeface="Times New Roman" panose="02020603050405020304" pitchFamily="18" charset="0"/>
                 <a:cs typeface="Times New Roman" panose="02020603050405020304" pitchFamily="18" charset="0"/>
               </a:rPr>
               <a:t> </a:t>
             </a:r>
             <a:r>
-              <a:rPr lang="en-US" dirty="0" err="1" smtClean="0">
+              <a:rPr lang="en-US" dirty="0" err="1">
                 <a:latin typeface="Times New Roman" panose="02020603050405020304" pitchFamily="18" charset="0"/>
                 <a:cs typeface="Times New Roman" panose="02020603050405020304" pitchFamily="18" charset="0"/>
               </a:rPr>
               <a:t>đóng</a:t>
             </a:r>
             <a:r>
-              <a:rPr lang="en-US" dirty="0" smtClean="0">
+              <a:rPr lang="en-US" dirty="0">
                 <a:latin typeface="Times New Roman" panose="02020603050405020304" pitchFamily="18" charset="0"/>
                 <a:cs typeface="Times New Roman" panose="02020603050405020304" pitchFamily="18" charset="0"/>
               </a:rPr>
               <a:t> </a:t>
             </a:r>
             <a:r>
-              <a:rPr lang="en-US" dirty="0" err="1" smtClean="0">
+              <a:rPr lang="en-US" dirty="0" err="1">
                 <a:latin typeface="Times New Roman" panose="02020603050405020304" pitchFamily="18" charset="0"/>
                 <a:cs typeface="Times New Roman" panose="02020603050405020304" pitchFamily="18" charset="0"/>
               </a:rPr>
               <a:t>góp</a:t>
             </a:r>
             <a:r>
-              <a:rPr lang="en-US" dirty="0" smtClean="0">
+              <a:rPr lang="en-US" dirty="0">
                 <a:latin typeface="Times New Roman" panose="02020603050405020304" pitchFamily="18" charset="0"/>
                 <a:cs typeface="Times New Roman" panose="02020603050405020304" pitchFamily="18" charset="0"/>
               </a:rPr>
               <a:t> ý </a:t>
             </a:r>
             <a:r>
-              <a:rPr lang="en-US" dirty="0" err="1" smtClean="0">
+              <a:rPr lang="en-US" dirty="0" err="1">
                 <a:latin typeface="Times New Roman" panose="02020603050405020304" pitchFamily="18" charset="0"/>
                 <a:cs typeface="Times New Roman" panose="02020603050405020304" pitchFamily="18" charset="0"/>
               </a:rPr>
               <a:t>kiến</a:t>
             </a:r>
             <a:r>
-              <a:rPr lang="en-US" dirty="0" smtClean="0">
+              <a:rPr lang="en-US" dirty="0">
                 <a:latin typeface="Times New Roman" panose="02020603050405020304" pitchFamily="18" charset="0"/>
                 <a:cs typeface="Times New Roman" panose="02020603050405020304" pitchFamily="18" charset="0"/>
               </a:rPr>
               <a:t> </a:t>
             </a:r>
             <a:r>
-              <a:rPr lang="en-US" dirty="0" err="1" smtClean="0">
+              <a:rPr lang="en-US" dirty="0" err="1">
                 <a:latin typeface="Times New Roman" panose="02020603050405020304" pitchFamily="18" charset="0"/>
                 <a:cs typeface="Times New Roman" panose="02020603050405020304" pitchFamily="18" charset="0"/>
               </a:rPr>
               <a:t>để</a:t>
             </a:r>
             <a:r>
-              <a:rPr lang="en-US" dirty="0" smtClean="0">
+              <a:rPr lang="en-US" dirty="0">
                 <a:latin typeface="Times New Roman" panose="02020603050405020304" pitchFamily="18" charset="0"/>
                 <a:cs typeface="Times New Roman" panose="02020603050405020304" pitchFamily="18" charset="0"/>
               </a:rPr>
               <a:t> </a:t>
             </a:r>
             <a:r>
-              <a:rPr lang="en-US" dirty="0" err="1" smtClean="0">
+              <a:rPr lang="en-US" dirty="0" err="1">
                 <a:latin typeface="Times New Roman" panose="02020603050405020304" pitchFamily="18" charset="0"/>
                 <a:cs typeface="Times New Roman" panose="02020603050405020304" pitchFamily="18" charset="0"/>
               </a:rPr>
               <a:t>có</a:t>
             </a:r>
             <a:r>
-              <a:rPr lang="en-US" dirty="0" smtClean="0">
+              <a:rPr lang="en-US" dirty="0">
                 <a:latin typeface="Times New Roman" panose="02020603050405020304" pitchFamily="18" charset="0"/>
                 <a:cs typeface="Times New Roman" panose="02020603050405020304" pitchFamily="18" charset="0"/>
               </a:rPr>
               <a:t> </a:t>
             </a:r>
             <a:r>
-              <a:rPr lang="en-US" dirty="0" err="1" smtClean="0">
+              <a:rPr lang="en-US" dirty="0" err="1">
                 <a:latin typeface="Times New Roman" panose="02020603050405020304" pitchFamily="18" charset="0"/>
                 <a:cs typeface="Times New Roman" panose="02020603050405020304" pitchFamily="18" charset="0"/>
               </a:rPr>
               <a:t>thể</a:t>
             </a:r>
             <a:r>
-              <a:rPr lang="en-US" dirty="0" smtClean="0">
+              <a:rPr lang="en-US" dirty="0">
                 <a:latin typeface="Times New Roman" panose="02020603050405020304" pitchFamily="18" charset="0"/>
                 <a:cs typeface="Times New Roman" panose="02020603050405020304" pitchFamily="18" charset="0"/>
               </a:rPr>
               <a:t> </a:t>
             </a:r>
             <a:r>
-              <a:rPr lang="en-US" dirty="0" err="1" smtClean="0">
+              <a:rPr lang="en-US" dirty="0" err="1">
                 <a:latin typeface="Times New Roman" panose="02020603050405020304" pitchFamily="18" charset="0"/>
                 <a:cs typeface="Times New Roman" panose="02020603050405020304" pitchFamily="18" charset="0"/>
               </a:rPr>
               <a:t>phát</a:t>
             </a:r>
             <a:r>
-              <a:rPr lang="en-US" dirty="0" smtClean="0">
+              <a:rPr lang="en-US" dirty="0">
                 <a:latin typeface="Times New Roman" panose="02020603050405020304" pitchFamily="18" charset="0"/>
                 <a:cs typeface="Times New Roman" panose="02020603050405020304" pitchFamily="18" charset="0"/>
               </a:rPr>
               <a:t> </a:t>
             </a:r>
             <a:r>
-              <a:rPr lang="en-US" dirty="0" err="1" smtClean="0">
+              <a:rPr lang="en-US" dirty="0" err="1">
                 <a:latin typeface="Times New Roman" panose="02020603050405020304" pitchFamily="18" charset="0"/>
                 <a:cs typeface="Times New Roman" panose="02020603050405020304" pitchFamily="18" charset="0"/>
               </a:rPr>
               <a:t>triển</a:t>
             </a:r>
             <a:r>
-              <a:rPr lang="en-US" dirty="0" smtClean="0">
+              <a:rPr lang="en-US" dirty="0">
                 <a:latin typeface="Times New Roman" panose="02020603050405020304" pitchFamily="18" charset="0"/>
                 <a:cs typeface="Times New Roman" panose="02020603050405020304" pitchFamily="18" charset="0"/>
               </a:rPr>
               <a:t> </a:t>
             </a:r>
             <a:r>
-              <a:rPr lang="en-US" dirty="0" err="1" smtClean="0">
+              <a:rPr lang="en-US" dirty="0" err="1">
                 <a:latin typeface="Times New Roman" panose="02020603050405020304" pitchFamily="18" charset="0"/>
                 <a:cs typeface="Times New Roman" panose="02020603050405020304" pitchFamily="18" charset="0"/>
               </a:rPr>
               <a:t>thêm</a:t>
             </a:r>
             <a:r>
-              <a:rPr lang="en-US" dirty="0" smtClean="0">
+              <a:rPr lang="en-US" dirty="0">
                 <a:latin typeface="Times New Roman" panose="02020603050405020304" pitchFamily="18" charset="0"/>
                 <a:cs typeface="Times New Roman" panose="02020603050405020304" pitchFamily="18" charset="0"/>
               </a:rPr>
               <a:t> </a:t>
             </a:r>
             <a:r>
-              <a:rPr lang="en-US" dirty="0" err="1" smtClean="0">
+              <a:rPr lang="en-US" dirty="0" err="1">
                 <a:latin typeface="Times New Roman" panose="02020603050405020304" pitchFamily="18" charset="0"/>
                 <a:cs typeface="Times New Roman" panose="02020603050405020304" pitchFamily="18" charset="0"/>
               </a:rPr>
               <a:t>nhiều</a:t>
             </a:r>
             <a:r>
-              <a:rPr lang="en-US" dirty="0" smtClean="0">
+              <a:rPr lang="en-US" dirty="0">
                 <a:latin typeface="Times New Roman" panose="02020603050405020304" pitchFamily="18" charset="0"/>
                 <a:cs typeface="Times New Roman" panose="02020603050405020304" pitchFamily="18" charset="0"/>
               </a:rPr>
               <a:t> </a:t>
             </a:r>
             <a:r>
-              <a:rPr lang="en-US" dirty="0" err="1" smtClean="0">
+              <a:rPr lang="en-US" dirty="0" err="1">
                 <a:latin typeface="Times New Roman" panose="02020603050405020304" pitchFamily="18" charset="0"/>
                 <a:cs typeface="Times New Roman" panose="02020603050405020304" pitchFamily="18" charset="0"/>
               </a:rPr>
               <a:t>chức</a:t>
             </a:r>
             <a:r>
-              <a:rPr lang="en-US" dirty="0" smtClean="0">
+              <a:rPr lang="en-US" dirty="0">
                 <a:latin typeface="Times New Roman" panose="02020603050405020304" pitchFamily="18" charset="0"/>
                 <a:cs typeface="Times New Roman" panose="02020603050405020304" pitchFamily="18" charset="0"/>
               </a:rPr>
               <a:t> </a:t>
             </a:r>
             <a:r>
-              <a:rPr lang="en-US" dirty="0" err="1" smtClean="0">
+              <a:rPr lang="en-US" dirty="0" err="1">
                 <a:latin typeface="Times New Roman" panose="02020603050405020304" pitchFamily="18" charset="0"/>
                 <a:cs typeface="Times New Roman" panose="02020603050405020304" pitchFamily="18" charset="0"/>
               </a:rPr>
               <a:t>năng</a:t>
             </a:r>
             <a:r>
-              <a:rPr lang="en-US" dirty="0" smtClean="0">
+              <a:rPr lang="en-US" dirty="0">
                 <a:latin typeface="Times New Roman" panose="02020603050405020304" pitchFamily="18" charset="0"/>
                 <a:cs typeface="Times New Roman" panose="02020603050405020304" pitchFamily="18" charset="0"/>
               </a:rPr>
               <a:t> </a:t>
             </a:r>
             <a:r>
-              <a:rPr lang="en-US" dirty="0" err="1" smtClean="0">
+              <a:rPr lang="en-US" dirty="0" err="1">
                 <a:latin typeface="Times New Roman" panose="02020603050405020304" pitchFamily="18" charset="0"/>
                 <a:cs typeface="Times New Roman" panose="02020603050405020304" pitchFamily="18" charset="0"/>
               </a:rPr>
               <a:t>mới</a:t>
             </a:r>
             <a:r>
-              <a:rPr lang="en-US" dirty="0" smtClean="0">
+              <a:rPr lang="en-US" dirty="0">
                 <a:latin typeface="Times New Roman" panose="02020603050405020304" pitchFamily="18" charset="0"/>
                 <a:cs typeface="Times New Roman" panose="02020603050405020304" pitchFamily="18" charset="0"/>
               </a:rPr>
               <a:t>.</a:t>
             </a:r>
-            <a:endParaRPr lang="en-US" dirty="0">
-              <a:latin typeface="Times New Roman" panose="02020603050405020304" pitchFamily="18" charset="0"/>
-              <a:cs typeface="Times New Roman" panose="02020603050405020304" pitchFamily="18" charset="0"/>
-            </a:endParaRPr>
           </a:p>
         </p:txBody>
       </p:sp>
@@ -13707,55 +13489,55 @@
           <a:lstStyle/>
           <a:p>
             <a:r>
-              <a:rPr lang="en-US" sz="3600" dirty="0" err="1" smtClean="0">
+              <a:rPr lang="en-US" sz="3600" dirty="0" err="1">
                 <a:latin typeface="Times New Roman" panose="02020603050405020304" pitchFamily="18" charset="0"/>
                 <a:cs typeface="Times New Roman" panose="02020603050405020304" pitchFamily="18" charset="0"/>
               </a:rPr>
               <a:t>Giới</a:t>
             </a:r>
             <a:r>
-              <a:rPr lang="en-US" sz="3600" dirty="0" smtClean="0">
+              <a:rPr lang="en-US" sz="3600" dirty="0">
                 <a:latin typeface="Times New Roman" panose="02020603050405020304" pitchFamily="18" charset="0"/>
                 <a:cs typeface="Times New Roman" panose="02020603050405020304" pitchFamily="18" charset="0"/>
               </a:rPr>
               <a:t> </a:t>
             </a:r>
             <a:r>
-              <a:rPr lang="en-US" sz="3600" dirty="0" err="1" smtClean="0">
+              <a:rPr lang="en-US" sz="3600" dirty="0" err="1">
                 <a:latin typeface="Times New Roman" panose="02020603050405020304" pitchFamily="18" charset="0"/>
                 <a:cs typeface="Times New Roman" panose="02020603050405020304" pitchFamily="18" charset="0"/>
               </a:rPr>
               <a:t>thiệu</a:t>
             </a:r>
             <a:r>
-              <a:rPr lang="en-US" sz="3600" dirty="0" smtClean="0">
+              <a:rPr lang="en-US" sz="3600" dirty="0">
                 <a:latin typeface="Times New Roman" panose="02020603050405020304" pitchFamily="18" charset="0"/>
                 <a:cs typeface="Times New Roman" panose="02020603050405020304" pitchFamily="18" charset="0"/>
               </a:rPr>
               <a:t> </a:t>
             </a:r>
             <a:r>
-              <a:rPr lang="en-US" sz="3600" dirty="0" err="1" smtClean="0">
+              <a:rPr lang="en-US" sz="3600" dirty="0" err="1">
                 <a:latin typeface="Times New Roman" panose="02020603050405020304" pitchFamily="18" charset="0"/>
                 <a:cs typeface="Times New Roman" panose="02020603050405020304" pitchFamily="18" charset="0"/>
               </a:rPr>
               <a:t>đề</a:t>
             </a:r>
             <a:r>
-              <a:rPr lang="en-US" sz="3600" dirty="0" smtClean="0">
+              <a:rPr lang="en-US" sz="3600" dirty="0">
                 <a:latin typeface="Times New Roman" panose="02020603050405020304" pitchFamily="18" charset="0"/>
                 <a:cs typeface="Times New Roman" panose="02020603050405020304" pitchFamily="18" charset="0"/>
               </a:rPr>
               <a:t> </a:t>
             </a:r>
             <a:r>
-              <a:rPr lang="en-US" sz="3600" dirty="0" err="1" smtClean="0">
+              <a:rPr lang="en-US" sz="3600" dirty="0" err="1">
                 <a:latin typeface="Times New Roman" panose="02020603050405020304" pitchFamily="18" charset="0"/>
                 <a:cs typeface="Times New Roman" panose="02020603050405020304" pitchFamily="18" charset="0"/>
               </a:rPr>
               <a:t>tài</a:t>
             </a:r>
-            <a:endParaRPr lang="en-US" sz="3600" dirty="0" smtClean="0">
+            <a:endParaRPr lang="en-US" sz="3600" dirty="0">
               <a:latin typeface="Times New Roman" panose="02020603050405020304" pitchFamily="18" charset="0"/>
               <a:cs typeface="Times New Roman" panose="02020603050405020304" pitchFamily="18" charset="0"/>
             </a:endParaRPr>
@@ -13781,10 +13563,9 @@
               <a:defRPr/>
             </a:pPr>
             <a:r>
-              <a:rPr lang="en-US" dirty="0" smtClean="0"/>
+              <a:rPr lang="en-US" dirty="0"/>
               <a:t>&lt;&lt;TÊN ĐỀ TÀI&gt;&gt;</a:t>
             </a:r>
-            <a:endParaRPr lang="en-US" dirty="0"/>
           </a:p>
         </p:txBody>
       </p:sp>
@@ -13825,13 +13606,6 @@
   <p:transition>
     <p:split orient="vert"/>
   </p:transition>
-  <p:timing>
-    <p:tnLst>
-      <p:par>
-        <p:cTn id="1" dur="indefinite" restart="never" nodeType="tmRoot"/>
-      </p:par>
-    </p:tnLst>
-  </p:timing>
 </p:sld>
 </file>
 
@@ -13873,28 +13647,28 @@
           <a:lstStyle/>
           <a:p>
             <a:r>
-              <a:rPr lang="en-US" dirty="0" err="1" smtClean="0">
+              <a:rPr lang="en-US" dirty="0" err="1">
                 <a:latin typeface="Times New Roman" panose="02020603050405020304" pitchFamily="18" charset="0"/>
                 <a:cs typeface="Times New Roman" panose="02020603050405020304" pitchFamily="18" charset="0"/>
               </a:rPr>
               <a:t>Sơ</a:t>
             </a:r>
             <a:r>
-              <a:rPr lang="en-US" dirty="0" smtClean="0">
+              <a:rPr lang="en-US" dirty="0">
                 <a:latin typeface="Times New Roman" panose="02020603050405020304" pitchFamily="18" charset="0"/>
                 <a:cs typeface="Times New Roman" panose="02020603050405020304" pitchFamily="18" charset="0"/>
               </a:rPr>
               <a:t> </a:t>
             </a:r>
             <a:r>
-              <a:rPr lang="en-US" dirty="0" err="1" smtClean="0">
+              <a:rPr lang="en-US" dirty="0" err="1">
                 <a:latin typeface="Times New Roman" panose="02020603050405020304" pitchFamily="18" charset="0"/>
                 <a:cs typeface="Times New Roman" panose="02020603050405020304" pitchFamily="18" charset="0"/>
               </a:rPr>
               <a:t>đồ</a:t>
             </a:r>
             <a:r>
-              <a:rPr lang="en-US" dirty="0" smtClean="0">
+              <a:rPr lang="en-US" dirty="0">
                 <a:latin typeface="Times New Roman" panose="02020603050405020304" pitchFamily="18" charset="0"/>
                 <a:cs typeface="Times New Roman" panose="02020603050405020304" pitchFamily="18" charset="0"/>
               </a:rPr>
@@ -13922,10 +13696,9 @@
               <a:defRPr/>
             </a:pPr>
             <a:r>
-              <a:rPr lang="en-US" smtClean="0"/>
+              <a:rPr lang="en-US"/>
               <a:t>QUẢN LÝ THƯ VIỆN</a:t>
             </a:r>
-            <a:endParaRPr lang="en-US"/>
           </a:p>
         </p:txBody>
       </p:sp>
@@ -14035,13 +13808,6 @@
   <p:transition>
     <p:split orient="vert"/>
   </p:transition>
-  <p:timing>
-    <p:tnLst>
-      <p:par>
-        <p:cTn id="1" dur="indefinite" restart="never" nodeType="tmRoot"/>
-      </p:par>
-    </p:tnLst>
-  </p:timing>
 </p:sld>
 </file>
 
@@ -14078,31 +13844,31 @@
           <a:lstStyle/>
           <a:p>
             <a:r>
-              <a:rPr lang="en-US" dirty="0" err="1" smtClean="0"/>
+              <a:rPr lang="en-US" dirty="0" err="1"/>
               <a:t>Tổ</a:t>
             </a:r>
             <a:r>
-              <a:rPr lang="en-US" dirty="0" smtClean="0"/>
+              <a:rPr lang="en-US" dirty="0"/>
               <a:t> </a:t>
             </a:r>
             <a:r>
-              <a:rPr lang="en-US" dirty="0" err="1" smtClean="0"/>
+              <a:rPr lang="en-US" dirty="0" err="1"/>
               <a:t>chức</a:t>
             </a:r>
             <a:r>
-              <a:rPr lang="en-US" dirty="0" smtClean="0"/>
+              <a:rPr lang="en-US" dirty="0"/>
               <a:t> </a:t>
             </a:r>
             <a:r>
-              <a:rPr lang="en-US" dirty="0" err="1" smtClean="0"/>
+              <a:rPr lang="en-US" dirty="0" err="1"/>
               <a:t>ứng</a:t>
             </a:r>
             <a:r>
-              <a:rPr lang="en-US" dirty="0" smtClean="0"/>
+              <a:rPr lang="en-US" dirty="0"/>
               <a:t> </a:t>
             </a:r>
             <a:r>
-              <a:rPr lang="en-US" dirty="0" err="1" smtClean="0"/>
+              <a:rPr lang="en-US" dirty="0" err="1"/>
               <a:t>dụng</a:t>
             </a:r>
             <a:endParaRPr lang="en-US" dirty="0"/>
@@ -14128,10 +13894,9 @@
               <a:defRPr/>
             </a:pPr>
             <a:r>
-              <a:rPr lang="en-US" smtClean="0"/>
+              <a:rPr lang="en-US"/>
               <a:t>&lt;Title&gt;</a:t>
             </a:r>
-            <a:endParaRPr lang="en-US"/>
           </a:p>
         </p:txBody>
       </p:sp>
